--- a/frontend/Projetofinal.pptx
+++ b/frontend/Projetofinal.pptx
@@ -223,7 +223,7 @@
           <a:p>
             <a:fld id="{FE9D9CDB-C2A3-476A-90A3-89D9FB37A977}" type="datetimeFigureOut">
               <a:rPr lang="pt-PT" smtClean="0"/>
-              <a:t>20/05/2023</a:t>
+              <a:t>24/05/2023</a:t>
             </a:fld>
             <a:endParaRPr lang="pt-PT"/>
           </a:p>
@@ -592,7 +592,22 @@
             <a:endParaRPr lang="pt-PT" dirty="0"/>
           </a:p>
           <a:p>
+            <a:pPr algn="ctr"/>
             <a:endParaRPr lang="pt-PT" dirty="0"/>
+          </a:p>
+          <a:p>
+            <a:pPr algn="ctr"/>
+            <a:r>
+              <a:rPr lang="pt-PT" dirty="0"/>
+              <a:t>Colocar class=valid-feedback nos inputs</a:t>
+            </a:r>
+          </a:p>
+          <a:p>
+            <a:pPr algn="ctr"/>
+            <a:endParaRPr lang="pt-PT" dirty="0"/>
+          </a:p>
+          <a:p>
+            <a:endParaRPr lang="pt-PT" b="1" dirty="0"/>
           </a:p>
         </p:txBody>
       </p:sp>
@@ -701,6 +716,13 @@
           <a:p>
             <a:endParaRPr lang="pt-PT" u="none" dirty="0"/>
           </a:p>
+          <a:p>
+            <a:r>
+              <a:rPr lang="pt-PT" sz="1200" dirty="0"/>
+              <a:t>colocar disable na tag referente ao email</a:t>
+            </a:r>
+            <a:endParaRPr lang="pt-PT" u="none" dirty="0"/>
+          </a:p>
         </p:txBody>
       </p:sp>
       <p:sp>
@@ -3752,6 +3774,69 @@
             <a:endParaRPr lang="pt-PT" dirty="0"/>
           </a:p>
           <a:p>
+            <a:pPr marL="0" marR="0" lvl="0" indent="0" algn="l" defTabSz="914400" rtl="0" eaLnBrk="1" fontAlgn="auto" latinLnBrk="0" hangingPunct="1">
+              <a:lnSpc>
+                <a:spcPct val="100000"/>
+              </a:lnSpc>
+              <a:spcBef>
+                <a:spcPts val="0"/>
+              </a:spcBef>
+              <a:spcAft>
+                <a:spcPts val="0"/>
+              </a:spcAft>
+              <a:buClrTx/>
+              <a:buSzTx/>
+              <a:buFontTx/>
+              <a:buNone/>
+              <a:tabLst/>
+              <a:defRPr/>
+            </a:pPr>
+            <a:r>
+              <a:rPr lang="pt-PT" dirty="0"/>
+              <a:t>Colocar switch do bootstrap em vez do checkbox</a:t>
+            </a:r>
+          </a:p>
+          <a:p>
+            <a:pPr marL="0" marR="0" lvl="0" indent="0" algn="l" defTabSz="914400" rtl="0" eaLnBrk="1" fontAlgn="auto" latinLnBrk="0" hangingPunct="1">
+              <a:lnSpc>
+                <a:spcPct val="100000"/>
+              </a:lnSpc>
+              <a:spcBef>
+                <a:spcPts val="0"/>
+              </a:spcBef>
+              <a:spcAft>
+                <a:spcPts val="0"/>
+              </a:spcAft>
+              <a:buClrTx/>
+              <a:buSzTx/>
+              <a:buFontTx/>
+              <a:buNone/>
+              <a:tabLst/>
+              <a:defRPr/>
+            </a:pPr>
+            <a:endParaRPr lang="pt-PT" dirty="0"/>
+          </a:p>
+          <a:p>
+            <a:pPr marL="0" marR="0" lvl="0" indent="0" algn="l" defTabSz="914400" rtl="0" eaLnBrk="1" fontAlgn="auto" latinLnBrk="0" hangingPunct="1">
+              <a:lnSpc>
+                <a:spcPct val="100000"/>
+              </a:lnSpc>
+              <a:spcBef>
+                <a:spcPts val="0"/>
+              </a:spcBef>
+              <a:spcAft>
+                <a:spcPts val="0"/>
+              </a:spcAft>
+              <a:buClrTx/>
+              <a:buSzTx/>
+              <a:buFontTx/>
+              <a:buNone/>
+              <a:tabLst/>
+              <a:defRPr/>
+            </a:pPr>
+            <a:endParaRPr lang="pt-PT" dirty="0"/>
+          </a:p>
+          <a:p>
             <a:endParaRPr lang="pt-PT" u="none" dirty="0"/>
           </a:p>
         </p:txBody>
@@ -4322,6 +4407,13 @@
             </a:r>
           </a:p>
           <a:p>
+            <a:endParaRPr lang="pt-PT" u="none" dirty="0"/>
+          </a:p>
+          <a:p>
+            <a:r>
+              <a:rPr lang="pt-PT" u="none"/>
+              <a:t>Class badge para colocar o numro de notificaçoes não lidas e mensangens</a:t>
+            </a:r>
             <a:endParaRPr lang="pt-PT" u="none" dirty="0"/>
           </a:p>
         </p:txBody>
@@ -5103,7 +5195,7 @@
           <a:p>
             <a:fld id="{FB7C899D-E10C-4A45-8FE7-FF5DBE555438}" type="datetimeFigureOut">
               <a:rPr lang="pt-PT" smtClean="0"/>
-              <a:t>20/05/2023</a:t>
+              <a:t>24/05/2023</a:t>
             </a:fld>
             <a:endParaRPr lang="pt-PT"/>
           </a:p>
@@ -5303,7 +5395,7 @@
           <a:p>
             <a:fld id="{FB7C899D-E10C-4A45-8FE7-FF5DBE555438}" type="datetimeFigureOut">
               <a:rPr lang="pt-PT" smtClean="0"/>
-              <a:t>20/05/2023</a:t>
+              <a:t>24/05/2023</a:t>
             </a:fld>
             <a:endParaRPr lang="pt-PT"/>
           </a:p>
@@ -5513,7 +5605,7 @@
           <a:p>
             <a:fld id="{FB7C899D-E10C-4A45-8FE7-FF5DBE555438}" type="datetimeFigureOut">
               <a:rPr lang="pt-PT" smtClean="0"/>
-              <a:t>20/05/2023</a:t>
+              <a:t>24/05/2023</a:t>
             </a:fld>
             <a:endParaRPr lang="pt-PT"/>
           </a:p>
@@ -5713,7 +5805,7 @@
           <a:p>
             <a:fld id="{FB7C899D-E10C-4A45-8FE7-FF5DBE555438}" type="datetimeFigureOut">
               <a:rPr lang="pt-PT" smtClean="0"/>
-              <a:t>20/05/2023</a:t>
+              <a:t>24/05/2023</a:t>
             </a:fld>
             <a:endParaRPr lang="pt-PT"/>
           </a:p>
@@ -5989,7 +6081,7 @@
           <a:p>
             <a:fld id="{FB7C899D-E10C-4A45-8FE7-FF5DBE555438}" type="datetimeFigureOut">
               <a:rPr lang="pt-PT" smtClean="0"/>
-              <a:t>20/05/2023</a:t>
+              <a:t>24/05/2023</a:t>
             </a:fld>
             <a:endParaRPr lang="pt-PT"/>
           </a:p>
@@ -6257,7 +6349,7 @@
           <a:p>
             <a:fld id="{FB7C899D-E10C-4A45-8FE7-FF5DBE555438}" type="datetimeFigureOut">
               <a:rPr lang="pt-PT" smtClean="0"/>
-              <a:t>20/05/2023</a:t>
+              <a:t>24/05/2023</a:t>
             </a:fld>
             <a:endParaRPr lang="pt-PT"/>
           </a:p>
@@ -6672,7 +6764,7 @@
           <a:p>
             <a:fld id="{FB7C899D-E10C-4A45-8FE7-FF5DBE555438}" type="datetimeFigureOut">
               <a:rPr lang="pt-PT" smtClean="0"/>
-              <a:t>20/05/2023</a:t>
+              <a:t>24/05/2023</a:t>
             </a:fld>
             <a:endParaRPr lang="pt-PT"/>
           </a:p>
@@ -6814,7 +6906,7 @@
           <a:p>
             <a:fld id="{FB7C899D-E10C-4A45-8FE7-FF5DBE555438}" type="datetimeFigureOut">
               <a:rPr lang="pt-PT" smtClean="0"/>
-              <a:t>20/05/2023</a:t>
+              <a:t>24/05/2023</a:t>
             </a:fld>
             <a:endParaRPr lang="pt-PT"/>
           </a:p>
@@ -6927,7 +7019,7 @@
           <a:p>
             <a:fld id="{FB7C899D-E10C-4A45-8FE7-FF5DBE555438}" type="datetimeFigureOut">
               <a:rPr lang="pt-PT" smtClean="0"/>
-              <a:t>20/05/2023</a:t>
+              <a:t>24/05/2023</a:t>
             </a:fld>
             <a:endParaRPr lang="pt-PT"/>
           </a:p>
@@ -7240,7 +7332,7 @@
           <a:p>
             <a:fld id="{FB7C899D-E10C-4A45-8FE7-FF5DBE555438}" type="datetimeFigureOut">
               <a:rPr lang="pt-PT" smtClean="0"/>
-              <a:t>20/05/2023</a:t>
+              <a:t>24/05/2023</a:t>
             </a:fld>
             <a:endParaRPr lang="pt-PT"/>
           </a:p>
@@ -7529,7 +7621,7 @@
           <a:p>
             <a:fld id="{FB7C899D-E10C-4A45-8FE7-FF5DBE555438}" type="datetimeFigureOut">
               <a:rPr lang="pt-PT" smtClean="0"/>
-              <a:t>20/05/2023</a:t>
+              <a:t>24/05/2023</a:t>
             </a:fld>
             <a:endParaRPr lang="pt-PT"/>
           </a:p>
@@ -7772,7 +7864,7 @@
           <a:p>
             <a:fld id="{FB7C899D-E10C-4A45-8FE7-FF5DBE555438}" type="datetimeFigureOut">
               <a:rPr lang="pt-PT" smtClean="0"/>
-              <a:t>20/05/2023</a:t>
+              <a:t>24/05/2023</a:t>
             </a:fld>
             <a:endParaRPr lang="pt-PT"/>
           </a:p>
@@ -35581,6 +35673,68 @@
                 <a:schemeClr val="bg1"/>
               </a:solidFill>
             </a:endParaRPr>
+          </a:p>
+        </p:txBody>
+      </p:sp>
+      <p:sp>
+        <p:nvSpPr>
+          <p:cNvPr id="4" name="Retângulo 3">
+            <a:extLst>
+              <a:ext uri="{FF2B5EF4-FFF2-40B4-BE49-F238E27FC236}">
+                <a16:creationId xmlns:a16="http://schemas.microsoft.com/office/drawing/2014/main" id="{F2856137-4375-4F7A-33C5-A6F6CCECE1FC}"/>
+              </a:ext>
+            </a:extLst>
+          </p:cNvPr>
+          <p:cNvSpPr/>
+          <p:nvPr/>
+        </p:nvSpPr>
+        <p:spPr>
+          <a:xfrm>
+            <a:off x="7548352" y="102093"/>
+            <a:ext cx="1127463" cy="455462"/>
+          </a:xfrm>
+          <a:prstGeom prst="rect">
+            <a:avLst/>
+          </a:prstGeom>
+          <a:solidFill>
+            <a:srgbClr val="C00000"/>
+          </a:solidFill>
+          <a:ln>
+            <a:noFill/>
+          </a:ln>
+        </p:spPr>
+        <p:style>
+          <a:lnRef idx="2">
+            <a:schemeClr val="accent1">
+              <a:shade val="50000"/>
+            </a:schemeClr>
+          </a:lnRef>
+          <a:fillRef idx="1">
+            <a:schemeClr val="accent1"/>
+          </a:fillRef>
+          <a:effectRef idx="0">
+            <a:schemeClr val="accent1"/>
+          </a:effectRef>
+          <a:fontRef idx="minor">
+            <a:schemeClr val="lt1"/>
+          </a:fontRef>
+        </p:style>
+        <p:txBody>
+          <a:bodyPr rtlCol="0" anchor="ctr"/>
+          <a:lstStyle/>
+          <a:p>
+            <a:pPr algn="ctr"/>
+            <a:r>
+              <a:rPr lang="pt-PT" sz="800" dirty="0"/>
+              <a:t>Caixa de mensagens</a:t>
+            </a:r>
+          </a:p>
+          <a:p>
+            <a:pPr algn="ctr"/>
+            <a:r>
+              <a:rPr lang="pt-PT" sz="800" dirty="0"/>
+              <a:t>(Contador mensagens não lidas)(icon)</a:t>
+            </a:r>
           </a:p>
         </p:txBody>
       </p:sp>

--- a/frontend/Projetofinal.pptx
+++ b/frontend/Projetofinal.pptx
@@ -10322,7 +10322,7 @@
         </p:nvSpPr>
         <p:spPr>
           <a:xfrm>
-            <a:off x="2514444" y="1926669"/>
+            <a:off x="2506942" y="3144753"/>
             <a:ext cx="662731" cy="409718"/>
           </a:xfrm>
           <a:prstGeom prst="rect">
@@ -10377,8 +10377,8 @@
         </p:nvSpPr>
         <p:spPr>
           <a:xfrm>
-            <a:off x="4870444" y="2441162"/>
-            <a:ext cx="4457268" cy="554310"/>
+            <a:off x="3971486" y="3814956"/>
+            <a:ext cx="7481374" cy="554310"/>
           </a:xfrm>
           <a:prstGeom prst="rect">
             <a:avLst/>
@@ -10429,7 +10429,7 @@
                   </a:outerShdw>
                 </a:effectLst>
               </a:rPr>
-              <a:t>Nome do projeto;Vagas;Estado;Skills</a:t>
+              <a:t>Nome do projeto|Vagas|Estado|Skills</a:t>
             </a:r>
             <a:endParaRPr lang="pt-PT" dirty="0"/>
           </a:p>
@@ -10437,10 +10437,10 @@
       </p:sp>
       <p:sp>
         <p:nvSpPr>
-          <p:cNvPr id="12" name="Retângulo 11">
-            <a:extLst>
-              <a:ext uri="{FF2B5EF4-FFF2-40B4-BE49-F238E27FC236}">
-                <a16:creationId xmlns:a16="http://schemas.microsoft.com/office/drawing/2014/main" id="{363D3452-6510-C2BF-168D-0272FC1D0865}"/>
+          <p:cNvPr id="52" name="Retângulo 51">
+            <a:extLst>
+              <a:ext uri="{FF2B5EF4-FFF2-40B4-BE49-F238E27FC236}">
+                <a16:creationId xmlns:a16="http://schemas.microsoft.com/office/drawing/2014/main" id="{614996B1-7A6D-A4BC-584A-4F9C5B3A39B3}"/>
               </a:ext>
             </a:extLst>
           </p:cNvPr>
@@ -10449,8 +10449,953 @@
         </p:nvSpPr>
         <p:spPr>
           <a:xfrm>
-            <a:off x="4870444" y="3260594"/>
-            <a:ext cx="4457268" cy="554310"/>
+            <a:off x="5522511" y="2337464"/>
+            <a:ext cx="1882140" cy="274320"/>
+          </a:xfrm>
+          <a:prstGeom prst="rect">
+            <a:avLst/>
+          </a:prstGeom>
+          <a:noFill/>
+          <a:ln w="3175">
+            <a:solidFill>
+              <a:srgbClr val="C00000"/>
+            </a:solidFill>
+          </a:ln>
+        </p:spPr>
+        <p:style>
+          <a:lnRef idx="2">
+            <a:schemeClr val="accent1">
+              <a:shade val="50000"/>
+            </a:schemeClr>
+          </a:lnRef>
+          <a:fillRef idx="1">
+            <a:schemeClr val="accent1"/>
+          </a:fillRef>
+          <a:effectRef idx="0">
+            <a:schemeClr val="accent1"/>
+          </a:effectRef>
+          <a:fontRef idx="minor">
+            <a:schemeClr val="lt1"/>
+          </a:fontRef>
+        </p:style>
+        <p:txBody>
+          <a:bodyPr rtlCol="0" anchor="ctr"/>
+          <a:lstStyle/>
+          <a:p>
+            <a:r>
+              <a:rPr lang="pt-PT" dirty="0">
+                <a:solidFill>
+                  <a:schemeClr val="tx1">
+                    <a:lumMod val="95000"/>
+                    <a:lumOff val="5000"/>
+                  </a:schemeClr>
+                </a:solidFill>
+              </a:rPr>
+              <a:t>Select (estados)</a:t>
+            </a:r>
+          </a:p>
+        </p:txBody>
+      </p:sp>
+      <p:sp>
+        <p:nvSpPr>
+          <p:cNvPr id="53" name="Seta: para Baixo 52">
+            <a:extLst>
+              <a:ext uri="{FF2B5EF4-FFF2-40B4-BE49-F238E27FC236}">
+                <a16:creationId xmlns:a16="http://schemas.microsoft.com/office/drawing/2014/main" id="{6288F104-8EE7-5B86-087C-53098A8348F2}"/>
+              </a:ext>
+            </a:extLst>
+          </p:cNvPr>
+          <p:cNvSpPr/>
+          <p:nvPr/>
+        </p:nvSpPr>
+        <p:spPr>
+          <a:xfrm>
+            <a:off x="7161541" y="2354793"/>
+            <a:ext cx="259080" cy="245286"/>
+          </a:xfrm>
+          <a:prstGeom prst="downArrow">
+            <a:avLst/>
+          </a:prstGeom>
+          <a:solidFill>
+            <a:schemeClr val="bg1"/>
+          </a:solidFill>
+          <a:ln>
+            <a:solidFill>
+              <a:schemeClr val="tx1"/>
+            </a:solidFill>
+          </a:ln>
+        </p:spPr>
+        <p:style>
+          <a:lnRef idx="2">
+            <a:schemeClr val="accent1">
+              <a:shade val="50000"/>
+            </a:schemeClr>
+          </a:lnRef>
+          <a:fillRef idx="1">
+            <a:schemeClr val="accent1"/>
+          </a:fillRef>
+          <a:effectRef idx="0">
+            <a:schemeClr val="accent1"/>
+          </a:effectRef>
+          <a:fontRef idx="minor">
+            <a:schemeClr val="lt1"/>
+          </a:fontRef>
+        </p:style>
+        <p:txBody>
+          <a:bodyPr rtlCol="0" anchor="ctr"/>
+          <a:lstStyle/>
+          <a:p>
+            <a:pPr algn="ctr"/>
+            <a:endParaRPr lang="pt-PT" dirty="0"/>
+          </a:p>
+        </p:txBody>
+      </p:sp>
+      <p:sp>
+        <p:nvSpPr>
+          <p:cNvPr id="54" name="Retângulo 53">
+            <a:extLst>
+              <a:ext uri="{FF2B5EF4-FFF2-40B4-BE49-F238E27FC236}">
+                <a16:creationId xmlns:a16="http://schemas.microsoft.com/office/drawing/2014/main" id="{E60B44E7-369A-A6C0-1E2D-992DEB2199A8}"/>
+              </a:ext>
+            </a:extLst>
+          </p:cNvPr>
+          <p:cNvSpPr/>
+          <p:nvPr/>
+        </p:nvSpPr>
+        <p:spPr>
+          <a:xfrm>
+            <a:off x="5518133" y="2642960"/>
+            <a:ext cx="1882140" cy="274321"/>
+          </a:xfrm>
+          <a:prstGeom prst="rect">
+            <a:avLst/>
+          </a:prstGeom>
+          <a:solidFill>
+            <a:schemeClr val="bg1"/>
+          </a:solidFill>
+          <a:ln>
+            <a:solidFill>
+              <a:srgbClr val="C00000"/>
+            </a:solidFill>
+          </a:ln>
+        </p:spPr>
+        <p:style>
+          <a:lnRef idx="2">
+            <a:schemeClr val="accent1">
+              <a:shade val="50000"/>
+            </a:schemeClr>
+          </a:lnRef>
+          <a:fillRef idx="1">
+            <a:schemeClr val="accent1"/>
+          </a:fillRef>
+          <a:effectRef idx="0">
+            <a:schemeClr val="accent1"/>
+          </a:effectRef>
+          <a:fontRef idx="minor">
+            <a:schemeClr val="lt1"/>
+          </a:fontRef>
+        </p:style>
+        <p:txBody>
+          <a:bodyPr rtlCol="0" anchor="ctr"/>
+          <a:lstStyle/>
+          <a:p>
+            <a:pPr algn="ctr"/>
+            <a:r>
+              <a:rPr lang="pt-PT" dirty="0">
+                <a:solidFill>
+                  <a:schemeClr val="tx1"/>
+                </a:solidFill>
+              </a:rPr>
+              <a:t>Planning</a:t>
+            </a:r>
+          </a:p>
+        </p:txBody>
+      </p:sp>
+      <p:sp>
+        <p:nvSpPr>
+          <p:cNvPr id="55" name="Retângulo 54">
+            <a:extLst>
+              <a:ext uri="{FF2B5EF4-FFF2-40B4-BE49-F238E27FC236}">
+                <a16:creationId xmlns:a16="http://schemas.microsoft.com/office/drawing/2014/main" id="{60648259-3386-4232-12E8-9CA0F14D40B2}"/>
+              </a:ext>
+            </a:extLst>
+          </p:cNvPr>
+          <p:cNvSpPr/>
+          <p:nvPr/>
+        </p:nvSpPr>
+        <p:spPr>
+          <a:xfrm>
+            <a:off x="5518133" y="2917281"/>
+            <a:ext cx="1882140" cy="274321"/>
+          </a:xfrm>
+          <a:prstGeom prst="rect">
+            <a:avLst/>
+          </a:prstGeom>
+          <a:solidFill>
+            <a:schemeClr val="bg1"/>
+          </a:solidFill>
+          <a:ln>
+            <a:solidFill>
+              <a:srgbClr val="C00000"/>
+            </a:solidFill>
+          </a:ln>
+        </p:spPr>
+        <p:style>
+          <a:lnRef idx="2">
+            <a:schemeClr val="accent1">
+              <a:shade val="50000"/>
+            </a:schemeClr>
+          </a:lnRef>
+          <a:fillRef idx="1">
+            <a:schemeClr val="accent1"/>
+          </a:fillRef>
+          <a:effectRef idx="0">
+            <a:schemeClr val="accent1"/>
+          </a:effectRef>
+          <a:fontRef idx="minor">
+            <a:schemeClr val="lt1"/>
+          </a:fontRef>
+        </p:style>
+        <p:txBody>
+          <a:bodyPr rtlCol="0" anchor="ctr"/>
+          <a:lstStyle/>
+          <a:p>
+            <a:pPr algn="ctr"/>
+            <a:r>
+              <a:rPr lang="pt-PT" dirty="0">
+                <a:solidFill>
+                  <a:schemeClr val="tx1"/>
+                </a:solidFill>
+              </a:rPr>
+              <a:t>Ready</a:t>
+            </a:r>
+          </a:p>
+        </p:txBody>
+      </p:sp>
+      <p:sp>
+        <p:nvSpPr>
+          <p:cNvPr id="56" name="Retângulo 55">
+            <a:extLst>
+              <a:ext uri="{FF2B5EF4-FFF2-40B4-BE49-F238E27FC236}">
+                <a16:creationId xmlns:a16="http://schemas.microsoft.com/office/drawing/2014/main" id="{53A25442-C2D8-3D71-439C-3C4602E33C8C}"/>
+              </a:ext>
+            </a:extLst>
+          </p:cNvPr>
+          <p:cNvSpPr/>
+          <p:nvPr/>
+        </p:nvSpPr>
+        <p:spPr>
+          <a:xfrm>
+            <a:off x="5518133" y="3169387"/>
+            <a:ext cx="1882140" cy="274321"/>
+          </a:xfrm>
+          <a:prstGeom prst="rect">
+            <a:avLst/>
+          </a:prstGeom>
+          <a:solidFill>
+            <a:schemeClr val="bg1"/>
+          </a:solidFill>
+          <a:ln>
+            <a:solidFill>
+              <a:srgbClr val="C00000"/>
+            </a:solidFill>
+          </a:ln>
+        </p:spPr>
+        <p:style>
+          <a:lnRef idx="2">
+            <a:schemeClr val="accent1">
+              <a:shade val="50000"/>
+            </a:schemeClr>
+          </a:lnRef>
+          <a:fillRef idx="1">
+            <a:schemeClr val="accent1"/>
+          </a:fillRef>
+          <a:effectRef idx="0">
+            <a:schemeClr val="accent1"/>
+          </a:effectRef>
+          <a:fontRef idx="minor">
+            <a:schemeClr val="lt1"/>
+          </a:fontRef>
+        </p:style>
+        <p:txBody>
+          <a:bodyPr rtlCol="0" anchor="ctr"/>
+          <a:lstStyle/>
+          <a:p>
+            <a:pPr algn="ctr"/>
+            <a:r>
+              <a:rPr lang="pt-PT" dirty="0">
+                <a:solidFill>
+                  <a:schemeClr val="tx1"/>
+                </a:solidFill>
+              </a:rPr>
+              <a:t>…</a:t>
+            </a:r>
+          </a:p>
+        </p:txBody>
+      </p:sp>
+      <p:sp>
+        <p:nvSpPr>
+          <p:cNvPr id="57" name="Retângulo 56">
+            <a:extLst>
+              <a:ext uri="{FF2B5EF4-FFF2-40B4-BE49-F238E27FC236}">
+                <a16:creationId xmlns:a16="http://schemas.microsoft.com/office/drawing/2014/main" id="{E642EB22-E382-275D-8334-9FE277FF3176}"/>
+              </a:ext>
+            </a:extLst>
+          </p:cNvPr>
+          <p:cNvSpPr/>
+          <p:nvPr/>
+        </p:nvSpPr>
+        <p:spPr>
+          <a:xfrm>
+            <a:off x="7693852" y="1908132"/>
+            <a:ext cx="1478280" cy="324707"/>
+          </a:xfrm>
+          <a:prstGeom prst="rect">
+            <a:avLst/>
+          </a:prstGeom>
+          <a:solidFill>
+            <a:schemeClr val="bg1"/>
+          </a:solidFill>
+          <a:ln>
+            <a:solidFill>
+              <a:srgbClr val="C00000"/>
+            </a:solidFill>
+          </a:ln>
+        </p:spPr>
+        <p:style>
+          <a:lnRef idx="2">
+            <a:schemeClr val="accent1">
+              <a:shade val="50000"/>
+            </a:schemeClr>
+          </a:lnRef>
+          <a:fillRef idx="1">
+            <a:schemeClr val="accent1"/>
+          </a:fillRef>
+          <a:effectRef idx="0">
+            <a:schemeClr val="accent1"/>
+          </a:effectRef>
+          <a:fontRef idx="minor">
+            <a:schemeClr val="lt1"/>
+          </a:fontRef>
+        </p:style>
+        <p:txBody>
+          <a:bodyPr rtlCol="0" anchor="ctr"/>
+          <a:lstStyle/>
+          <a:p>
+            <a:r>
+              <a:rPr lang="pt-PT" dirty="0">
+                <a:solidFill>
+                  <a:schemeClr val="tx1"/>
+                </a:solidFill>
+              </a:rPr>
+              <a:t>Data Criação</a:t>
+            </a:r>
+          </a:p>
+        </p:txBody>
+      </p:sp>
+      <p:sp>
+        <p:nvSpPr>
+          <p:cNvPr id="58" name="Seta: para Baixo 57">
+            <a:extLst>
+              <a:ext uri="{FF2B5EF4-FFF2-40B4-BE49-F238E27FC236}">
+                <a16:creationId xmlns:a16="http://schemas.microsoft.com/office/drawing/2014/main" id="{C8E92920-A341-EB8D-2274-06DBB2D01E30}"/>
+              </a:ext>
+            </a:extLst>
+          </p:cNvPr>
+          <p:cNvSpPr/>
+          <p:nvPr/>
+        </p:nvSpPr>
+        <p:spPr>
+          <a:xfrm>
+            <a:off x="8870047" y="2033390"/>
+            <a:ext cx="45719" cy="115048"/>
+          </a:xfrm>
+          <a:prstGeom prst="downArrow">
+            <a:avLst/>
+          </a:prstGeom>
+          <a:solidFill>
+            <a:schemeClr val="tx1">
+              <a:lumMod val="50000"/>
+              <a:lumOff val="50000"/>
+            </a:schemeClr>
+          </a:solidFill>
+          <a:ln>
+            <a:solidFill>
+              <a:schemeClr val="tx1">
+                <a:lumMod val="65000"/>
+                <a:lumOff val="35000"/>
+              </a:schemeClr>
+            </a:solidFill>
+          </a:ln>
+        </p:spPr>
+        <p:style>
+          <a:lnRef idx="2">
+            <a:schemeClr val="accent1">
+              <a:shade val="50000"/>
+            </a:schemeClr>
+          </a:lnRef>
+          <a:fillRef idx="1">
+            <a:schemeClr val="accent1"/>
+          </a:fillRef>
+          <a:effectRef idx="0">
+            <a:schemeClr val="accent1"/>
+          </a:effectRef>
+          <a:fontRef idx="minor">
+            <a:schemeClr val="lt1"/>
+          </a:fontRef>
+        </p:style>
+        <p:txBody>
+          <a:bodyPr rtlCol="0" anchor="ctr"/>
+          <a:lstStyle/>
+          <a:p>
+            <a:pPr algn="ctr"/>
+            <a:endParaRPr lang="pt-PT"/>
+          </a:p>
+        </p:txBody>
+      </p:sp>
+      <p:sp>
+        <p:nvSpPr>
+          <p:cNvPr id="59" name="Seta: para Baixo 58">
+            <a:extLst>
+              <a:ext uri="{FF2B5EF4-FFF2-40B4-BE49-F238E27FC236}">
+                <a16:creationId xmlns:a16="http://schemas.microsoft.com/office/drawing/2014/main" id="{FE014151-22D5-9F3E-C607-764D9A23166A}"/>
+              </a:ext>
+            </a:extLst>
+          </p:cNvPr>
+          <p:cNvSpPr/>
+          <p:nvPr/>
+        </p:nvSpPr>
+        <p:spPr>
+          <a:xfrm rot="10800000">
+            <a:off x="8942437" y="2030972"/>
+            <a:ext cx="45719" cy="115048"/>
+          </a:xfrm>
+          <a:prstGeom prst="downArrow">
+            <a:avLst/>
+          </a:prstGeom>
+          <a:solidFill>
+            <a:schemeClr val="tx1">
+              <a:lumMod val="50000"/>
+              <a:lumOff val="50000"/>
+            </a:schemeClr>
+          </a:solidFill>
+          <a:ln>
+            <a:solidFill>
+              <a:schemeClr val="tx1">
+                <a:lumMod val="65000"/>
+                <a:lumOff val="35000"/>
+              </a:schemeClr>
+            </a:solidFill>
+          </a:ln>
+        </p:spPr>
+        <p:style>
+          <a:lnRef idx="2">
+            <a:schemeClr val="accent1">
+              <a:shade val="50000"/>
+            </a:schemeClr>
+          </a:lnRef>
+          <a:fillRef idx="1">
+            <a:schemeClr val="accent1"/>
+          </a:fillRef>
+          <a:effectRef idx="0">
+            <a:schemeClr val="accent1"/>
+          </a:effectRef>
+          <a:fontRef idx="minor">
+            <a:schemeClr val="lt1"/>
+          </a:fontRef>
+        </p:style>
+        <p:txBody>
+          <a:bodyPr rtlCol="0" anchor="ctr"/>
+          <a:lstStyle/>
+          <a:p>
+            <a:pPr algn="ctr"/>
+            <a:endParaRPr lang="pt-PT"/>
+          </a:p>
+        </p:txBody>
+      </p:sp>
+      <p:sp>
+        <p:nvSpPr>
+          <p:cNvPr id="60" name="Retângulo 59">
+            <a:extLst>
+              <a:ext uri="{FF2B5EF4-FFF2-40B4-BE49-F238E27FC236}">
+                <a16:creationId xmlns:a16="http://schemas.microsoft.com/office/drawing/2014/main" id="{E7BDE50F-53F0-9040-3382-E07B8AD533C9}"/>
+              </a:ext>
+            </a:extLst>
+          </p:cNvPr>
+          <p:cNvSpPr/>
+          <p:nvPr/>
+        </p:nvSpPr>
+        <p:spPr>
+          <a:xfrm>
+            <a:off x="9415058" y="1908132"/>
+            <a:ext cx="1668415" cy="324707"/>
+          </a:xfrm>
+          <a:prstGeom prst="rect">
+            <a:avLst/>
+          </a:prstGeom>
+          <a:solidFill>
+            <a:schemeClr val="bg1"/>
+          </a:solidFill>
+          <a:ln>
+            <a:solidFill>
+              <a:srgbClr val="C00000"/>
+            </a:solidFill>
+          </a:ln>
+        </p:spPr>
+        <p:style>
+          <a:lnRef idx="2">
+            <a:schemeClr val="accent1">
+              <a:shade val="50000"/>
+            </a:schemeClr>
+          </a:lnRef>
+          <a:fillRef idx="1">
+            <a:schemeClr val="accent1"/>
+          </a:fillRef>
+          <a:effectRef idx="0">
+            <a:schemeClr val="accent1"/>
+          </a:effectRef>
+          <a:fontRef idx="minor">
+            <a:schemeClr val="lt1"/>
+          </a:fontRef>
+        </p:style>
+        <p:txBody>
+          <a:bodyPr rtlCol="0" anchor="ctr"/>
+          <a:lstStyle/>
+          <a:p>
+            <a:r>
+              <a:rPr lang="pt-PT" dirty="0">
+                <a:solidFill>
+                  <a:schemeClr val="tx1"/>
+                </a:solidFill>
+              </a:rPr>
+              <a:t>Vagas Abertas</a:t>
+            </a:r>
+          </a:p>
+        </p:txBody>
+      </p:sp>
+      <p:sp>
+        <p:nvSpPr>
+          <p:cNvPr id="61" name="Seta: para Baixo 60">
+            <a:extLst>
+              <a:ext uri="{FF2B5EF4-FFF2-40B4-BE49-F238E27FC236}">
+                <a16:creationId xmlns:a16="http://schemas.microsoft.com/office/drawing/2014/main" id="{9321FD2B-EF5A-B59B-B54A-882B33DEF5E3}"/>
+              </a:ext>
+            </a:extLst>
+          </p:cNvPr>
+          <p:cNvSpPr/>
+          <p:nvPr/>
+        </p:nvSpPr>
+        <p:spPr>
+          <a:xfrm>
+            <a:off x="10794828" y="2033390"/>
+            <a:ext cx="45719" cy="115048"/>
+          </a:xfrm>
+          <a:prstGeom prst="downArrow">
+            <a:avLst/>
+          </a:prstGeom>
+          <a:solidFill>
+            <a:schemeClr val="tx1">
+              <a:lumMod val="50000"/>
+              <a:lumOff val="50000"/>
+            </a:schemeClr>
+          </a:solidFill>
+          <a:ln>
+            <a:solidFill>
+              <a:schemeClr val="tx1">
+                <a:lumMod val="65000"/>
+                <a:lumOff val="35000"/>
+              </a:schemeClr>
+            </a:solidFill>
+          </a:ln>
+        </p:spPr>
+        <p:style>
+          <a:lnRef idx="2">
+            <a:schemeClr val="accent1">
+              <a:shade val="50000"/>
+            </a:schemeClr>
+          </a:lnRef>
+          <a:fillRef idx="1">
+            <a:schemeClr val="accent1"/>
+          </a:fillRef>
+          <a:effectRef idx="0">
+            <a:schemeClr val="accent1"/>
+          </a:effectRef>
+          <a:fontRef idx="minor">
+            <a:schemeClr val="lt1"/>
+          </a:fontRef>
+        </p:style>
+        <p:txBody>
+          <a:bodyPr rtlCol="0" anchor="ctr"/>
+          <a:lstStyle/>
+          <a:p>
+            <a:pPr algn="ctr"/>
+            <a:endParaRPr lang="pt-PT"/>
+          </a:p>
+        </p:txBody>
+      </p:sp>
+      <p:sp>
+        <p:nvSpPr>
+          <p:cNvPr id="62" name="Seta: para Baixo 61">
+            <a:extLst>
+              <a:ext uri="{FF2B5EF4-FFF2-40B4-BE49-F238E27FC236}">
+                <a16:creationId xmlns:a16="http://schemas.microsoft.com/office/drawing/2014/main" id="{9489F5F2-0DD4-FD07-260D-BB9E717B33C7}"/>
+              </a:ext>
+            </a:extLst>
+          </p:cNvPr>
+          <p:cNvSpPr/>
+          <p:nvPr/>
+        </p:nvSpPr>
+        <p:spPr>
+          <a:xfrm rot="10800000">
+            <a:off x="10867218" y="2030972"/>
+            <a:ext cx="45719" cy="115048"/>
+          </a:xfrm>
+          <a:prstGeom prst="downArrow">
+            <a:avLst/>
+          </a:prstGeom>
+          <a:solidFill>
+            <a:schemeClr val="tx1">
+              <a:lumMod val="50000"/>
+              <a:lumOff val="50000"/>
+            </a:schemeClr>
+          </a:solidFill>
+          <a:ln>
+            <a:solidFill>
+              <a:schemeClr val="tx1">
+                <a:lumMod val="65000"/>
+                <a:lumOff val="35000"/>
+              </a:schemeClr>
+            </a:solidFill>
+          </a:ln>
+        </p:spPr>
+        <p:style>
+          <a:lnRef idx="2">
+            <a:schemeClr val="accent1">
+              <a:shade val="50000"/>
+            </a:schemeClr>
+          </a:lnRef>
+          <a:fillRef idx="1">
+            <a:schemeClr val="accent1"/>
+          </a:fillRef>
+          <a:effectRef idx="0">
+            <a:schemeClr val="accent1"/>
+          </a:effectRef>
+          <a:fontRef idx="minor">
+            <a:schemeClr val="lt1"/>
+          </a:fontRef>
+        </p:style>
+        <p:txBody>
+          <a:bodyPr rtlCol="0" anchor="ctr"/>
+          <a:lstStyle/>
+          <a:p>
+            <a:pPr algn="ctr"/>
+            <a:endParaRPr lang="pt-PT"/>
+          </a:p>
+        </p:txBody>
+      </p:sp>
+      <p:sp>
+        <p:nvSpPr>
+          <p:cNvPr id="65" name="Retângulo 64">
+            <a:extLst>
+              <a:ext uri="{FF2B5EF4-FFF2-40B4-BE49-F238E27FC236}">
+                <a16:creationId xmlns:a16="http://schemas.microsoft.com/office/drawing/2014/main" id="{6BB08929-5D3A-C91C-4A21-F4F7E7AC27D1}"/>
+              </a:ext>
+            </a:extLst>
+          </p:cNvPr>
+          <p:cNvSpPr/>
+          <p:nvPr/>
+        </p:nvSpPr>
+        <p:spPr>
+          <a:xfrm>
+            <a:off x="5538481" y="1916765"/>
+            <a:ext cx="1882140" cy="295797"/>
+          </a:xfrm>
+          <a:prstGeom prst="rect">
+            <a:avLst/>
+          </a:prstGeom>
+          <a:solidFill>
+            <a:schemeClr val="bg1"/>
+          </a:solidFill>
+          <a:ln>
+            <a:solidFill>
+              <a:srgbClr val="C00000"/>
+            </a:solidFill>
+          </a:ln>
+        </p:spPr>
+        <p:style>
+          <a:lnRef idx="2">
+            <a:schemeClr val="accent1">
+              <a:shade val="50000"/>
+            </a:schemeClr>
+          </a:lnRef>
+          <a:fillRef idx="1">
+            <a:schemeClr val="accent1"/>
+          </a:fillRef>
+          <a:effectRef idx="0">
+            <a:schemeClr val="accent1"/>
+          </a:effectRef>
+          <a:fontRef idx="minor">
+            <a:schemeClr val="lt1"/>
+          </a:fontRef>
+        </p:style>
+        <p:txBody>
+          <a:bodyPr rtlCol="0" anchor="ctr"/>
+          <a:lstStyle/>
+          <a:p>
+            <a:pPr algn="ctr"/>
+            <a:r>
+              <a:rPr lang="pt-PT" dirty="0">
+                <a:ln w="0"/>
+                <a:solidFill>
+                  <a:schemeClr val="tx1"/>
+                </a:solidFill>
+                <a:effectLst>
+                  <a:outerShdw blurRad="38100" dist="19050" dir="2700000" algn="tl" rotWithShape="0">
+                    <a:schemeClr val="dk1">
+                      <a:alpha val="40000"/>
+                    </a:schemeClr>
+                  </a:outerShdw>
+                </a:effectLst>
+              </a:rPr>
+              <a:t>Vencedor </a:t>
+            </a:r>
+          </a:p>
+        </p:txBody>
+      </p:sp>
+      <p:pic>
+        <p:nvPicPr>
+          <p:cNvPr id="70" name="Imagem 69">
+            <a:extLst>
+              <a:ext uri="{FF2B5EF4-FFF2-40B4-BE49-F238E27FC236}">
+                <a16:creationId xmlns:a16="http://schemas.microsoft.com/office/drawing/2014/main" id="{75860ADF-2A26-4794-0BC3-3B7D636F2D2D}"/>
+              </a:ext>
+            </a:extLst>
+          </p:cNvPr>
+          <p:cNvPicPr>
+            <a:picLocks noChangeAspect="1"/>
+          </p:cNvPicPr>
+          <p:nvPr/>
+        </p:nvPicPr>
+        <p:blipFill>
+          <a:blip r:embed="rId3"/>
+          <a:stretch>
+            <a:fillRect/>
+          </a:stretch>
+        </p:blipFill>
+        <p:spPr>
+          <a:xfrm>
+            <a:off x="7130623" y="1993544"/>
+            <a:ext cx="227068" cy="152400"/>
+          </a:xfrm>
+          <a:prstGeom prst="rect">
+            <a:avLst/>
+          </a:prstGeom>
+          <a:ln>
+            <a:solidFill>
+              <a:schemeClr val="tx1"/>
+            </a:solidFill>
+          </a:ln>
+        </p:spPr>
+      </p:pic>
+      <p:sp>
+        <p:nvSpPr>
+          <p:cNvPr id="71" name="Retângulo 70">
+            <a:extLst>
+              <a:ext uri="{FF2B5EF4-FFF2-40B4-BE49-F238E27FC236}">
+                <a16:creationId xmlns:a16="http://schemas.microsoft.com/office/drawing/2014/main" id="{A671FCC6-F23C-E785-ABA8-A64F33E34657}"/>
+              </a:ext>
+            </a:extLst>
+          </p:cNvPr>
+          <p:cNvSpPr/>
+          <p:nvPr/>
+        </p:nvSpPr>
+        <p:spPr>
+          <a:xfrm>
+            <a:off x="3558541" y="1913443"/>
+            <a:ext cx="1698575" cy="299119"/>
+          </a:xfrm>
+          <a:prstGeom prst="rect">
+            <a:avLst/>
+          </a:prstGeom>
+          <a:solidFill>
+            <a:schemeClr val="bg1"/>
+          </a:solidFill>
+          <a:ln>
+            <a:solidFill>
+              <a:srgbClr val="C01722"/>
+            </a:solidFill>
+          </a:ln>
+        </p:spPr>
+        <p:style>
+          <a:lnRef idx="2">
+            <a:schemeClr val="accent1">
+              <a:shade val="50000"/>
+            </a:schemeClr>
+          </a:lnRef>
+          <a:fillRef idx="1">
+            <a:schemeClr val="accent1"/>
+          </a:fillRef>
+          <a:effectRef idx="0">
+            <a:schemeClr val="accent1"/>
+          </a:effectRef>
+          <a:fontRef idx="minor">
+            <a:schemeClr val="lt1"/>
+          </a:fontRef>
+        </p:style>
+        <p:txBody>
+          <a:bodyPr rtlCol="0" anchor="ctr"/>
+          <a:lstStyle/>
+          <a:p>
+            <a:pPr algn="ctr"/>
+            <a:r>
+              <a:rPr lang="pt-PT" dirty="0">
+                <a:solidFill>
+                  <a:schemeClr val="tx1"/>
+                </a:solidFill>
+              </a:rPr>
+              <a:t>Titulo….</a:t>
+            </a:r>
+          </a:p>
+        </p:txBody>
+      </p:sp>
+      <p:sp>
+        <p:nvSpPr>
+          <p:cNvPr id="72" name="Retângulo 71">
+            <a:extLst>
+              <a:ext uri="{FF2B5EF4-FFF2-40B4-BE49-F238E27FC236}">
+                <a16:creationId xmlns:a16="http://schemas.microsoft.com/office/drawing/2014/main" id="{A137674B-10E8-5F3F-1C7F-9DDE0E6E6F89}"/>
+              </a:ext>
+            </a:extLst>
+          </p:cNvPr>
+          <p:cNvSpPr/>
+          <p:nvPr/>
+        </p:nvSpPr>
+        <p:spPr>
+          <a:xfrm>
+            <a:off x="3558541" y="2265644"/>
+            <a:ext cx="1697594" cy="299119"/>
+          </a:xfrm>
+          <a:prstGeom prst="rect">
+            <a:avLst/>
+          </a:prstGeom>
+          <a:solidFill>
+            <a:schemeClr val="bg1"/>
+          </a:solidFill>
+          <a:ln>
+            <a:solidFill>
+              <a:srgbClr val="C01722"/>
+            </a:solidFill>
+          </a:ln>
+        </p:spPr>
+        <p:style>
+          <a:lnRef idx="2">
+            <a:schemeClr val="accent1">
+              <a:shade val="50000"/>
+            </a:schemeClr>
+          </a:lnRef>
+          <a:fillRef idx="1">
+            <a:schemeClr val="accent1"/>
+          </a:fillRef>
+          <a:effectRef idx="0">
+            <a:schemeClr val="accent1"/>
+          </a:effectRef>
+          <a:fontRef idx="minor">
+            <a:schemeClr val="lt1"/>
+          </a:fontRef>
+        </p:style>
+        <p:txBody>
+          <a:bodyPr rtlCol="0" anchor="ctr"/>
+          <a:lstStyle/>
+          <a:p>
+            <a:pPr algn="ctr"/>
+            <a:r>
+              <a:rPr lang="pt-PT" dirty="0">
+                <a:solidFill>
+                  <a:schemeClr val="tx1"/>
+                </a:solidFill>
+              </a:rPr>
+              <a:t>Palavra-chave…</a:t>
+            </a:r>
+          </a:p>
+        </p:txBody>
+      </p:sp>
+      <p:sp>
+        <p:nvSpPr>
+          <p:cNvPr id="73" name="Retângulo 72">
+            <a:extLst>
+              <a:ext uri="{FF2B5EF4-FFF2-40B4-BE49-F238E27FC236}">
+                <a16:creationId xmlns:a16="http://schemas.microsoft.com/office/drawing/2014/main" id="{F1077E7B-1989-74F7-4B63-25A62533FA1E}"/>
+              </a:ext>
+            </a:extLst>
+          </p:cNvPr>
+          <p:cNvSpPr/>
+          <p:nvPr/>
+        </p:nvSpPr>
+        <p:spPr>
+          <a:xfrm>
+            <a:off x="3567722" y="2628804"/>
+            <a:ext cx="1698575" cy="299119"/>
+          </a:xfrm>
+          <a:prstGeom prst="rect">
+            <a:avLst/>
+          </a:prstGeom>
+          <a:solidFill>
+            <a:schemeClr val="bg1"/>
+          </a:solidFill>
+          <a:ln>
+            <a:solidFill>
+              <a:srgbClr val="C01722"/>
+            </a:solidFill>
+          </a:ln>
+        </p:spPr>
+        <p:style>
+          <a:lnRef idx="2">
+            <a:schemeClr val="accent1">
+              <a:shade val="50000"/>
+            </a:schemeClr>
+          </a:lnRef>
+          <a:fillRef idx="1">
+            <a:schemeClr val="accent1"/>
+          </a:fillRef>
+          <a:effectRef idx="0">
+            <a:schemeClr val="accent1"/>
+          </a:effectRef>
+          <a:fontRef idx="minor">
+            <a:schemeClr val="lt1"/>
+          </a:fontRef>
+        </p:style>
+        <p:txBody>
+          <a:bodyPr rtlCol="0" anchor="ctr"/>
+          <a:lstStyle/>
+          <a:p>
+            <a:pPr algn="ctr"/>
+            <a:r>
+              <a:rPr lang="pt-PT" dirty="0">
+                <a:solidFill>
+                  <a:schemeClr val="tx1"/>
+                </a:solidFill>
+              </a:rPr>
+              <a:t>Skills…</a:t>
+            </a:r>
+          </a:p>
+        </p:txBody>
+      </p:sp>
+      <p:sp>
+        <p:nvSpPr>
+          <p:cNvPr id="74" name="Retângulo 73">
+            <a:extLst>
+              <a:ext uri="{FF2B5EF4-FFF2-40B4-BE49-F238E27FC236}">
+                <a16:creationId xmlns:a16="http://schemas.microsoft.com/office/drawing/2014/main" id="{84E3E333-3E27-1011-6026-52BEABC21605}"/>
+              </a:ext>
+            </a:extLst>
+          </p:cNvPr>
+          <p:cNvSpPr/>
+          <p:nvPr/>
+        </p:nvSpPr>
+        <p:spPr>
+          <a:xfrm>
+            <a:off x="3971486" y="4483725"/>
+            <a:ext cx="7481374" cy="554310"/>
           </a:xfrm>
           <a:prstGeom prst="rect">
             <a:avLst/>
@@ -10501,7 +11446,7 @@
                   </a:outerShdw>
                 </a:effectLst>
               </a:rPr>
-              <a:t>Nome do projeto;Vagas;Estado;Skills</a:t>
+              <a:t>Nome do projeto|Vagas|Estado|Skills</a:t>
             </a:r>
             <a:endParaRPr lang="pt-PT" dirty="0"/>
           </a:p>
@@ -10509,10 +11454,10 @@
       </p:sp>
       <p:sp>
         <p:nvSpPr>
-          <p:cNvPr id="13" name="Retângulo 12">
-            <a:extLst>
-              <a:ext uri="{FF2B5EF4-FFF2-40B4-BE49-F238E27FC236}">
-                <a16:creationId xmlns:a16="http://schemas.microsoft.com/office/drawing/2014/main" id="{B42E6B90-AF3C-1B1E-E0BC-2EBA1B0180FE}"/>
+          <p:cNvPr id="75" name="Retângulo 74">
+            <a:extLst>
+              <a:ext uri="{FF2B5EF4-FFF2-40B4-BE49-F238E27FC236}">
+                <a16:creationId xmlns:a16="http://schemas.microsoft.com/office/drawing/2014/main" id="{118751C9-0194-C5BB-473D-0449C41667C1}"/>
               </a:ext>
             </a:extLst>
           </p:cNvPr>
@@ -10521,8 +11466,8 @@
         </p:nvSpPr>
         <p:spPr>
           <a:xfrm>
-            <a:off x="4870444" y="4080026"/>
-            <a:ext cx="4457268" cy="554310"/>
+            <a:off x="3953165" y="5173336"/>
+            <a:ext cx="7481374" cy="554310"/>
           </a:xfrm>
           <a:prstGeom prst="rect">
             <a:avLst/>
@@ -10573,7 +11518,7 @@
                   </a:outerShdw>
                 </a:effectLst>
               </a:rPr>
-              <a:t>Nome do projeto;Vagas;Estado;Skills</a:t>
+              <a:t>Nome do projeto|Vagas|Estado|Skills</a:t>
             </a:r>
             <a:endParaRPr lang="pt-PT" dirty="0"/>
           </a:p>
@@ -11702,7 +12647,7 @@
         </p:nvSpPr>
         <p:spPr>
           <a:xfrm>
-            <a:off x="6420303" y="2913922"/>
+            <a:off x="6761186" y="2913922"/>
             <a:ext cx="4152160" cy="3436517"/>
           </a:xfrm>
           <a:prstGeom prst="rect">
@@ -11754,7 +12699,7 @@
         </p:nvSpPr>
         <p:spPr>
           <a:xfrm>
-            <a:off x="7215105" y="2397013"/>
+            <a:off x="7839796" y="2419102"/>
             <a:ext cx="1874520" cy="396240"/>
           </a:xfrm>
           <a:prstGeom prst="rect">
@@ -11997,8 +12942,8 @@
         </p:nvSpPr>
         <p:spPr>
           <a:xfrm>
-            <a:off x="2322112" y="2419102"/>
-            <a:ext cx="1497413" cy="639371"/>
+            <a:off x="3691883" y="2427868"/>
+            <a:ext cx="1288111" cy="639371"/>
           </a:xfrm>
           <a:prstGeom prst="rect">
             <a:avLst/>
@@ -12054,8 +12999,8 @@
         </p:nvSpPr>
         <p:spPr>
           <a:xfrm>
-            <a:off x="4019901" y="2419102"/>
-            <a:ext cx="1497413" cy="639371"/>
+            <a:off x="5313591" y="2427868"/>
+            <a:ext cx="1288111" cy="639371"/>
           </a:xfrm>
           <a:prstGeom prst="rect">
             <a:avLst/>
@@ -12146,6 +13091,63 @@
           <a:p>
             <a:pPr algn="ctr"/>
             <a:endParaRPr lang="pt-PT"/>
+          </a:p>
+        </p:txBody>
+      </p:sp>
+      <p:sp>
+        <p:nvSpPr>
+          <p:cNvPr id="6" name="Retângulo 5">
+            <a:extLst>
+              <a:ext uri="{FF2B5EF4-FFF2-40B4-BE49-F238E27FC236}">
+                <a16:creationId xmlns:a16="http://schemas.microsoft.com/office/drawing/2014/main" id="{1A61CAEB-CBD1-D2F8-B407-9D485D6C4B88}"/>
+              </a:ext>
+            </a:extLst>
+          </p:cNvPr>
+          <p:cNvSpPr/>
+          <p:nvPr/>
+        </p:nvSpPr>
+        <p:spPr>
+          <a:xfrm>
+            <a:off x="2165641" y="2415556"/>
+            <a:ext cx="1288111" cy="639371"/>
+          </a:xfrm>
+          <a:prstGeom prst="rect">
+            <a:avLst/>
+          </a:prstGeom>
+          <a:solidFill>
+            <a:srgbClr val="813737"/>
+          </a:solidFill>
+          <a:ln>
+            <a:solidFill>
+              <a:schemeClr val="bg1"/>
+            </a:solidFill>
+          </a:ln>
+        </p:spPr>
+        <p:style>
+          <a:lnRef idx="2">
+            <a:schemeClr val="accent1">
+              <a:shade val="50000"/>
+            </a:schemeClr>
+          </a:lnRef>
+          <a:fillRef idx="1">
+            <a:schemeClr val="accent1"/>
+          </a:fillRef>
+          <a:effectRef idx="0">
+            <a:schemeClr val="accent1"/>
+          </a:effectRef>
+          <a:fontRef idx="minor">
+            <a:schemeClr val="lt1"/>
+          </a:fontRef>
+        </p:style>
+        <p:txBody>
+          <a:bodyPr rtlCol="0" anchor="ctr"/>
+          <a:lstStyle/>
+          <a:p>
+            <a:pPr algn="ctr"/>
+            <a:r>
+              <a:rPr lang="pt-PT" dirty="0"/>
+              <a:t>Criar Projeto</a:t>
+            </a:r>
           </a:p>
         </p:txBody>
       </p:sp>
@@ -13031,7 +14033,7 @@
         </p:nvSpPr>
         <p:spPr>
           <a:xfrm>
-            <a:off x="2546123" y="2428379"/>
+            <a:off x="4077743" y="2434803"/>
             <a:ext cx="1497413" cy="639371"/>
           </a:xfrm>
           <a:prstGeom prst="rect">
@@ -13088,7 +14090,7 @@
         </p:nvSpPr>
         <p:spPr>
           <a:xfrm>
-            <a:off x="4346173" y="2428379"/>
+            <a:off x="5877793" y="2434803"/>
             <a:ext cx="1497413" cy="639371"/>
           </a:xfrm>
           <a:prstGeom prst="rect">
@@ -13131,58 +14133,6 @@
           </a:p>
         </p:txBody>
       </p:sp>
-      <p:sp>
-        <p:nvSpPr>
-          <p:cNvPr id="6" name="Seta: para a Esquerda 5">
-            <a:extLst>
-              <a:ext uri="{FF2B5EF4-FFF2-40B4-BE49-F238E27FC236}">
-                <a16:creationId xmlns:a16="http://schemas.microsoft.com/office/drawing/2014/main" id="{7288E3ED-8FDA-D7E4-0DE2-ACAE5F7ACF37}"/>
-              </a:ext>
-            </a:extLst>
-          </p:cNvPr>
-          <p:cNvSpPr/>
-          <p:nvPr/>
-        </p:nvSpPr>
-        <p:spPr>
-          <a:xfrm>
-            <a:off x="6142139" y="3467800"/>
-            <a:ext cx="507507" cy="380881"/>
-          </a:xfrm>
-          <a:prstGeom prst="leftArrow">
-            <a:avLst/>
-          </a:prstGeom>
-          <a:noFill/>
-          <a:ln w="57150">
-            <a:solidFill>
-              <a:srgbClr val="C01722"/>
-            </a:solidFill>
-          </a:ln>
-        </p:spPr>
-        <p:style>
-          <a:lnRef idx="2">
-            <a:schemeClr val="accent1">
-              <a:shade val="50000"/>
-            </a:schemeClr>
-          </a:lnRef>
-          <a:fillRef idx="1">
-            <a:schemeClr val="accent1"/>
-          </a:fillRef>
-          <a:effectRef idx="0">
-            <a:schemeClr val="accent1"/>
-          </a:effectRef>
-          <a:fontRef idx="minor">
-            <a:schemeClr val="lt1"/>
-          </a:fontRef>
-        </p:style>
-        <p:txBody>
-          <a:bodyPr rtlCol="0" anchor="ctr"/>
-          <a:lstStyle/>
-          <a:p>
-            <a:pPr algn="ctr"/>
-            <a:endParaRPr lang="pt-PT"/>
-          </a:p>
-        </p:txBody>
-      </p:sp>
       <p:cxnSp>
         <p:nvCxnSpPr>
           <p:cNvPr id="12" name="Conector reto 11">
@@ -13331,6 +14281,63 @@
             <a:r>
               <a:rPr lang="pt-PT" dirty="0"/>
               <a:t>Convidar</a:t>
+            </a:r>
+          </a:p>
+        </p:txBody>
+      </p:sp>
+      <p:sp>
+        <p:nvSpPr>
+          <p:cNvPr id="11" name="Retângulo 10">
+            <a:extLst>
+              <a:ext uri="{FF2B5EF4-FFF2-40B4-BE49-F238E27FC236}">
+                <a16:creationId xmlns:a16="http://schemas.microsoft.com/office/drawing/2014/main" id="{774EA265-A0F1-5A82-36F8-9FFE612DC313}"/>
+              </a:ext>
+            </a:extLst>
+          </p:cNvPr>
+          <p:cNvSpPr/>
+          <p:nvPr/>
+        </p:nvSpPr>
+        <p:spPr>
+          <a:xfrm>
+            <a:off x="2308794" y="2434802"/>
+            <a:ext cx="1497413" cy="639371"/>
+          </a:xfrm>
+          <a:prstGeom prst="rect">
+            <a:avLst/>
+          </a:prstGeom>
+          <a:solidFill>
+            <a:srgbClr val="C01722"/>
+          </a:solidFill>
+          <a:ln>
+            <a:solidFill>
+              <a:schemeClr val="bg1"/>
+            </a:solidFill>
+          </a:ln>
+        </p:spPr>
+        <p:style>
+          <a:lnRef idx="2">
+            <a:schemeClr val="accent1">
+              <a:shade val="50000"/>
+            </a:schemeClr>
+          </a:lnRef>
+          <a:fillRef idx="1">
+            <a:schemeClr val="accent1"/>
+          </a:fillRef>
+          <a:effectRef idx="0">
+            <a:schemeClr val="accent1"/>
+          </a:effectRef>
+          <a:fontRef idx="minor">
+            <a:schemeClr val="lt1"/>
+          </a:fontRef>
+        </p:style>
+        <p:txBody>
+          <a:bodyPr rtlCol="0" anchor="ctr"/>
+          <a:lstStyle/>
+          <a:p>
+            <a:pPr algn="ctr"/>
+            <a:r>
+              <a:rPr lang="pt-PT" dirty="0"/>
+              <a:t>Criar Projeto</a:t>
             </a:r>
           </a:p>
         </p:txBody>
@@ -14203,12 +15210,42 @@
           </a:p>
         </p:txBody>
       </p:sp>
-      <p:sp>
-        <p:nvSpPr>
-          <p:cNvPr id="49" name="Retângulo 48">
-            <a:extLst>
-              <a:ext uri="{FF2B5EF4-FFF2-40B4-BE49-F238E27FC236}">
-                <a16:creationId xmlns:a16="http://schemas.microsoft.com/office/drawing/2014/main" id="{44A498A3-8721-DBAC-F577-04A2267E8CF8}"/>
+      <p:pic>
+        <p:nvPicPr>
+          <p:cNvPr id="13" name="Imagem 12">
+            <a:extLst>
+              <a:ext uri="{FF2B5EF4-FFF2-40B4-BE49-F238E27FC236}">
+                <a16:creationId xmlns:a16="http://schemas.microsoft.com/office/drawing/2014/main" id="{24722698-40B0-F808-EBC9-CA394B1FD40C}"/>
+              </a:ext>
+            </a:extLst>
+          </p:cNvPr>
+          <p:cNvPicPr>
+            <a:picLocks noChangeAspect="1"/>
+          </p:cNvPicPr>
+          <p:nvPr/>
+        </p:nvPicPr>
+        <p:blipFill>
+          <a:blip r:embed="rId3"/>
+          <a:stretch>
+            <a:fillRect/>
+          </a:stretch>
+        </p:blipFill>
+        <p:spPr>
+          <a:xfrm>
+            <a:off x="3126668" y="3295183"/>
+            <a:ext cx="1905000" cy="1724025"/>
+          </a:xfrm>
+          <a:prstGeom prst="rect">
+            <a:avLst/>
+          </a:prstGeom>
+        </p:spPr>
+      </p:pic>
+      <p:sp>
+        <p:nvSpPr>
+          <p:cNvPr id="11" name="Retângulo 10">
+            <a:extLst>
+              <a:ext uri="{FF2B5EF4-FFF2-40B4-BE49-F238E27FC236}">
+                <a16:creationId xmlns:a16="http://schemas.microsoft.com/office/drawing/2014/main" id="{1C0CD315-BA2D-3FF5-437D-5CCB38C86B54}"/>
               </a:ext>
             </a:extLst>
           </p:cNvPr>
@@ -14217,7 +15254,7 @@
         </p:nvSpPr>
         <p:spPr>
           <a:xfrm>
-            <a:off x="2581755" y="2341668"/>
+            <a:off x="4077743" y="2434803"/>
             <a:ext cx="1497413" cy="639371"/>
           </a:xfrm>
           <a:prstGeom prst="rect">
@@ -14262,10 +15299,10 @@
       </p:sp>
       <p:sp>
         <p:nvSpPr>
-          <p:cNvPr id="51" name="Retângulo 50">
-            <a:extLst>
-              <a:ext uri="{FF2B5EF4-FFF2-40B4-BE49-F238E27FC236}">
-                <a16:creationId xmlns:a16="http://schemas.microsoft.com/office/drawing/2014/main" id="{67B6483D-D72C-DF53-D7B9-8C2472BAA928}"/>
+          <p:cNvPr id="12" name="Retângulo 11">
+            <a:extLst>
+              <a:ext uri="{FF2B5EF4-FFF2-40B4-BE49-F238E27FC236}">
+                <a16:creationId xmlns:a16="http://schemas.microsoft.com/office/drawing/2014/main" id="{31D6D11A-8248-91A4-78E1-E0245D5C0136}"/>
               </a:ext>
             </a:extLst>
           </p:cNvPr>
@@ -14274,7 +15311,7 @@
         </p:nvSpPr>
         <p:spPr>
           <a:xfrm>
-            <a:off x="4355698" y="2341668"/>
+            <a:off x="5877793" y="2434803"/>
             <a:ext cx="1497413" cy="639371"/>
           </a:xfrm>
           <a:prstGeom prst="rect">
@@ -14319,10 +15356,10 @@
       </p:sp>
       <p:sp>
         <p:nvSpPr>
-          <p:cNvPr id="6" name="Seta: para a Esquerda 5">
-            <a:extLst>
-              <a:ext uri="{FF2B5EF4-FFF2-40B4-BE49-F238E27FC236}">
-                <a16:creationId xmlns:a16="http://schemas.microsoft.com/office/drawing/2014/main" id="{7288E3ED-8FDA-D7E4-0DE2-ACAE5F7ACF37}"/>
+          <p:cNvPr id="14" name="Retângulo 13">
+            <a:extLst>
+              <a:ext uri="{FF2B5EF4-FFF2-40B4-BE49-F238E27FC236}">
+                <a16:creationId xmlns:a16="http://schemas.microsoft.com/office/drawing/2014/main" id="{705F3130-776A-A6DC-F98E-D54CE274DA11}"/>
               </a:ext>
             </a:extLst>
           </p:cNvPr>
@@ -14331,18 +15368,18 @@
         </p:nvSpPr>
         <p:spPr>
           <a:xfrm>
-            <a:off x="6337818" y="3189872"/>
-            <a:ext cx="507507" cy="380881"/>
-          </a:xfrm>
-          <a:prstGeom prst="leftArrow">
+            <a:off x="2308794" y="2434802"/>
+            <a:ext cx="1497413" cy="639371"/>
+          </a:xfrm>
+          <a:prstGeom prst="rect">
             <a:avLst/>
           </a:prstGeom>
           <a:solidFill>
             <a:srgbClr val="C01722"/>
           </a:solidFill>
-          <a:ln w="57150">
+          <a:ln>
             <a:solidFill>
-              <a:srgbClr val="C01722"/>
+              <a:schemeClr val="bg1"/>
             </a:solidFill>
           </a:ln>
         </p:spPr>
@@ -14367,40 +15404,13 @@
           <a:lstStyle/>
           <a:p>
             <a:pPr algn="ctr"/>
-            <a:endParaRPr lang="pt-PT"/>
-          </a:p>
-        </p:txBody>
-      </p:sp>
-      <p:pic>
-        <p:nvPicPr>
-          <p:cNvPr id="13" name="Imagem 12">
-            <a:extLst>
-              <a:ext uri="{FF2B5EF4-FFF2-40B4-BE49-F238E27FC236}">
-                <a16:creationId xmlns:a16="http://schemas.microsoft.com/office/drawing/2014/main" id="{24722698-40B0-F808-EBC9-CA394B1FD40C}"/>
-              </a:ext>
-            </a:extLst>
-          </p:cNvPr>
-          <p:cNvPicPr>
-            <a:picLocks noChangeAspect="1"/>
-          </p:cNvPicPr>
-          <p:nvPr/>
-        </p:nvPicPr>
-        <p:blipFill>
-          <a:blip r:embed="rId3"/>
-          <a:stretch>
-            <a:fillRect/>
-          </a:stretch>
-        </p:blipFill>
-        <p:spPr>
-          <a:xfrm>
-            <a:off x="3126668" y="3295183"/>
-            <a:ext cx="1905000" cy="1724025"/>
-          </a:xfrm>
-          <a:prstGeom prst="rect">
-            <a:avLst/>
-          </a:prstGeom>
-        </p:spPr>
-      </p:pic>
+            <a:r>
+              <a:rPr lang="pt-PT" dirty="0"/>
+              <a:t>Criar Projeto</a:t>
+            </a:r>
+          </a:p>
+        </p:txBody>
+      </p:sp>
     </p:spTree>
     <p:extLst>
       <p:ext uri="{BB962C8B-B14F-4D97-AF65-F5344CB8AC3E}">
@@ -14860,7 +15870,7 @@
         </p:nvSpPr>
         <p:spPr>
           <a:xfrm>
-            <a:off x="394225" y="3421472"/>
+            <a:off x="366516" y="3421149"/>
             <a:ext cx="1286522" cy="298562"/>
           </a:xfrm>
           <a:prstGeom prst="rect">
@@ -15314,8 +16324,8 @@
         </p:nvSpPr>
         <p:spPr>
           <a:xfrm>
-            <a:off x="6919930" y="2617755"/>
-            <a:ext cx="4152160" cy="3657553"/>
+            <a:off x="6919930" y="2617756"/>
+            <a:ext cx="4152160" cy="3773808"/>
           </a:xfrm>
           <a:prstGeom prst="rect">
             <a:avLst/>
@@ -15502,58 +16512,6 @@
           </a:fontRef>
         </p:style>
       </p:cxnSp>
-      <p:sp>
-        <p:nvSpPr>
-          <p:cNvPr id="28" name="Seta: para a Esquerda 27">
-            <a:extLst>
-              <a:ext uri="{FF2B5EF4-FFF2-40B4-BE49-F238E27FC236}">
-                <a16:creationId xmlns:a16="http://schemas.microsoft.com/office/drawing/2014/main" id="{0E180FF4-996F-551C-C43B-FF5A307AD32E}"/>
-              </a:ext>
-            </a:extLst>
-          </p:cNvPr>
-          <p:cNvSpPr/>
-          <p:nvPr/>
-        </p:nvSpPr>
-        <p:spPr>
-          <a:xfrm>
-            <a:off x="11020887" y="1751954"/>
-            <a:ext cx="507507" cy="380881"/>
-          </a:xfrm>
-          <a:prstGeom prst="leftArrow">
-            <a:avLst/>
-          </a:prstGeom>
-          <a:noFill/>
-          <a:ln w="57150">
-            <a:solidFill>
-              <a:srgbClr val="C01722"/>
-            </a:solidFill>
-          </a:ln>
-        </p:spPr>
-        <p:style>
-          <a:lnRef idx="2">
-            <a:schemeClr val="accent1">
-              <a:shade val="50000"/>
-            </a:schemeClr>
-          </a:lnRef>
-          <a:fillRef idx="1">
-            <a:schemeClr val="accent1"/>
-          </a:fillRef>
-          <a:effectRef idx="0">
-            <a:schemeClr val="accent1"/>
-          </a:effectRef>
-          <a:fontRef idx="minor">
-            <a:schemeClr val="lt1"/>
-          </a:fontRef>
-        </p:style>
-        <p:txBody>
-          <a:bodyPr rtlCol="0" anchor="ctr"/>
-          <a:lstStyle/>
-          <a:p>
-            <a:pPr algn="ctr"/>
-            <a:endParaRPr lang="pt-PT"/>
-          </a:p>
-        </p:txBody>
-      </p:sp>
       <p:sp>
         <p:nvSpPr>
           <p:cNvPr id="29" name="Retângulo 28">
@@ -16636,7 +17594,7 @@
                   <a:schemeClr val="tx1"/>
                 </a:solidFill>
               </a:rPr>
-              <a:t>Local - select</a:t>
+              <a:t>Local</a:t>
             </a:r>
           </a:p>
         </p:txBody>
@@ -27291,7 +28249,7 @@
         </p:nvSpPr>
         <p:spPr>
           <a:xfrm>
-            <a:off x="2592821" y="2543965"/>
+            <a:off x="2592821" y="2542682"/>
             <a:ext cx="1988813" cy="4076754"/>
           </a:xfrm>
           <a:prstGeom prst="rect">
@@ -38691,7 +39649,7 @@
         </p:nvSpPr>
         <p:spPr>
           <a:xfrm>
-            <a:off x="11606074" y="185071"/>
+            <a:off x="11612884" y="68241"/>
             <a:ext cx="507507" cy="380881"/>
           </a:xfrm>
           <a:prstGeom prst="leftArrow">

--- a/frontend/Projetofinal.pptx
+++ b/frontend/Projetofinal.pptx
@@ -220,7 +220,7 @@
           <a:p>
             <a:fld id="{FE9D9CDB-C2A3-476A-90A3-89D9FB37A977}" type="datetimeFigureOut">
               <a:rPr lang="pt-PT" smtClean="0"/>
-              <a:t>29/05/2023</a:t>
+              <a:t>30/05/2023</a:t>
             </a:fld>
             <a:endParaRPr lang="pt-PT"/>
           </a:p>
@@ -3396,7 +3396,7 @@
           <a:p>
             <a:fld id="{FB7C899D-E10C-4A45-8FE7-FF5DBE555438}" type="datetimeFigureOut">
               <a:rPr lang="pt-PT" smtClean="0"/>
-              <a:t>29/05/2023</a:t>
+              <a:t>30/05/2023</a:t>
             </a:fld>
             <a:endParaRPr lang="pt-PT"/>
           </a:p>
@@ -3596,7 +3596,7 @@
           <a:p>
             <a:fld id="{FB7C899D-E10C-4A45-8FE7-FF5DBE555438}" type="datetimeFigureOut">
               <a:rPr lang="pt-PT" smtClean="0"/>
-              <a:t>29/05/2023</a:t>
+              <a:t>30/05/2023</a:t>
             </a:fld>
             <a:endParaRPr lang="pt-PT"/>
           </a:p>
@@ -3806,7 +3806,7 @@
           <a:p>
             <a:fld id="{FB7C899D-E10C-4A45-8FE7-FF5DBE555438}" type="datetimeFigureOut">
               <a:rPr lang="pt-PT" smtClean="0"/>
-              <a:t>29/05/2023</a:t>
+              <a:t>30/05/2023</a:t>
             </a:fld>
             <a:endParaRPr lang="pt-PT"/>
           </a:p>
@@ -4006,7 +4006,7 @@
           <a:p>
             <a:fld id="{FB7C899D-E10C-4A45-8FE7-FF5DBE555438}" type="datetimeFigureOut">
               <a:rPr lang="pt-PT" smtClean="0"/>
-              <a:t>29/05/2023</a:t>
+              <a:t>30/05/2023</a:t>
             </a:fld>
             <a:endParaRPr lang="pt-PT"/>
           </a:p>
@@ -4282,7 +4282,7 @@
           <a:p>
             <a:fld id="{FB7C899D-E10C-4A45-8FE7-FF5DBE555438}" type="datetimeFigureOut">
               <a:rPr lang="pt-PT" smtClean="0"/>
-              <a:t>29/05/2023</a:t>
+              <a:t>30/05/2023</a:t>
             </a:fld>
             <a:endParaRPr lang="pt-PT"/>
           </a:p>
@@ -4550,7 +4550,7 @@
           <a:p>
             <a:fld id="{FB7C899D-E10C-4A45-8FE7-FF5DBE555438}" type="datetimeFigureOut">
               <a:rPr lang="pt-PT" smtClean="0"/>
-              <a:t>29/05/2023</a:t>
+              <a:t>30/05/2023</a:t>
             </a:fld>
             <a:endParaRPr lang="pt-PT"/>
           </a:p>
@@ -4965,7 +4965,7 @@
           <a:p>
             <a:fld id="{FB7C899D-E10C-4A45-8FE7-FF5DBE555438}" type="datetimeFigureOut">
               <a:rPr lang="pt-PT" smtClean="0"/>
-              <a:t>29/05/2023</a:t>
+              <a:t>30/05/2023</a:t>
             </a:fld>
             <a:endParaRPr lang="pt-PT"/>
           </a:p>
@@ -5107,7 +5107,7 @@
           <a:p>
             <a:fld id="{FB7C899D-E10C-4A45-8FE7-FF5DBE555438}" type="datetimeFigureOut">
               <a:rPr lang="pt-PT" smtClean="0"/>
-              <a:t>29/05/2023</a:t>
+              <a:t>30/05/2023</a:t>
             </a:fld>
             <a:endParaRPr lang="pt-PT"/>
           </a:p>
@@ -5220,7 +5220,7 @@
           <a:p>
             <a:fld id="{FB7C899D-E10C-4A45-8FE7-FF5DBE555438}" type="datetimeFigureOut">
               <a:rPr lang="pt-PT" smtClean="0"/>
-              <a:t>29/05/2023</a:t>
+              <a:t>30/05/2023</a:t>
             </a:fld>
             <a:endParaRPr lang="pt-PT"/>
           </a:p>
@@ -5533,7 +5533,7 @@
           <a:p>
             <a:fld id="{FB7C899D-E10C-4A45-8FE7-FF5DBE555438}" type="datetimeFigureOut">
               <a:rPr lang="pt-PT" smtClean="0"/>
-              <a:t>29/05/2023</a:t>
+              <a:t>30/05/2023</a:t>
             </a:fld>
             <a:endParaRPr lang="pt-PT"/>
           </a:p>
@@ -5822,7 +5822,7 @@
           <a:p>
             <a:fld id="{FB7C899D-E10C-4A45-8FE7-FF5DBE555438}" type="datetimeFigureOut">
               <a:rPr lang="pt-PT" smtClean="0"/>
-              <a:t>29/05/2023</a:t>
+              <a:t>30/05/2023</a:t>
             </a:fld>
             <a:endParaRPr lang="pt-PT"/>
           </a:p>
@@ -6065,7 +6065,7 @@
           <a:p>
             <a:fld id="{FB7C899D-E10C-4A45-8FE7-FF5DBE555438}" type="datetimeFigureOut">
               <a:rPr lang="pt-PT" smtClean="0"/>
-              <a:t>29/05/2023</a:t>
+              <a:t>30/05/2023</a:t>
             </a:fld>
             <a:endParaRPr lang="pt-PT"/>
           </a:p>
@@ -6794,7 +6794,7 @@
         </p:nvSpPr>
         <p:spPr>
           <a:xfrm>
-            <a:off x="6543169" y="3777256"/>
+            <a:off x="6861668" y="3785321"/>
             <a:ext cx="3204838" cy="301180"/>
           </a:xfrm>
           <a:prstGeom prst="rect">
@@ -6827,7 +6827,26 @@
           <a:p>
             <a:pPr algn="ctr"/>
             <a:r>
-              <a:rPr lang="pt-PT" b="0" i="0" u="sng" strike="noStrike" dirty="0">
+              <a:rPr lang="pt-PT" u="sng" dirty="0">
+                <a:solidFill>
+                  <a:schemeClr val="tx1">
+                    <a:lumMod val="95000"/>
+                    <a:lumOff val="5000"/>
+                  </a:schemeClr>
+                </a:solidFill>
+                <a:latin typeface="BryantProRegular"/>
+                <a:hlinkClick r:id="rId3">
+                  <a:extLst>
+                    <a:ext uri="{A12FA001-AC4F-418D-AE19-62706E023703}">
+                      <ahyp:hlinkClr xmlns="" xmlns:ahyp="http://schemas.microsoft.com/office/drawing/2018/hyperlinkcolor" val="tx"/>
+                    </a:ext>
+                  </a:extLst>
+                </a:hlinkClick>
+              </a:rPr>
+              <a:t>E</a:t>
+            </a:r>
+            <a:r>
+              <a:rPr lang="pt-PT" b="0" i="0" u="sng" strike="noStrike" dirty="0" smtClean="0">
                 <a:solidFill>
                   <a:schemeClr val="tx1">
                     <a:lumMod val="95000"/>
@@ -6839,12 +6858,32 @@
                 <a:hlinkClick r:id="rId3">
                   <a:extLst>
                     <a:ext uri="{A12FA001-AC4F-418D-AE19-62706E023703}">
-                      <ahyp:hlinkClr xmlns:ahyp="http://schemas.microsoft.com/office/drawing/2018/hyperlinkcolor" val="tx"/>
+                      <ahyp:hlinkClr xmlns="" xmlns:ahyp="http://schemas.microsoft.com/office/drawing/2018/hyperlinkcolor" val="tx"/>
                     </a:ext>
                   </a:extLst>
                 </a:hlinkClick>
               </a:rPr>
-              <a:t>esqueceu a sua password?</a:t>
+              <a:t>squeceu </a:t>
+            </a:r>
+            <a:r>
+              <a:rPr lang="pt-PT" b="0" i="0" u="sng" strike="noStrike" dirty="0">
+                <a:solidFill>
+                  <a:schemeClr val="tx1">
+                    <a:lumMod val="95000"/>
+                    <a:lumOff val="5000"/>
+                  </a:schemeClr>
+                </a:solidFill>
+                <a:effectLst/>
+                <a:latin typeface="BryantProRegular"/>
+                <a:hlinkClick r:id="rId3">
+                  <a:extLst>
+                    <a:ext uri="{A12FA001-AC4F-418D-AE19-62706E023703}">
+                      <ahyp:hlinkClr xmlns="" xmlns:ahyp="http://schemas.microsoft.com/office/drawing/2018/hyperlinkcolor" val="tx"/>
+                    </a:ext>
+                  </a:extLst>
+                </a:hlinkClick>
+              </a:rPr>
+              <a:t>a sua password?</a:t>
             </a:r>
             <a:endParaRPr lang="pt-PT" i="1" u="sng" dirty="0">
               <a:ln w="0"/>
@@ -6918,7 +6957,7 @@
           <p:nvPr/>
         </p:nvPicPr>
         <p:blipFill>
-          <a:blip r:embed="rId4">
+          <a:blip r:embed="rId4" cstate="hqprint">
             <a:extLst>
               <a:ext uri="{28A0092B-C50C-407E-A947-70E740481C1C}">
                 <a14:useLocalDpi xmlns:a14="http://schemas.microsoft.com/office/drawing/2010/main" val="0"/>
@@ -7004,7 +7043,7 @@
         </p:nvCxnSpPr>
         <p:spPr>
           <a:xfrm>
-            <a:off x="6988029" y="3744072"/>
+            <a:off x="7075010" y="3720153"/>
             <a:ext cx="2778154" cy="0"/>
           </a:xfrm>
           <a:prstGeom prst="line">
@@ -7026,62 +7065,6 @@
           </a:fontRef>
         </p:style>
       </p:cxnSp>
-      <p:sp>
-        <p:nvSpPr>
-          <p:cNvPr id="2" name="Retângulo 1">
-            <a:extLst>
-              <a:ext uri="{FF2B5EF4-FFF2-40B4-BE49-F238E27FC236}">
-                <a16:creationId xmlns:a16="http://schemas.microsoft.com/office/drawing/2014/main" id="{3B2056FD-647F-E84B-4FFB-A2216028DF60}"/>
-              </a:ext>
-            </a:extLst>
-          </p:cNvPr>
-          <p:cNvSpPr/>
-          <p:nvPr/>
-        </p:nvSpPr>
-        <p:spPr>
-          <a:xfrm>
-            <a:off x="6753526" y="3801682"/>
-            <a:ext cx="3204838" cy="614651"/>
-          </a:xfrm>
-          <a:prstGeom prst="rect">
-            <a:avLst/>
-          </a:prstGeom>
-          <a:noFill/>
-          <a:ln>
-            <a:noFill/>
-          </a:ln>
-        </p:spPr>
-        <p:style>
-          <a:lnRef idx="2">
-            <a:schemeClr val="accent1">
-              <a:shade val="50000"/>
-            </a:schemeClr>
-          </a:lnRef>
-          <a:fillRef idx="1">
-            <a:schemeClr val="accent1"/>
-          </a:fillRef>
-          <a:effectRef idx="0">
-            <a:schemeClr val="accent1"/>
-          </a:effectRef>
-          <a:fontRef idx="minor">
-            <a:schemeClr val="lt1"/>
-          </a:fontRef>
-        </p:style>
-        <p:txBody>
-          <a:bodyPr rtlCol="0" anchor="ctr"/>
-          <a:lstStyle/>
-          <a:p>
-            <a:endParaRPr lang="pt-PT" sz="1200" dirty="0">
-              <a:ln w="0"/>
-              <a:solidFill>
-                <a:schemeClr val="bg1">
-                  <a:lumMod val="65000"/>
-                </a:schemeClr>
-              </a:solidFill>
-            </a:endParaRPr>
-          </a:p>
-        </p:txBody>
-      </p:sp>
       <p:sp>
         <p:nvSpPr>
           <p:cNvPr id="3" name="Retângulo 2">
@@ -7414,11 +7397,14 @@
               </a:lnSpc>
             </a:pPr>
             <a:r>
-              <a:rPr lang="pt-PT" dirty="0">
+              <a:rPr lang="pt-PT" dirty="0" smtClean="0">
                 <a:latin typeface="Arial Black" panose="020B0A04020102020204" pitchFamily="34" charset="0"/>
               </a:rPr>
-              <a:t>Inicio</a:t>
-            </a:r>
+              <a:t>Início</a:t>
+            </a:r>
+            <a:endParaRPr lang="pt-PT" dirty="0">
+              <a:latin typeface="Arial Black" panose="020B0A04020102020204" pitchFamily="34" charset="0"/>
+            </a:endParaRPr>
           </a:p>
           <a:p>
             <a:pPr algn="ctr">
@@ -8148,8 +8134,8 @@
         </p:nvSpPr>
         <p:spPr>
           <a:xfrm>
-            <a:off x="2357137" y="1984746"/>
-            <a:ext cx="662731" cy="409718"/>
+            <a:off x="2358041" y="2116476"/>
+            <a:ext cx="600916" cy="567484"/>
           </a:xfrm>
           <a:prstGeom prst="rect">
             <a:avLst/>
@@ -8242,7 +8228,7 @@
           <a:p>
             <a:pPr algn="ctr"/>
             <a:r>
-              <a:rPr lang="pt-PT" dirty="0">
+              <a:rPr lang="pt-PT" dirty="0" smtClean="0">
                 <a:ln w="0"/>
                 <a:solidFill>
                   <a:schemeClr val="tx1"/>
@@ -8255,7 +8241,7 @@
                   </a:outerShdw>
                 </a:effectLst>
               </a:rPr>
-              <a:t>Nome do projeto|Vagas|Estado|Skills</a:t>
+              <a:t>“Nome do projeto”|2/5|Ready|IDE;Sensores</a:t>
             </a:r>
             <a:endParaRPr lang="pt-PT" dirty="0"/>
           </a:p>
@@ -9073,31 +9059,112 @@
           <a:p>
             <a:pPr algn="ctr"/>
             <a:r>
-              <a:rPr lang="pt-PT" dirty="0">
+              <a:rPr lang="pt-PT" dirty="0" smtClean="0">
                 <a:solidFill>
                   <a:schemeClr val="tx1"/>
                 </a:solidFill>
               </a:rPr>
-              <a:t>Titulo/Palavra-chave/skills</a:t>
-            </a:r>
-          </a:p>
-        </p:txBody>
-      </p:sp>
-      <p:sp>
-        <p:nvSpPr>
-          <p:cNvPr id="32" name="Retângulo 31">
-            <a:extLst>
-              <a:ext uri="{FF2B5EF4-FFF2-40B4-BE49-F238E27FC236}">
-                <a16:creationId xmlns:a16="http://schemas.microsoft.com/office/drawing/2014/main" id="{7E0983FA-93B1-48EC-D877-FB7C921E2528}"/>
-              </a:ext>
-            </a:extLst>
-          </p:cNvPr>
+              <a:t>Título/Palavra-chave/</a:t>
+            </a:r>
+            <a:r>
+              <a:rPr lang="pt-PT" dirty="0" err="1">
+                <a:solidFill>
+                  <a:schemeClr val="tx1"/>
+                </a:solidFill>
+              </a:rPr>
+              <a:t>S</a:t>
+            </a:r>
+            <a:r>
+              <a:rPr lang="pt-PT" dirty="0" err="1" smtClean="0">
+                <a:solidFill>
+                  <a:schemeClr val="tx1"/>
+                </a:solidFill>
+              </a:rPr>
+              <a:t>kills</a:t>
+            </a:r>
+            <a:endParaRPr lang="pt-PT" dirty="0">
+              <a:solidFill>
+                <a:schemeClr val="tx1"/>
+              </a:solidFill>
+            </a:endParaRPr>
+          </a:p>
+        </p:txBody>
+      </p:sp>
+      <p:sp>
+        <p:nvSpPr>
+          <p:cNvPr id="30" name="Retângulo 29"/>
           <p:cNvSpPr/>
           <p:nvPr/>
         </p:nvSpPr>
         <p:spPr>
           <a:xfrm>
-            <a:off x="3359173" y="4444910"/>
+            <a:off x="2037236" y="2009004"/>
+            <a:ext cx="1393954" cy="218326"/>
+          </a:xfrm>
+          <a:prstGeom prst="rect">
+            <a:avLst/>
+          </a:prstGeom>
+          <a:solidFill>
+            <a:schemeClr val="bg1"/>
+          </a:solidFill>
+          <a:ln>
+            <a:solidFill>
+              <a:schemeClr val="bg1"/>
+            </a:solidFill>
+          </a:ln>
+        </p:spPr>
+        <p:style>
+          <a:lnRef idx="2">
+            <a:schemeClr val="accent1">
+              <a:shade val="50000"/>
+            </a:schemeClr>
+          </a:lnRef>
+          <a:fillRef idx="1">
+            <a:schemeClr val="accent1"/>
+          </a:fillRef>
+          <a:effectRef idx="0">
+            <a:schemeClr val="accent1"/>
+          </a:effectRef>
+          <a:fontRef idx="minor">
+            <a:schemeClr val="lt1"/>
+          </a:fontRef>
+        </p:style>
+        <p:txBody>
+          <a:bodyPr rtlCol="0" anchor="ctr"/>
+          <a:lstStyle/>
+          <a:p>
+            <a:pPr algn="ctr"/>
+            <a:r>
+              <a:rPr lang="pt-PT" sz="1200" b="1" dirty="0" smtClean="0">
+                <a:solidFill>
+                  <a:schemeClr val="tx1"/>
+                </a:solidFill>
+              </a:rPr>
+              <a:t>Adicionar Projeto</a:t>
+            </a:r>
+            <a:endParaRPr lang="pt-PT" sz="1200" b="1" dirty="0">
+              <a:solidFill>
+                <a:schemeClr val="tx1"/>
+              </a:solidFill>
+            </a:endParaRPr>
+          </a:p>
+        </p:txBody>
+      </p:sp>
+      <p:sp>
+        <p:nvSpPr>
+          <p:cNvPr id="34" name="Retângulo 33">
+            <a:extLst>
+              <a:ext uri="{FF2B5EF4-FFF2-40B4-BE49-F238E27FC236}">
+                <a16:creationId xmlns:a16="http://schemas.microsoft.com/office/drawing/2014/main" id="{8D453B60-FF85-4CC6-1865-54AFA9E28396}"/>
+              </a:ext>
+            </a:extLst>
+          </p:cNvPr>
+          <p:cNvSpPr/>
+          <p:nvPr/>
+        </p:nvSpPr>
+        <p:spPr>
+          <a:xfrm>
+            <a:off x="3359173" y="4482865"/>
             <a:ext cx="7481374" cy="554310"/>
           </a:xfrm>
           <a:prstGeom prst="rect">
@@ -9136,7 +9203,7 @@
           <a:p>
             <a:pPr algn="ctr"/>
             <a:r>
-              <a:rPr lang="pt-PT" dirty="0">
+              <a:rPr lang="pt-PT" dirty="0" smtClean="0">
                 <a:ln w="0"/>
                 <a:solidFill>
                   <a:schemeClr val="tx1"/>
@@ -9149,7 +9216,7 @@
                   </a:outerShdw>
                 </a:effectLst>
               </a:rPr>
-              <a:t>Nome do projeto|Vagas|Estado|Skills</a:t>
+              <a:t>“Nome do projeto”|5/5|Ready|IDE</a:t>
             </a:r>
             <a:endParaRPr lang="pt-PT" dirty="0"/>
           </a:p>
@@ -9157,10 +9224,10 @@
       </p:sp>
       <p:sp>
         <p:nvSpPr>
-          <p:cNvPr id="33" name="Retângulo 32">
-            <a:extLst>
-              <a:ext uri="{FF2B5EF4-FFF2-40B4-BE49-F238E27FC236}">
-                <a16:creationId xmlns:a16="http://schemas.microsoft.com/office/drawing/2014/main" id="{82437C6C-60C1-960B-4C77-84952411AFC7}"/>
+          <p:cNvPr id="35" name="Retângulo 34">
+            <a:extLst>
+              <a:ext uri="{FF2B5EF4-FFF2-40B4-BE49-F238E27FC236}">
+                <a16:creationId xmlns:a16="http://schemas.microsoft.com/office/drawing/2014/main" id="{8D453B60-FF85-4CC6-1865-54AFA9E28396}"/>
               </a:ext>
             </a:extLst>
           </p:cNvPr>
@@ -9169,7 +9236,7 @@
         </p:nvSpPr>
         <p:spPr>
           <a:xfrm>
-            <a:off x="3340852" y="5134521"/>
+            <a:off x="3359173" y="5170168"/>
             <a:ext cx="7481374" cy="554310"/>
           </a:xfrm>
           <a:prstGeom prst="rect">
@@ -9208,7 +9275,7 @@
           <a:p>
             <a:pPr algn="ctr"/>
             <a:r>
-              <a:rPr lang="pt-PT" dirty="0">
+              <a:rPr lang="pt-PT" dirty="0" smtClean="0">
                 <a:ln w="0"/>
                 <a:solidFill>
                   <a:schemeClr val="tx1"/>
@@ -9221,7 +9288,7 @@
                   </a:outerShdw>
                 </a:effectLst>
               </a:rPr>
-              <a:t>Nome do projeto|Vagas|Estado|Skills</a:t>
+              <a:t>“Nome do projeto”|1/5|Ready|IDE</a:t>
             </a:r>
             <a:endParaRPr lang="pt-PT" dirty="0"/>
           </a:p>
@@ -9310,11 +9377,14 @@
               </a:lnSpc>
             </a:pPr>
             <a:r>
-              <a:rPr lang="pt-PT" dirty="0">
+              <a:rPr lang="pt-PT" dirty="0" smtClean="0">
                 <a:latin typeface="Arial Black" panose="020B0A04020102020204" pitchFamily="34" charset="0"/>
               </a:rPr>
-              <a:t>Inicio</a:t>
-            </a:r>
+              <a:t>Início</a:t>
+            </a:r>
+            <a:endParaRPr lang="pt-PT" dirty="0">
+              <a:latin typeface="Arial Black" panose="020B0A04020102020204" pitchFamily="34" charset="0"/>
+            </a:endParaRPr>
           </a:p>
           <a:p>
             <a:pPr algn="ctr">
@@ -10287,13 +10357,34 @@
           <a:p>
             <a:pPr algn="ctr"/>
             <a:r>
-              <a:rPr lang="pt-PT" dirty="0">
+              <a:rPr lang="pt-PT" dirty="0" smtClean="0">
                 <a:solidFill>
                   <a:schemeClr val="tx1"/>
                 </a:solidFill>
               </a:rPr>
-              <a:t>Nome do Projeto*</a:t>
-            </a:r>
+              <a:t>Nome </a:t>
+            </a:r>
+            <a:r>
+              <a:rPr lang="pt-PT" dirty="0" smtClean="0">
+                <a:solidFill>
+                  <a:schemeClr val="tx1"/>
+                </a:solidFill>
+              </a:rPr>
+              <a:t>do </a:t>
+            </a:r>
+            <a:r>
+              <a:rPr lang="pt-PT" dirty="0" smtClean="0">
+                <a:solidFill>
+                  <a:schemeClr val="tx1"/>
+                </a:solidFill>
+              </a:rPr>
+              <a:t>Projeto*</a:t>
+            </a:r>
+            <a:endParaRPr lang="pt-PT" dirty="0">
+              <a:solidFill>
+                <a:schemeClr val="tx1"/>
+              </a:solidFill>
+            </a:endParaRPr>
           </a:p>
         </p:txBody>
       </p:sp>
@@ -10437,13 +10528,18 @@
           <a:p>
             <a:pPr algn="ctr"/>
             <a:r>
-              <a:rPr lang="pt-PT" dirty="0">
+              <a:rPr lang="pt-PT" dirty="0" smtClean="0">
                 <a:solidFill>
                   <a:schemeClr val="tx1"/>
                 </a:solidFill>
               </a:rPr>
               <a:t>Local</a:t>
             </a:r>
+            <a:endParaRPr lang="pt-PT" dirty="0">
+              <a:solidFill>
+                <a:schemeClr val="tx1"/>
+              </a:solidFill>
+            </a:endParaRPr>
           </a:p>
         </p:txBody>
       </p:sp>
@@ -10641,13 +10737,18 @@
           <a:p>
             <a:pPr algn="ctr"/>
             <a:r>
-              <a:rPr lang="pt-PT" dirty="0">
+              <a:rPr lang="pt-PT" dirty="0" smtClean="0">
                 <a:solidFill>
                   <a:schemeClr val="tx1"/>
                 </a:solidFill>
               </a:rPr>
               <a:t>Palavras-chaves*</a:t>
             </a:r>
+            <a:endParaRPr lang="pt-PT" dirty="0">
+              <a:solidFill>
+                <a:schemeClr val="tx1"/>
+              </a:solidFill>
+            </a:endParaRPr>
           </a:p>
         </p:txBody>
       </p:sp>
@@ -10736,13 +10837,18 @@
           <a:p>
             <a:pPr algn="ctr"/>
             <a:r>
-              <a:rPr lang="pt-PT" dirty="0">
+              <a:rPr lang="pt-PT" dirty="0" smtClean="0">
                 <a:solidFill>
                   <a:schemeClr val="tx1"/>
                 </a:solidFill>
               </a:rPr>
               <a:t>Número Máximo Membros</a:t>
             </a:r>
+            <a:endParaRPr lang="pt-PT" dirty="0">
+              <a:solidFill>
+                <a:schemeClr val="tx1"/>
+              </a:solidFill>
+            </a:endParaRPr>
           </a:p>
         </p:txBody>
       </p:sp>
@@ -11095,11 +11201,14 @@
               </a:lnSpc>
             </a:pPr>
             <a:r>
-              <a:rPr lang="pt-PT" dirty="0">
+              <a:rPr lang="pt-PT" dirty="0" smtClean="0">
                 <a:latin typeface="Arial Black" panose="020B0A04020102020204" pitchFamily="34" charset="0"/>
               </a:rPr>
-              <a:t>Inicio</a:t>
-            </a:r>
+              <a:t>Início</a:t>
+            </a:r>
+            <a:endParaRPr lang="pt-PT" dirty="0">
+              <a:latin typeface="Arial Black" panose="020B0A04020102020204" pitchFamily="34" charset="0"/>
+            </a:endParaRPr>
           </a:p>
           <a:p>
             <a:pPr algn="ctr">
@@ -12025,120 +12134,6 @@
           </a:p>
         </p:txBody>
       </p:sp>
-      <p:sp>
-        <p:nvSpPr>
-          <p:cNvPr id="3" name="Retângulo 2">
-            <a:extLst>
-              <a:ext uri="{FF2B5EF4-FFF2-40B4-BE49-F238E27FC236}">
-                <a16:creationId xmlns:a16="http://schemas.microsoft.com/office/drawing/2014/main" id="{E7AA50A1-B331-951F-E699-A59D87C0D47D}"/>
-              </a:ext>
-            </a:extLst>
-          </p:cNvPr>
-          <p:cNvSpPr/>
-          <p:nvPr/>
-        </p:nvSpPr>
-        <p:spPr>
-          <a:xfrm>
-            <a:off x="4077743" y="2434803"/>
-            <a:ext cx="1497413" cy="639371"/>
-          </a:xfrm>
-          <a:prstGeom prst="rect">
-            <a:avLst/>
-          </a:prstGeom>
-          <a:solidFill>
-            <a:srgbClr val="813737"/>
-          </a:solidFill>
-          <a:ln>
-            <a:solidFill>
-              <a:schemeClr val="bg1"/>
-            </a:solidFill>
-          </a:ln>
-        </p:spPr>
-        <p:style>
-          <a:lnRef idx="2">
-            <a:schemeClr val="accent1">
-              <a:shade val="50000"/>
-            </a:schemeClr>
-          </a:lnRef>
-          <a:fillRef idx="1">
-            <a:schemeClr val="accent1"/>
-          </a:fillRef>
-          <a:effectRef idx="0">
-            <a:schemeClr val="accent1"/>
-          </a:effectRef>
-          <a:fontRef idx="minor">
-            <a:schemeClr val="lt1"/>
-          </a:fontRef>
-        </p:style>
-        <p:txBody>
-          <a:bodyPr rtlCol="0" anchor="ctr"/>
-          <a:lstStyle/>
-          <a:p>
-            <a:pPr algn="ctr"/>
-            <a:r>
-              <a:rPr lang="pt-PT" dirty="0"/>
-              <a:t>Adicionar Membros</a:t>
-            </a:r>
-          </a:p>
-        </p:txBody>
-      </p:sp>
-      <p:sp>
-        <p:nvSpPr>
-          <p:cNvPr id="4" name="Retângulo 3">
-            <a:extLst>
-              <a:ext uri="{FF2B5EF4-FFF2-40B4-BE49-F238E27FC236}">
-                <a16:creationId xmlns:a16="http://schemas.microsoft.com/office/drawing/2014/main" id="{7D0ABED2-0E4B-C4F8-7DD3-A4EB2835BC58}"/>
-              </a:ext>
-            </a:extLst>
-          </p:cNvPr>
-          <p:cNvSpPr/>
-          <p:nvPr/>
-        </p:nvSpPr>
-        <p:spPr>
-          <a:xfrm>
-            <a:off x="5877793" y="2434803"/>
-            <a:ext cx="1497413" cy="639371"/>
-          </a:xfrm>
-          <a:prstGeom prst="rect">
-            <a:avLst/>
-          </a:prstGeom>
-          <a:solidFill>
-            <a:srgbClr val="C01722"/>
-          </a:solidFill>
-          <a:ln>
-            <a:solidFill>
-              <a:schemeClr val="bg1"/>
-            </a:solidFill>
-          </a:ln>
-        </p:spPr>
-        <p:style>
-          <a:lnRef idx="2">
-            <a:schemeClr val="accent1">
-              <a:shade val="50000"/>
-            </a:schemeClr>
-          </a:lnRef>
-          <a:fillRef idx="1">
-            <a:schemeClr val="accent1"/>
-          </a:fillRef>
-          <a:effectRef idx="0">
-            <a:schemeClr val="accent1"/>
-          </a:effectRef>
-          <a:fontRef idx="minor">
-            <a:schemeClr val="lt1"/>
-          </a:fontRef>
-        </p:style>
-        <p:txBody>
-          <a:bodyPr rtlCol="0" anchor="ctr"/>
-          <a:lstStyle/>
-          <a:p>
-            <a:pPr algn="ctr"/>
-            <a:r>
-              <a:rPr lang="pt-PT" dirty="0"/>
-              <a:t>Outros Dados</a:t>
-            </a:r>
-          </a:p>
-        </p:txBody>
-      </p:sp>
       <p:cxnSp>
         <p:nvCxnSpPr>
           <p:cNvPr id="6" name="Conector reto 5">
@@ -12293,63 +12288,6 @@
       </p:sp>
       <p:sp>
         <p:nvSpPr>
-          <p:cNvPr id="10" name="Retângulo 9">
-            <a:extLst>
-              <a:ext uri="{FF2B5EF4-FFF2-40B4-BE49-F238E27FC236}">
-                <a16:creationId xmlns:a16="http://schemas.microsoft.com/office/drawing/2014/main" id="{EF3CD507-9674-D676-ABAF-217002148FE2}"/>
-              </a:ext>
-            </a:extLst>
-          </p:cNvPr>
-          <p:cNvSpPr/>
-          <p:nvPr/>
-        </p:nvSpPr>
-        <p:spPr>
-          <a:xfrm>
-            <a:off x="2308794" y="2434802"/>
-            <a:ext cx="1497413" cy="639371"/>
-          </a:xfrm>
-          <a:prstGeom prst="rect">
-            <a:avLst/>
-          </a:prstGeom>
-          <a:solidFill>
-            <a:srgbClr val="C01722"/>
-          </a:solidFill>
-          <a:ln>
-            <a:solidFill>
-              <a:schemeClr val="bg1"/>
-            </a:solidFill>
-          </a:ln>
-        </p:spPr>
-        <p:style>
-          <a:lnRef idx="2">
-            <a:schemeClr val="accent1">
-              <a:shade val="50000"/>
-            </a:schemeClr>
-          </a:lnRef>
-          <a:fillRef idx="1">
-            <a:schemeClr val="accent1"/>
-          </a:fillRef>
-          <a:effectRef idx="0">
-            <a:schemeClr val="accent1"/>
-          </a:effectRef>
-          <a:fontRef idx="minor">
-            <a:schemeClr val="lt1"/>
-          </a:fontRef>
-        </p:style>
-        <p:txBody>
-          <a:bodyPr rtlCol="0" anchor="ctr"/>
-          <a:lstStyle/>
-          <a:p>
-            <a:pPr algn="ctr"/>
-            <a:r>
-              <a:rPr lang="pt-PT" dirty="0"/>
-              <a:t>Criar Projeto</a:t>
-            </a:r>
-          </a:p>
-        </p:txBody>
-      </p:sp>
-      <p:sp>
-        <p:nvSpPr>
           <p:cNvPr id="15" name="Retângulo 14">
             <a:extLst>
               <a:ext uri="{FF2B5EF4-FFF2-40B4-BE49-F238E27FC236}">
@@ -12458,13 +12396,18 @@
           <a:p>
             <a:pPr algn="ctr"/>
             <a:r>
-              <a:rPr lang="pt-PT" dirty="0">
+              <a:rPr lang="pt-PT" dirty="0" smtClean="0">
                 <a:solidFill>
                   <a:schemeClr val="tx1"/>
                 </a:solidFill>
               </a:rPr>
-              <a:t>Primeiro e Último Nome</a:t>
-            </a:r>
+              <a:t>Rodrigo Ferreira</a:t>
+            </a:r>
+            <a:endParaRPr lang="pt-PT" dirty="0">
+              <a:solidFill>
+                <a:schemeClr val="tx1"/>
+              </a:solidFill>
+            </a:endParaRPr>
           </a:p>
         </p:txBody>
       </p:sp>
@@ -12519,19 +12462,199 @@
           <a:bodyPr rtlCol="0" anchor="ctr"/>
           <a:lstStyle/>
           <a:p>
-            <a:pPr algn="ctr"/>
-            <a:r>
-              <a:rPr lang="pt-PT" dirty="0">
+            <a:pPr algn="ctr">
+              <a:lnSpc>
+                <a:spcPct val="250000"/>
+              </a:lnSpc>
+            </a:pPr>
+            <a:r>
+              <a:rPr lang="pt-PT" dirty="0" smtClean="0">
                 <a:solidFill>
                   <a:schemeClr val="tx1"/>
                 </a:solidFill>
               </a:rPr>
-              <a:t>Primeiro e Último Nome</a:t>
-            </a:r>
+              <a:t>Joana Ramalho</a:t>
+            </a:r>
+            <a:endParaRPr lang="pt-PT" dirty="0">
+              <a:solidFill>
+                <a:schemeClr val="tx1"/>
+              </a:solidFill>
+            </a:endParaRPr>
           </a:p>
           <a:p>
             <a:pPr algn="ctr"/>
             <a:endParaRPr lang="pt-PT" dirty="0"/>
+          </a:p>
+        </p:txBody>
+      </p:sp>
+      <p:sp>
+        <p:nvSpPr>
+          <p:cNvPr id="24" name="Retângulo 23">
+            <a:extLst>
+              <a:ext uri="{FF2B5EF4-FFF2-40B4-BE49-F238E27FC236}">
+                <a16:creationId xmlns:a16="http://schemas.microsoft.com/office/drawing/2014/main" id="{75D79B85-91C2-5CE4-1425-48236EFA0919}"/>
+              </a:ext>
+            </a:extLst>
+          </p:cNvPr>
+          <p:cNvSpPr/>
+          <p:nvPr/>
+        </p:nvSpPr>
+        <p:spPr>
+          <a:xfrm>
+            <a:off x="3691883" y="2427868"/>
+            <a:ext cx="1288111" cy="639371"/>
+          </a:xfrm>
+          <a:prstGeom prst="rect">
+            <a:avLst/>
+          </a:prstGeom>
+          <a:solidFill>
+            <a:srgbClr val="A50D13"/>
+          </a:solidFill>
+          <a:ln>
+            <a:solidFill>
+              <a:schemeClr val="bg1"/>
+            </a:solidFill>
+          </a:ln>
+        </p:spPr>
+        <p:style>
+          <a:lnRef idx="2">
+            <a:schemeClr val="accent1">
+              <a:shade val="50000"/>
+            </a:schemeClr>
+          </a:lnRef>
+          <a:fillRef idx="1">
+            <a:schemeClr val="accent1"/>
+          </a:fillRef>
+          <a:effectRef idx="0">
+            <a:schemeClr val="accent1"/>
+          </a:effectRef>
+          <a:fontRef idx="minor">
+            <a:schemeClr val="lt1"/>
+          </a:fontRef>
+        </p:style>
+        <p:txBody>
+          <a:bodyPr rtlCol="0" anchor="ctr"/>
+          <a:lstStyle/>
+          <a:p>
+            <a:pPr algn="ctr"/>
+            <a:r>
+              <a:rPr lang="pt-PT" dirty="0"/>
+              <a:t>Adicionar Membros</a:t>
+            </a:r>
+          </a:p>
+        </p:txBody>
+      </p:sp>
+      <p:sp>
+        <p:nvSpPr>
+          <p:cNvPr id="26" name="Retângulo 25">
+            <a:extLst>
+              <a:ext uri="{FF2B5EF4-FFF2-40B4-BE49-F238E27FC236}">
+                <a16:creationId xmlns:a16="http://schemas.microsoft.com/office/drawing/2014/main" id="{95BDC9C3-4DC9-9704-C9C9-83CDD65A63A9}"/>
+              </a:ext>
+            </a:extLst>
+          </p:cNvPr>
+          <p:cNvSpPr/>
+          <p:nvPr/>
+        </p:nvSpPr>
+        <p:spPr>
+          <a:xfrm>
+            <a:off x="5313591" y="2427868"/>
+            <a:ext cx="1288111" cy="639371"/>
+          </a:xfrm>
+          <a:prstGeom prst="rect">
+            <a:avLst/>
+          </a:prstGeom>
+          <a:solidFill>
+            <a:srgbClr val="C00000"/>
+          </a:solidFill>
+          <a:ln>
+            <a:solidFill>
+              <a:schemeClr val="bg1"/>
+            </a:solidFill>
+          </a:ln>
+        </p:spPr>
+        <p:style>
+          <a:lnRef idx="2">
+            <a:schemeClr val="accent1">
+              <a:shade val="50000"/>
+            </a:schemeClr>
+          </a:lnRef>
+          <a:fillRef idx="1">
+            <a:schemeClr val="accent1"/>
+          </a:fillRef>
+          <a:effectRef idx="0">
+            <a:schemeClr val="accent1"/>
+          </a:effectRef>
+          <a:fontRef idx="minor">
+            <a:schemeClr val="lt1"/>
+          </a:fontRef>
+        </p:style>
+        <p:txBody>
+          <a:bodyPr rtlCol="0" anchor="ctr"/>
+          <a:lstStyle/>
+          <a:p>
+            <a:pPr algn="ctr"/>
+            <a:r>
+              <a:rPr lang="pt-PT" dirty="0"/>
+              <a:t>Outros Dados</a:t>
+            </a:r>
+          </a:p>
+        </p:txBody>
+      </p:sp>
+      <p:sp>
+        <p:nvSpPr>
+          <p:cNvPr id="27" name="Retângulo 26">
+            <a:extLst>
+              <a:ext uri="{FF2B5EF4-FFF2-40B4-BE49-F238E27FC236}">
+                <a16:creationId xmlns:a16="http://schemas.microsoft.com/office/drawing/2014/main" id="{6F405643-25BF-9BE0-69C4-36256416D218}"/>
+              </a:ext>
+            </a:extLst>
+          </p:cNvPr>
+          <p:cNvSpPr/>
+          <p:nvPr/>
+        </p:nvSpPr>
+        <p:spPr>
+          <a:xfrm>
+            <a:off x="2165641" y="2415556"/>
+            <a:ext cx="1288111" cy="639371"/>
+          </a:xfrm>
+          <a:prstGeom prst="rect">
+            <a:avLst/>
+          </a:prstGeom>
+          <a:solidFill>
+            <a:srgbClr val="C01722"/>
+          </a:solidFill>
+          <a:ln>
+            <a:solidFill>
+              <a:schemeClr val="bg1"/>
+            </a:solidFill>
+          </a:ln>
+        </p:spPr>
+        <p:style>
+          <a:lnRef idx="2">
+            <a:schemeClr val="accent1">
+              <a:shade val="50000"/>
+            </a:schemeClr>
+          </a:lnRef>
+          <a:fillRef idx="1">
+            <a:schemeClr val="accent1"/>
+          </a:fillRef>
+          <a:effectRef idx="0">
+            <a:schemeClr val="accent1"/>
+          </a:effectRef>
+          <a:fontRef idx="minor">
+            <a:schemeClr val="lt1"/>
+          </a:fontRef>
+        </p:style>
+        <p:txBody>
+          <a:bodyPr rtlCol="0" anchor="ctr"/>
+          <a:lstStyle/>
+          <a:p>
+            <a:pPr algn="ctr"/>
+            <a:r>
+              <a:rPr lang="pt-PT" dirty="0"/>
+              <a:t>Criar Projeto</a:t>
+            </a:r>
           </a:p>
         </p:txBody>
       </p:sp>
@@ -12618,11 +12741,14 @@
               </a:lnSpc>
             </a:pPr>
             <a:r>
-              <a:rPr lang="pt-PT" dirty="0">
+              <a:rPr lang="pt-PT" dirty="0" smtClean="0">
                 <a:latin typeface="Arial Black" panose="020B0A04020102020204" pitchFamily="34" charset="0"/>
               </a:rPr>
-              <a:t>Inicio</a:t>
-            </a:r>
+              <a:t>Início</a:t>
+            </a:r>
+            <a:endParaRPr lang="pt-PT" dirty="0">
+              <a:latin typeface="Arial Black" panose="020B0A04020102020204" pitchFamily="34" charset="0"/>
+            </a:endParaRPr>
           </a:p>
           <a:p>
             <a:pPr algn="ctr">
@@ -13550,177 +13676,6 @@
       </p:sp>
       <p:sp>
         <p:nvSpPr>
-          <p:cNvPr id="23" name="Retângulo 22">
-            <a:extLst>
-              <a:ext uri="{FF2B5EF4-FFF2-40B4-BE49-F238E27FC236}">
-                <a16:creationId xmlns:a16="http://schemas.microsoft.com/office/drawing/2014/main" id="{124F8DD6-B14C-9F9A-9F5F-EE5F742B9E51}"/>
-              </a:ext>
-            </a:extLst>
-          </p:cNvPr>
-          <p:cNvSpPr/>
-          <p:nvPr/>
-        </p:nvSpPr>
-        <p:spPr>
-          <a:xfrm>
-            <a:off x="4077743" y="2434803"/>
-            <a:ext cx="1497413" cy="639371"/>
-          </a:xfrm>
-          <a:prstGeom prst="rect">
-            <a:avLst/>
-          </a:prstGeom>
-          <a:solidFill>
-            <a:srgbClr val="C01722"/>
-          </a:solidFill>
-          <a:ln>
-            <a:solidFill>
-              <a:schemeClr val="bg1"/>
-            </a:solidFill>
-          </a:ln>
-        </p:spPr>
-        <p:style>
-          <a:lnRef idx="2">
-            <a:schemeClr val="accent1">
-              <a:shade val="50000"/>
-            </a:schemeClr>
-          </a:lnRef>
-          <a:fillRef idx="1">
-            <a:schemeClr val="accent1"/>
-          </a:fillRef>
-          <a:effectRef idx="0">
-            <a:schemeClr val="accent1"/>
-          </a:effectRef>
-          <a:fontRef idx="minor">
-            <a:schemeClr val="lt1"/>
-          </a:fontRef>
-        </p:style>
-        <p:txBody>
-          <a:bodyPr rtlCol="0" anchor="ctr"/>
-          <a:lstStyle/>
-          <a:p>
-            <a:pPr algn="ctr"/>
-            <a:r>
-              <a:rPr lang="pt-PT" dirty="0"/>
-              <a:t>Adicionar Membros</a:t>
-            </a:r>
-          </a:p>
-        </p:txBody>
-      </p:sp>
-      <p:sp>
-        <p:nvSpPr>
-          <p:cNvPr id="24" name="Retângulo 23">
-            <a:extLst>
-              <a:ext uri="{FF2B5EF4-FFF2-40B4-BE49-F238E27FC236}">
-                <a16:creationId xmlns:a16="http://schemas.microsoft.com/office/drawing/2014/main" id="{F6081525-DC80-D15A-F047-0659A3CAB923}"/>
-              </a:ext>
-            </a:extLst>
-          </p:cNvPr>
-          <p:cNvSpPr/>
-          <p:nvPr/>
-        </p:nvSpPr>
-        <p:spPr>
-          <a:xfrm>
-            <a:off x="5868139" y="2434802"/>
-            <a:ext cx="1497413" cy="639371"/>
-          </a:xfrm>
-          <a:prstGeom prst="rect">
-            <a:avLst/>
-          </a:prstGeom>
-          <a:solidFill>
-            <a:srgbClr val="813737"/>
-          </a:solidFill>
-          <a:ln>
-            <a:solidFill>
-              <a:schemeClr val="bg1"/>
-            </a:solidFill>
-          </a:ln>
-        </p:spPr>
-        <p:style>
-          <a:lnRef idx="2">
-            <a:schemeClr val="accent1">
-              <a:shade val="50000"/>
-            </a:schemeClr>
-          </a:lnRef>
-          <a:fillRef idx="1">
-            <a:schemeClr val="accent1"/>
-          </a:fillRef>
-          <a:effectRef idx="0">
-            <a:schemeClr val="accent1"/>
-          </a:effectRef>
-          <a:fontRef idx="minor">
-            <a:schemeClr val="lt1"/>
-          </a:fontRef>
-        </p:style>
-        <p:txBody>
-          <a:bodyPr rtlCol="0" anchor="ctr"/>
-          <a:lstStyle/>
-          <a:p>
-            <a:pPr algn="ctr"/>
-            <a:r>
-              <a:rPr lang="pt-PT" dirty="0"/>
-              <a:t>Outros Dados</a:t>
-            </a:r>
-          </a:p>
-        </p:txBody>
-      </p:sp>
-      <p:sp>
-        <p:nvSpPr>
-          <p:cNvPr id="26" name="Retângulo 25">
-            <a:extLst>
-              <a:ext uri="{FF2B5EF4-FFF2-40B4-BE49-F238E27FC236}">
-                <a16:creationId xmlns:a16="http://schemas.microsoft.com/office/drawing/2014/main" id="{48F6EBFD-4BDC-1FE1-533E-875E27B04214}"/>
-              </a:ext>
-            </a:extLst>
-          </p:cNvPr>
-          <p:cNvSpPr/>
-          <p:nvPr/>
-        </p:nvSpPr>
-        <p:spPr>
-          <a:xfrm>
-            <a:off x="2308794" y="2434802"/>
-            <a:ext cx="1497413" cy="639371"/>
-          </a:xfrm>
-          <a:prstGeom prst="rect">
-            <a:avLst/>
-          </a:prstGeom>
-          <a:solidFill>
-            <a:srgbClr val="C01722"/>
-          </a:solidFill>
-          <a:ln>
-            <a:solidFill>
-              <a:schemeClr val="bg1"/>
-            </a:solidFill>
-          </a:ln>
-        </p:spPr>
-        <p:style>
-          <a:lnRef idx="2">
-            <a:schemeClr val="accent1">
-              <a:shade val="50000"/>
-            </a:schemeClr>
-          </a:lnRef>
-          <a:fillRef idx="1">
-            <a:schemeClr val="accent1"/>
-          </a:fillRef>
-          <a:effectRef idx="0">
-            <a:schemeClr val="accent1"/>
-          </a:effectRef>
-          <a:fontRef idx="minor">
-            <a:schemeClr val="lt1"/>
-          </a:fontRef>
-        </p:style>
-        <p:txBody>
-          <a:bodyPr rtlCol="0" anchor="ctr"/>
-          <a:lstStyle/>
-          <a:p>
-            <a:pPr algn="ctr"/>
-            <a:r>
-              <a:rPr lang="pt-PT" dirty="0"/>
-              <a:t>Criar Projeto</a:t>
-            </a:r>
-          </a:p>
-        </p:txBody>
-      </p:sp>
-      <p:sp>
-        <p:nvSpPr>
           <p:cNvPr id="27" name="Retângulo 26">
             <a:extLst>
               <a:ext uri="{FF2B5EF4-FFF2-40B4-BE49-F238E27FC236}">
@@ -13871,10 +13826,10 @@
       </p:cxnSp>
       <p:sp>
         <p:nvSpPr>
-          <p:cNvPr id="42" name="Retângulo 41">
-            <a:extLst>
-              <a:ext uri="{FF2B5EF4-FFF2-40B4-BE49-F238E27FC236}">
-                <a16:creationId xmlns:a16="http://schemas.microsoft.com/office/drawing/2014/main" id="{6792819C-5BE2-19E8-3D87-287B3CB08EA5}"/>
+          <p:cNvPr id="44" name="Retângulo 43">
+            <a:extLst>
+              <a:ext uri="{FF2B5EF4-FFF2-40B4-BE49-F238E27FC236}">
+                <a16:creationId xmlns:a16="http://schemas.microsoft.com/office/drawing/2014/main" id="{739A7B1C-DB95-6F60-D67B-71805A79F501}"/>
               </a:ext>
             </a:extLst>
           </p:cNvPr>
@@ -13883,8 +13838,8 @@
         </p:nvSpPr>
         <p:spPr>
           <a:xfrm>
-            <a:off x="2905351" y="3592803"/>
-            <a:ext cx="1921098" cy="396240"/>
+            <a:off x="2822294" y="3709671"/>
+            <a:ext cx="2226486" cy="396240"/>
           </a:xfrm>
           <a:prstGeom prst="rect">
             <a:avLst/>
@@ -13921,17 +13876,17 @@
                   <a:schemeClr val="tx1"/>
                 </a:solidFill>
               </a:rPr>
-              <a:t>Skills Necessárias</a:t>
+              <a:t>Recursos Necessários</a:t>
             </a:r>
           </a:p>
         </p:txBody>
       </p:sp>
       <p:cxnSp>
         <p:nvCxnSpPr>
-          <p:cNvPr id="43" name="Conector reto 42">
-            <a:extLst>
-              <a:ext uri="{FF2B5EF4-FFF2-40B4-BE49-F238E27FC236}">
-                <a16:creationId xmlns:a16="http://schemas.microsoft.com/office/drawing/2014/main" id="{C5F9775C-89A1-9F5D-2E45-4574DF49B186}"/>
+          <p:cNvPr id="45" name="Conector reto 44">
+            <a:extLst>
+              <a:ext uri="{FF2B5EF4-FFF2-40B4-BE49-F238E27FC236}">
+                <a16:creationId xmlns:a16="http://schemas.microsoft.com/office/drawing/2014/main" id="{39357B1B-B4AA-D66D-249B-19702A28C5F0}"/>
               </a:ext>
             </a:extLst>
           </p:cNvPr>
@@ -13942,8 +13897,8 @@
         </p:nvCxnSpPr>
         <p:spPr>
           <a:xfrm flipH="1">
-            <a:off x="3048317" y="3897225"/>
-            <a:ext cx="1822045" cy="0"/>
+            <a:off x="2927455" y="4031435"/>
+            <a:ext cx="2009092" cy="0"/>
           </a:xfrm>
           <a:prstGeom prst="line">
             <a:avLst/>
@@ -13966,10 +13921,10 @@
       </p:cxnSp>
       <p:sp>
         <p:nvSpPr>
-          <p:cNvPr id="44" name="Retângulo 43">
-            <a:extLst>
-              <a:ext uri="{FF2B5EF4-FFF2-40B4-BE49-F238E27FC236}">
-                <a16:creationId xmlns:a16="http://schemas.microsoft.com/office/drawing/2014/main" id="{739A7B1C-DB95-6F60-D67B-71805A79F501}"/>
+          <p:cNvPr id="28" name="Retângulo 27">
+            <a:extLst>
+              <a:ext uri="{FF2B5EF4-FFF2-40B4-BE49-F238E27FC236}">
+                <a16:creationId xmlns:a16="http://schemas.microsoft.com/office/drawing/2014/main" id="{75D79B85-91C2-5CE4-1425-48236EFA0919}"/>
               </a:ext>
             </a:extLst>
           </p:cNvPr>
@@ -13978,15 +13933,19 @@
         </p:nvSpPr>
         <p:spPr>
           <a:xfrm>
-            <a:off x="2849633" y="4031517"/>
-            <a:ext cx="2226486" cy="396240"/>
-          </a:xfrm>
-          <a:prstGeom prst="rect">
-            <a:avLst/>
-          </a:prstGeom>
-          <a:noFill/>
+            <a:off x="3691883" y="2427868"/>
+            <a:ext cx="1288111" cy="639371"/>
+          </a:xfrm>
+          <a:prstGeom prst="rect">
+            <a:avLst/>
+          </a:prstGeom>
+          <a:solidFill>
+            <a:srgbClr val="C01722"/>
+          </a:solidFill>
           <a:ln>
-            <a:noFill/>
+            <a:solidFill>
+              <a:schemeClr val="bg1"/>
+            </a:solidFill>
           </a:ln>
         </p:spPr>
         <p:style>
@@ -14011,54 +13970,446 @@
           <a:p>
             <a:pPr algn="ctr"/>
             <a:r>
-              <a:rPr lang="pt-PT" dirty="0">
-                <a:solidFill>
-                  <a:schemeClr val="tx1"/>
-                </a:solidFill>
-              </a:rPr>
-              <a:t>Recursos Necessários</a:t>
-            </a:r>
-          </a:p>
-        </p:txBody>
-      </p:sp>
-      <p:cxnSp>
-        <p:nvCxnSpPr>
-          <p:cNvPr id="45" name="Conector reto 44">
-            <a:extLst>
-              <a:ext uri="{FF2B5EF4-FFF2-40B4-BE49-F238E27FC236}">
-                <a16:creationId xmlns:a16="http://schemas.microsoft.com/office/drawing/2014/main" id="{39357B1B-B4AA-D66D-249B-19702A28C5F0}"/>
-              </a:ext>
-            </a:extLst>
-          </p:cNvPr>
-          <p:cNvCxnSpPr>
-            <a:cxnSpLocks/>
-          </p:cNvCxnSpPr>
-          <p:nvPr/>
-        </p:nvCxnSpPr>
-        <p:spPr>
-          <a:xfrm flipH="1">
-            <a:off x="2954794" y="4353281"/>
-            <a:ext cx="2009092" cy="0"/>
-          </a:xfrm>
-          <a:prstGeom prst="line">
-            <a:avLst/>
-          </a:prstGeom>
+              <a:rPr lang="pt-PT" dirty="0"/>
+              <a:t>Adicionar Membros</a:t>
+            </a:r>
+          </a:p>
+        </p:txBody>
+      </p:sp>
+      <p:sp>
+        <p:nvSpPr>
+          <p:cNvPr id="29" name="Retângulo 28">
+            <a:extLst>
+              <a:ext uri="{FF2B5EF4-FFF2-40B4-BE49-F238E27FC236}">
+                <a16:creationId xmlns:a16="http://schemas.microsoft.com/office/drawing/2014/main" id="{95BDC9C3-4DC9-9704-C9C9-83CDD65A63A9}"/>
+              </a:ext>
+            </a:extLst>
+          </p:cNvPr>
+          <p:cNvSpPr/>
+          <p:nvPr/>
+        </p:nvSpPr>
+        <p:spPr>
+          <a:xfrm>
+            <a:off x="5313591" y="2427868"/>
+            <a:ext cx="1288111" cy="639371"/>
+          </a:xfrm>
+          <a:prstGeom prst="rect">
+            <a:avLst/>
+          </a:prstGeom>
+          <a:solidFill>
+            <a:srgbClr val="813737"/>
+          </a:solidFill>
+          <a:ln>
+            <a:solidFill>
+              <a:schemeClr val="bg1"/>
+            </a:solidFill>
+          </a:ln>
         </p:spPr>
         <p:style>
-          <a:lnRef idx="1">
-            <a:schemeClr val="accent3"/>
+          <a:lnRef idx="2">
+            <a:schemeClr val="accent1">
+              <a:shade val="50000"/>
+            </a:schemeClr>
           </a:lnRef>
-          <a:fillRef idx="0">
-            <a:schemeClr val="accent3"/>
+          <a:fillRef idx="1">
+            <a:schemeClr val="accent1"/>
           </a:fillRef>
           <a:effectRef idx="0">
-            <a:schemeClr val="accent3"/>
+            <a:schemeClr val="accent1"/>
           </a:effectRef>
           <a:fontRef idx="minor">
-            <a:schemeClr val="tx1"/>
+            <a:schemeClr val="lt1"/>
           </a:fontRef>
         </p:style>
-      </p:cxnSp>
+        <p:txBody>
+          <a:bodyPr rtlCol="0" anchor="ctr"/>
+          <a:lstStyle/>
+          <a:p>
+            <a:pPr algn="ctr"/>
+            <a:r>
+              <a:rPr lang="pt-PT" dirty="0"/>
+              <a:t>Outros Dados</a:t>
+            </a:r>
+          </a:p>
+        </p:txBody>
+      </p:sp>
+      <p:sp>
+        <p:nvSpPr>
+          <p:cNvPr id="31" name="Retângulo 30">
+            <a:extLst>
+              <a:ext uri="{FF2B5EF4-FFF2-40B4-BE49-F238E27FC236}">
+                <a16:creationId xmlns:a16="http://schemas.microsoft.com/office/drawing/2014/main" id="{6F405643-25BF-9BE0-69C4-36256416D218}"/>
+              </a:ext>
+            </a:extLst>
+          </p:cNvPr>
+          <p:cNvSpPr/>
+          <p:nvPr/>
+        </p:nvSpPr>
+        <p:spPr>
+          <a:xfrm>
+            <a:off x="2165641" y="2415556"/>
+            <a:ext cx="1288111" cy="639371"/>
+          </a:xfrm>
+          <a:prstGeom prst="rect">
+            <a:avLst/>
+          </a:prstGeom>
+          <a:solidFill>
+            <a:srgbClr val="C01722"/>
+          </a:solidFill>
+          <a:ln>
+            <a:solidFill>
+              <a:schemeClr val="bg1"/>
+            </a:solidFill>
+          </a:ln>
+        </p:spPr>
+        <p:style>
+          <a:lnRef idx="2">
+            <a:schemeClr val="accent1">
+              <a:shade val="50000"/>
+            </a:schemeClr>
+          </a:lnRef>
+          <a:fillRef idx="1">
+            <a:schemeClr val="accent1"/>
+          </a:fillRef>
+          <a:effectRef idx="0">
+            <a:schemeClr val="accent1"/>
+          </a:effectRef>
+          <a:fontRef idx="minor">
+            <a:schemeClr val="lt1"/>
+          </a:fontRef>
+        </p:style>
+        <p:txBody>
+          <a:bodyPr rtlCol="0" anchor="ctr"/>
+          <a:lstStyle/>
+          <a:p>
+            <a:pPr algn="ctr"/>
+            <a:r>
+              <a:rPr lang="pt-PT" dirty="0"/>
+              <a:t>Criar Projeto</a:t>
+            </a:r>
+          </a:p>
+        </p:txBody>
+      </p:sp>
+      <p:sp>
+        <p:nvSpPr>
+          <p:cNvPr id="32" name="Retângulo 31">
+            <a:extLst>
+              <a:ext uri="{FF2B5EF4-FFF2-40B4-BE49-F238E27FC236}">
+                <a16:creationId xmlns:a16="http://schemas.microsoft.com/office/drawing/2014/main" id="{5FB35F62-CBE6-B944-78C1-DC17DFDE253D}"/>
+              </a:ext>
+            </a:extLst>
+          </p:cNvPr>
+          <p:cNvSpPr/>
+          <p:nvPr/>
+        </p:nvSpPr>
+        <p:spPr>
+          <a:xfrm>
+            <a:off x="5579765" y="3304486"/>
+            <a:ext cx="2417685" cy="305186"/>
+          </a:xfrm>
+          <a:prstGeom prst="rect">
+            <a:avLst/>
+          </a:prstGeom>
+          <a:noFill/>
+          <a:ln>
+            <a:noFill/>
+          </a:ln>
+        </p:spPr>
+        <p:style>
+          <a:lnRef idx="2">
+            <a:schemeClr val="accent1">
+              <a:shade val="50000"/>
+            </a:schemeClr>
+          </a:lnRef>
+          <a:fillRef idx="1">
+            <a:schemeClr val="accent1"/>
+          </a:fillRef>
+          <a:effectRef idx="0">
+            <a:schemeClr val="accent1"/>
+          </a:effectRef>
+          <a:fontRef idx="minor">
+            <a:schemeClr val="lt1"/>
+          </a:fontRef>
+        </p:style>
+        <p:txBody>
+          <a:bodyPr rtlCol="0" anchor="ctr"/>
+          <a:lstStyle/>
+          <a:p>
+            <a:pPr algn="ctr"/>
+            <a:r>
+              <a:rPr lang="pt-PT" dirty="0">
+                <a:solidFill>
+                  <a:schemeClr val="tx1"/>
+                </a:solidFill>
+              </a:rPr>
+              <a:t>Skills</a:t>
+            </a:r>
+          </a:p>
+        </p:txBody>
+      </p:sp>
+      <p:sp>
+        <p:nvSpPr>
+          <p:cNvPr id="33" name="Retângulo 32">
+            <a:extLst>
+              <a:ext uri="{FF2B5EF4-FFF2-40B4-BE49-F238E27FC236}">
+                <a16:creationId xmlns:a16="http://schemas.microsoft.com/office/drawing/2014/main" id="{7305CFA6-E2B8-B41D-83F0-256C794E02E5}"/>
+              </a:ext>
+            </a:extLst>
+          </p:cNvPr>
+          <p:cNvSpPr/>
+          <p:nvPr/>
+        </p:nvSpPr>
+        <p:spPr>
+          <a:xfrm>
+            <a:off x="5873321" y="4169677"/>
+            <a:ext cx="2019256" cy="1268005"/>
+          </a:xfrm>
+          <a:prstGeom prst="rect">
+            <a:avLst/>
+          </a:prstGeom>
+          <a:noFill/>
+          <a:ln>
+            <a:solidFill>
+              <a:srgbClr val="C00000"/>
+            </a:solidFill>
+          </a:ln>
+        </p:spPr>
+        <p:style>
+          <a:lnRef idx="2">
+            <a:schemeClr val="accent1">
+              <a:shade val="50000"/>
+            </a:schemeClr>
+          </a:lnRef>
+          <a:fillRef idx="1">
+            <a:schemeClr val="accent1"/>
+          </a:fillRef>
+          <a:effectRef idx="0">
+            <a:schemeClr val="accent1"/>
+          </a:effectRef>
+          <a:fontRef idx="minor">
+            <a:schemeClr val="lt1"/>
+          </a:fontRef>
+        </p:style>
+        <p:txBody>
+          <a:bodyPr rtlCol="0" anchor="ctr"/>
+          <a:lstStyle/>
+          <a:p>
+            <a:pPr algn="ctr"/>
+            <a:endParaRPr lang="pt-PT" sz="700" b="0" i="0" baseline="-25000" dirty="0">
+              <a:solidFill>
+                <a:schemeClr val="tx1"/>
+              </a:solidFill>
+              <a:effectLst/>
+              <a:latin typeface="system-ui"/>
+            </a:endParaRPr>
+          </a:p>
+        </p:txBody>
+      </p:sp>
+      <p:sp>
+        <p:nvSpPr>
+          <p:cNvPr id="34" name="Retângulo 33"/>
+          <p:cNvSpPr/>
+          <p:nvPr/>
+        </p:nvSpPr>
+        <p:spPr>
+          <a:xfrm>
+            <a:off x="5873320" y="3717755"/>
+            <a:ext cx="1595992" cy="275590"/>
+          </a:xfrm>
+          <a:prstGeom prst="rect">
+            <a:avLst/>
+          </a:prstGeom>
+          <a:solidFill>
+            <a:schemeClr val="bg1"/>
+          </a:solidFill>
+          <a:ln>
+            <a:solidFill>
+              <a:srgbClr val="C01722"/>
+            </a:solidFill>
+          </a:ln>
+        </p:spPr>
+        <p:style>
+          <a:lnRef idx="2">
+            <a:schemeClr val="accent1">
+              <a:shade val="50000"/>
+            </a:schemeClr>
+          </a:lnRef>
+          <a:fillRef idx="1">
+            <a:schemeClr val="accent1"/>
+          </a:fillRef>
+          <a:effectRef idx="0">
+            <a:schemeClr val="accent1"/>
+          </a:effectRef>
+          <a:fontRef idx="minor">
+            <a:schemeClr val="lt1"/>
+          </a:fontRef>
+        </p:style>
+        <p:txBody>
+          <a:bodyPr rtlCol="0" anchor="ctr"/>
+          <a:lstStyle/>
+          <a:p>
+            <a:pPr algn="ctr"/>
+            <a:endParaRPr lang="pt-PT"/>
+          </a:p>
+        </p:txBody>
+      </p:sp>
+      <p:sp>
+        <p:nvSpPr>
+          <p:cNvPr id="35" name="Retângulo 34"/>
+          <p:cNvSpPr/>
+          <p:nvPr/>
+        </p:nvSpPr>
+        <p:spPr>
+          <a:xfrm>
+            <a:off x="7965635" y="3759999"/>
+            <a:ext cx="290406" cy="224366"/>
+          </a:xfrm>
+          <a:prstGeom prst="rect">
+            <a:avLst/>
+          </a:prstGeom>
+          <a:solidFill>
+            <a:srgbClr val="C00000"/>
+          </a:solidFill>
+        </p:spPr>
+        <p:style>
+          <a:lnRef idx="2">
+            <a:schemeClr val="accent1">
+              <a:shade val="50000"/>
+            </a:schemeClr>
+          </a:lnRef>
+          <a:fillRef idx="1">
+            <a:schemeClr val="accent1"/>
+          </a:fillRef>
+          <a:effectRef idx="0">
+            <a:schemeClr val="accent1"/>
+          </a:effectRef>
+          <a:fontRef idx="minor">
+            <a:schemeClr val="lt1"/>
+          </a:fontRef>
+        </p:style>
+        <p:txBody>
+          <a:bodyPr rtlCol="0" anchor="ctr"/>
+          <a:lstStyle/>
+          <a:p>
+            <a:pPr algn="ctr"/>
+            <a:r>
+              <a:rPr lang="pt-PT" dirty="0" smtClean="0">
+                <a:solidFill>
+                  <a:schemeClr val="bg1"/>
+                </a:solidFill>
+              </a:rPr>
+              <a:t>+</a:t>
+            </a:r>
+            <a:endParaRPr lang="pt-PT" dirty="0">
+              <a:solidFill>
+                <a:schemeClr val="bg1"/>
+              </a:solidFill>
+            </a:endParaRPr>
+          </a:p>
+        </p:txBody>
+      </p:sp>
+      <p:sp>
+        <p:nvSpPr>
+          <p:cNvPr id="38" name="Retângulo 37"/>
+          <p:cNvSpPr/>
+          <p:nvPr/>
+        </p:nvSpPr>
+        <p:spPr>
+          <a:xfrm>
+            <a:off x="7519008" y="3741018"/>
+            <a:ext cx="373568" cy="262170"/>
+          </a:xfrm>
+          <a:prstGeom prst="rect">
+            <a:avLst/>
+          </a:prstGeom>
+          <a:solidFill>
+            <a:schemeClr val="bg1"/>
+          </a:solidFill>
+          <a:ln>
+            <a:solidFill>
+              <a:srgbClr val="C01722"/>
+            </a:solidFill>
+          </a:ln>
+        </p:spPr>
+        <p:style>
+          <a:lnRef idx="2">
+            <a:schemeClr val="accent1">
+              <a:shade val="50000"/>
+            </a:schemeClr>
+          </a:lnRef>
+          <a:fillRef idx="1">
+            <a:schemeClr val="accent1"/>
+          </a:fillRef>
+          <a:effectRef idx="0">
+            <a:schemeClr val="accent1"/>
+          </a:effectRef>
+          <a:fontRef idx="minor">
+            <a:schemeClr val="lt1"/>
+          </a:fontRef>
+        </p:style>
+        <p:txBody>
+          <a:bodyPr rtlCol="0" anchor="ctr"/>
+          <a:lstStyle/>
+          <a:p>
+            <a:pPr algn="ctr"/>
+            <a:endParaRPr lang="pt-PT"/>
+          </a:p>
+        </p:txBody>
+      </p:sp>
+      <p:sp>
+        <p:nvSpPr>
+          <p:cNvPr id="39" name="Seta: para Baixo 15">
+            <a:extLst>
+              <a:ext uri="{FF2B5EF4-FFF2-40B4-BE49-F238E27FC236}">
+                <a16:creationId xmlns:a16="http://schemas.microsoft.com/office/drawing/2014/main" id="{4D98A3C1-CACF-6ACE-9657-EFBF31362204}"/>
+              </a:ext>
+            </a:extLst>
+          </p:cNvPr>
+          <p:cNvSpPr/>
+          <p:nvPr/>
+        </p:nvSpPr>
+        <p:spPr>
+          <a:xfrm>
+            <a:off x="7542371" y="3741017"/>
+            <a:ext cx="268213" cy="253014"/>
+          </a:xfrm>
+          <a:prstGeom prst="downArrow">
+            <a:avLst/>
+          </a:prstGeom>
+          <a:solidFill>
+            <a:schemeClr val="bg1"/>
+          </a:solidFill>
+          <a:ln>
+            <a:solidFill>
+              <a:srgbClr val="A50D13"/>
+            </a:solidFill>
+          </a:ln>
+        </p:spPr>
+        <p:style>
+          <a:lnRef idx="2">
+            <a:schemeClr val="dk1">
+              <a:shade val="50000"/>
+            </a:schemeClr>
+          </a:lnRef>
+          <a:fillRef idx="1">
+            <a:schemeClr val="dk1"/>
+          </a:fillRef>
+          <a:effectRef idx="0">
+            <a:schemeClr val="dk1"/>
+          </a:effectRef>
+          <a:fontRef idx="minor">
+            <a:schemeClr val="lt1"/>
+          </a:fontRef>
+        </p:style>
+        <p:txBody>
+          <a:bodyPr rtlCol="0" anchor="ctr"/>
+          <a:lstStyle/>
+          <a:p>
+            <a:pPr algn="ctr"/>
+            <a:endParaRPr lang="pt-PT"/>
+          </a:p>
+        </p:txBody>
+      </p:sp>
     </p:spTree>
     <p:extLst>
       <p:ext uri="{BB962C8B-B14F-4D97-AF65-F5344CB8AC3E}">
@@ -14142,11 +14493,14 @@
               </a:lnSpc>
             </a:pPr>
             <a:r>
-              <a:rPr lang="pt-PT" dirty="0">
+              <a:rPr lang="pt-PT" dirty="0" smtClean="0">
                 <a:latin typeface="Arial Black" panose="020B0A04020102020204" pitchFamily="34" charset="0"/>
               </a:rPr>
-              <a:t>Inicio</a:t>
-            </a:r>
+              <a:t>Início</a:t>
+            </a:r>
+            <a:endParaRPr lang="pt-PT" dirty="0">
+              <a:latin typeface="Arial Black" panose="020B0A04020102020204" pitchFamily="34" charset="0"/>
+            </a:endParaRPr>
           </a:p>
           <a:p>
             <a:pPr algn="ctr">
@@ -14876,7 +15230,7 @@
         </p:nvSpPr>
         <p:spPr>
           <a:xfrm>
-            <a:off x="2460133" y="2411387"/>
+            <a:off x="2169740" y="2393574"/>
             <a:ext cx="1874520" cy="396240"/>
           </a:xfrm>
           <a:prstGeom prst="rect">
@@ -14988,7 +15342,7 @@
         </p:nvCxnSpPr>
         <p:spPr>
           <a:xfrm flipH="1">
-            <a:off x="2545980" y="2731427"/>
+            <a:off x="2255587" y="2713614"/>
             <a:ext cx="1702825" cy="0"/>
           </a:xfrm>
           <a:prstGeom prst="line">
@@ -15117,7 +15471,7 @@
         </p:nvSpPr>
         <p:spPr>
           <a:xfrm>
-            <a:off x="6980118" y="2102139"/>
+            <a:off x="6839101" y="2010321"/>
             <a:ext cx="4152160" cy="3773808"/>
           </a:xfrm>
           <a:prstGeom prst="rect">
@@ -15169,7 +15523,7 @@
         </p:nvSpPr>
         <p:spPr>
           <a:xfrm>
-            <a:off x="7974552" y="2225187"/>
+            <a:off x="7833535" y="2133369"/>
             <a:ext cx="1874520" cy="372399"/>
           </a:xfrm>
           <a:prstGeom prst="rect">
@@ -15226,7 +15580,7 @@
         </p:nvSpPr>
         <p:spPr>
           <a:xfrm>
-            <a:off x="1811159" y="3119595"/>
+            <a:off x="1520766" y="3101782"/>
             <a:ext cx="1874520" cy="396240"/>
           </a:xfrm>
           <a:prstGeom prst="rect">
@@ -15282,9 +15636,9 @@
           <p:nvPr/>
         </p:nvCxnSpPr>
         <p:spPr>
-          <a:xfrm flipH="1">
-            <a:off x="2524423" y="3429000"/>
-            <a:ext cx="1702825" cy="0"/>
+          <a:xfrm flipH="1" flipV="1">
+            <a:off x="2234031" y="3411187"/>
+            <a:ext cx="2089166" cy="17813"/>
           </a:xfrm>
           <a:prstGeom prst="line">
             <a:avLst/>
@@ -15412,8 +15766,8 @@
         </p:nvSpPr>
         <p:spPr>
           <a:xfrm>
-            <a:off x="2438576" y="3641355"/>
-            <a:ext cx="1874520" cy="396240"/>
+            <a:off x="2148183" y="3623542"/>
+            <a:ext cx="2175014" cy="405816"/>
           </a:xfrm>
           <a:prstGeom prst="rect">
             <a:avLst/>
@@ -15445,13 +15799,18 @@
           <a:p>
             <a:pPr algn="ctr"/>
             <a:r>
-              <a:rPr lang="pt-PT" dirty="0">
+              <a:rPr lang="pt-PT" dirty="0" smtClean="0">
                 <a:solidFill>
                   <a:schemeClr val="tx1"/>
                 </a:solidFill>
               </a:rPr>
-              <a:t>Equipa do Projeto</a:t>
-            </a:r>
+              <a:t>Membros do Projeto</a:t>
+            </a:r>
+            <a:endParaRPr lang="pt-PT" dirty="0">
+              <a:solidFill>
+                <a:schemeClr val="tx1"/>
+              </a:solidFill>
+            </a:endParaRPr>
           </a:p>
         </p:txBody>
       </p:sp>
@@ -15469,8 +15828,8 @@
         </p:nvCxnSpPr>
         <p:spPr>
           <a:xfrm flipH="1">
-            <a:off x="2524423" y="3961395"/>
-            <a:ext cx="1702825" cy="0"/>
+            <a:off x="2234031" y="3930914"/>
+            <a:ext cx="2207864" cy="12668"/>
           </a:xfrm>
           <a:prstGeom prst="line">
             <a:avLst/>
@@ -15584,6 +15943,30 @@
           </a:fontRef>
         </p:style>
       </p:cxnSp>
+      <p:pic>
+        <p:nvPicPr>
+          <p:cNvPr id="26" name="Imagem 25"/>
+          <p:cNvPicPr>
+            <a:picLocks noChangeAspect="1"/>
+          </p:cNvPicPr>
+          <p:nvPr/>
+        </p:nvPicPr>
+        <p:blipFill>
+          <a:blip r:embed="rId7"/>
+          <a:stretch>
+            <a:fillRect/>
+          </a:stretch>
+        </p:blipFill>
+        <p:spPr>
+          <a:xfrm>
+            <a:off x="4186362" y="3714245"/>
+            <a:ext cx="221325" cy="207046"/>
+          </a:xfrm>
+          <a:prstGeom prst="rect">
+            <a:avLst/>
+          </a:prstGeom>
+        </p:spPr>
+      </p:pic>
     </p:spTree>
     <p:extLst>
       <p:ext uri="{BB962C8B-B14F-4D97-AF65-F5344CB8AC3E}">
@@ -15667,11 +16050,14 @@
               </a:lnSpc>
             </a:pPr>
             <a:r>
-              <a:rPr lang="pt-PT" dirty="0">
+              <a:rPr lang="pt-PT" dirty="0" smtClean="0">
                 <a:latin typeface="Arial Black" panose="020B0A04020102020204" pitchFamily="34" charset="0"/>
               </a:rPr>
-              <a:t>Inicio</a:t>
-            </a:r>
+              <a:t>Início</a:t>
+            </a:r>
+            <a:endParaRPr lang="pt-PT" dirty="0">
+              <a:latin typeface="Arial Black" panose="020B0A04020102020204" pitchFamily="34" charset="0"/>
+            </a:endParaRPr>
           </a:p>
           <a:p>
             <a:pPr algn="ctr">
@@ -16870,10 +17256,10 @@
       </p:cxnSp>
       <p:sp>
         <p:nvSpPr>
-          <p:cNvPr id="31" name="Retângulo 30">
-            <a:extLst>
-              <a:ext uri="{FF2B5EF4-FFF2-40B4-BE49-F238E27FC236}">
-                <a16:creationId xmlns:a16="http://schemas.microsoft.com/office/drawing/2014/main" id="{997D6A95-B176-5901-EEB3-107B8B0E9F9E}"/>
+          <p:cNvPr id="33" name="Retângulo 32">
+            <a:extLst>
+              <a:ext uri="{FF2B5EF4-FFF2-40B4-BE49-F238E27FC236}">
+                <a16:creationId xmlns:a16="http://schemas.microsoft.com/office/drawing/2014/main" id="{FA48F488-D733-73BB-748E-883229F50618}"/>
               </a:ext>
             </a:extLst>
           </p:cNvPr>
@@ -16882,7 +17268,7 @@
         </p:nvSpPr>
         <p:spPr>
           <a:xfrm>
-            <a:off x="2438576" y="3641355"/>
+            <a:off x="4441895" y="3615347"/>
             <a:ext cx="1874520" cy="396240"/>
           </a:xfrm>
           <a:prstGeom prst="rect">
@@ -16920,17 +17306,17 @@
                   <a:schemeClr val="tx1"/>
                 </a:solidFill>
               </a:rPr>
-              <a:t>Equipa do Projeto</a:t>
+              <a:t>Palavras-chaves</a:t>
             </a:r>
           </a:p>
         </p:txBody>
       </p:sp>
       <p:cxnSp>
         <p:nvCxnSpPr>
-          <p:cNvPr id="32" name="Conector reto 31">
-            <a:extLst>
-              <a:ext uri="{FF2B5EF4-FFF2-40B4-BE49-F238E27FC236}">
-                <a16:creationId xmlns:a16="http://schemas.microsoft.com/office/drawing/2014/main" id="{DE769912-FCB3-6E58-4A52-21E6D50EF6B8}"/>
+          <p:cNvPr id="34" name="Conector reto 33">
+            <a:extLst>
+              <a:ext uri="{FF2B5EF4-FFF2-40B4-BE49-F238E27FC236}">
+                <a16:creationId xmlns:a16="http://schemas.microsoft.com/office/drawing/2014/main" id="{5FE41365-DACD-ABF4-5427-E62CCF765A5C}"/>
               </a:ext>
             </a:extLst>
           </p:cNvPr>
@@ -16939,7 +17325,7 @@
         </p:nvCxnSpPr>
         <p:spPr>
           <a:xfrm flipH="1">
-            <a:off x="2524423" y="3961395"/>
+            <a:off x="4613590" y="3930914"/>
             <a:ext cx="1702825" cy="0"/>
           </a:xfrm>
           <a:prstGeom prst="line">
@@ -16963,10 +17349,10 @@
       </p:cxnSp>
       <p:sp>
         <p:nvSpPr>
-          <p:cNvPr id="33" name="Retângulo 32">
-            <a:extLst>
-              <a:ext uri="{FF2B5EF4-FFF2-40B4-BE49-F238E27FC236}">
-                <a16:creationId xmlns:a16="http://schemas.microsoft.com/office/drawing/2014/main" id="{FA48F488-D733-73BB-748E-883229F50618}"/>
+          <p:cNvPr id="22" name="Retângulo 21">
+            <a:extLst>
+              <a:ext uri="{FF2B5EF4-FFF2-40B4-BE49-F238E27FC236}">
+                <a16:creationId xmlns:a16="http://schemas.microsoft.com/office/drawing/2014/main" id="{E21024F6-DF6A-39A6-845E-8D7456D6C44A}"/>
               </a:ext>
             </a:extLst>
           </p:cNvPr>
@@ -16975,7 +17361,7 @@
         </p:nvSpPr>
         <p:spPr>
           <a:xfrm>
-            <a:off x="4441895" y="3615347"/>
+            <a:off x="3171129" y="4296602"/>
             <a:ext cx="1874520" cy="396240"/>
           </a:xfrm>
           <a:prstGeom prst="rect">
@@ -17013,17 +17399,17 @@
                   <a:schemeClr val="tx1"/>
                 </a:solidFill>
               </a:rPr>
-              <a:t>Palavras-chaves</a:t>
+              <a:t>Vencedor</a:t>
             </a:r>
           </a:p>
         </p:txBody>
       </p:sp>
       <p:cxnSp>
         <p:nvCxnSpPr>
-          <p:cNvPr id="34" name="Conector reto 33">
-            <a:extLst>
-              <a:ext uri="{FF2B5EF4-FFF2-40B4-BE49-F238E27FC236}">
-                <a16:creationId xmlns:a16="http://schemas.microsoft.com/office/drawing/2014/main" id="{5FE41365-DACD-ABF4-5427-E62CCF765A5C}"/>
+          <p:cNvPr id="23" name="Conector reto 22">
+            <a:extLst>
+              <a:ext uri="{FF2B5EF4-FFF2-40B4-BE49-F238E27FC236}">
+                <a16:creationId xmlns:a16="http://schemas.microsoft.com/office/drawing/2014/main" id="{577F9591-53CC-0813-02FA-F64E4D96415D}"/>
               </a:ext>
             </a:extLst>
           </p:cNvPr>
@@ -17032,7 +17418,7 @@
         </p:nvCxnSpPr>
         <p:spPr>
           <a:xfrm flipH="1">
-            <a:off x="4613590" y="3930914"/>
+            <a:off x="3256976" y="4616642"/>
             <a:ext cx="1702825" cy="0"/>
           </a:xfrm>
           <a:prstGeom prst="line">
@@ -17056,10 +17442,10 @@
       </p:cxnSp>
       <p:sp>
         <p:nvSpPr>
-          <p:cNvPr id="22" name="Retângulo 21">
-            <a:extLst>
-              <a:ext uri="{FF2B5EF4-FFF2-40B4-BE49-F238E27FC236}">
-                <a16:creationId xmlns:a16="http://schemas.microsoft.com/office/drawing/2014/main" id="{E21024F6-DF6A-39A6-845E-8D7456D6C44A}"/>
+          <p:cNvPr id="30" name="Retângulo 29">
+            <a:extLst>
+              <a:ext uri="{FF2B5EF4-FFF2-40B4-BE49-F238E27FC236}">
+                <a16:creationId xmlns:a16="http://schemas.microsoft.com/office/drawing/2014/main" id="{997D6A95-B176-5901-EEB3-107B8B0E9F9E}"/>
               </a:ext>
             </a:extLst>
           </p:cNvPr>
@@ -17068,8 +17454,8 @@
         </p:nvSpPr>
         <p:spPr>
           <a:xfrm>
-            <a:off x="3171129" y="4296602"/>
-            <a:ext cx="1874520" cy="396240"/>
+            <a:off x="2148183" y="3623542"/>
+            <a:ext cx="2175014" cy="405816"/>
           </a:xfrm>
           <a:prstGeom prst="rect">
             <a:avLst/>
@@ -17101,22 +17487,27 @@
           <a:p>
             <a:pPr algn="ctr"/>
             <a:r>
-              <a:rPr lang="pt-PT" dirty="0">
+              <a:rPr lang="pt-PT" dirty="0" smtClean="0">
                 <a:solidFill>
                   <a:schemeClr val="tx1"/>
                 </a:solidFill>
               </a:rPr>
-              <a:t>Vencedor</a:t>
-            </a:r>
+              <a:t>Membros do Projeto</a:t>
+            </a:r>
+            <a:endParaRPr lang="pt-PT" dirty="0">
+              <a:solidFill>
+                <a:schemeClr val="tx1"/>
+              </a:solidFill>
+            </a:endParaRPr>
           </a:p>
         </p:txBody>
       </p:sp>
       <p:cxnSp>
         <p:nvCxnSpPr>
-          <p:cNvPr id="23" name="Conector reto 22">
-            <a:extLst>
-              <a:ext uri="{FF2B5EF4-FFF2-40B4-BE49-F238E27FC236}">
-                <a16:creationId xmlns:a16="http://schemas.microsoft.com/office/drawing/2014/main" id="{577F9591-53CC-0813-02FA-F64E4D96415D}"/>
+          <p:cNvPr id="35" name="Conector reto 31">
+            <a:extLst>
+              <a:ext uri="{FF2B5EF4-FFF2-40B4-BE49-F238E27FC236}">
+                <a16:creationId xmlns:a16="http://schemas.microsoft.com/office/drawing/2014/main" id="{DE769912-FCB3-6E58-4A52-21E6D50EF6B8}"/>
               </a:ext>
             </a:extLst>
           </p:cNvPr>
@@ -17125,8 +17516,8 @@
         </p:nvCxnSpPr>
         <p:spPr>
           <a:xfrm flipH="1">
-            <a:off x="3256976" y="4616642"/>
-            <a:ext cx="1702825" cy="0"/>
+            <a:off x="2234031" y="3930914"/>
+            <a:ext cx="2207864" cy="12668"/>
           </a:xfrm>
           <a:prstGeom prst="line">
             <a:avLst/>
@@ -17147,6 +17538,30 @@
           </a:fontRef>
         </p:style>
       </p:cxnSp>
+      <p:pic>
+        <p:nvPicPr>
+          <p:cNvPr id="36" name="Imagem 35"/>
+          <p:cNvPicPr>
+            <a:picLocks noChangeAspect="1"/>
+          </p:cNvPicPr>
+          <p:nvPr/>
+        </p:nvPicPr>
+        <p:blipFill>
+          <a:blip r:embed="rId7"/>
+          <a:stretch>
+            <a:fillRect/>
+          </a:stretch>
+        </p:blipFill>
+        <p:spPr>
+          <a:xfrm>
+            <a:off x="4186362" y="3714245"/>
+            <a:ext cx="221325" cy="207046"/>
+          </a:xfrm>
+          <a:prstGeom prst="rect">
+            <a:avLst/>
+          </a:prstGeom>
+        </p:spPr>
+      </p:pic>
     </p:spTree>
     <p:extLst>
       <p:ext uri="{BB962C8B-B14F-4D97-AF65-F5344CB8AC3E}">
@@ -17230,11 +17645,14 @@
               </a:lnSpc>
             </a:pPr>
             <a:r>
-              <a:rPr lang="pt-PT" dirty="0">
+              <a:rPr lang="pt-PT" dirty="0" smtClean="0">
                 <a:latin typeface="Arial Black" panose="020B0A04020102020204" pitchFamily="34" charset="0"/>
               </a:rPr>
-              <a:t>Inicio</a:t>
-            </a:r>
+              <a:t>Início</a:t>
+            </a:r>
+            <a:endParaRPr lang="pt-PT" dirty="0">
+              <a:latin typeface="Arial Black" panose="020B0A04020102020204" pitchFamily="34" charset="0"/>
+            </a:endParaRPr>
           </a:p>
           <a:p>
             <a:pPr algn="ctr">
@@ -18640,10 +19058,10 @@
       </p:sp>
       <p:sp>
         <p:nvSpPr>
-          <p:cNvPr id="44" name="Retângulo 43">
-            <a:extLst>
-              <a:ext uri="{FF2B5EF4-FFF2-40B4-BE49-F238E27FC236}">
-                <a16:creationId xmlns:a16="http://schemas.microsoft.com/office/drawing/2014/main" id="{156D6490-5782-F025-4768-00D9CA596636}"/>
+          <p:cNvPr id="46" name="Retângulo 45">
+            <a:extLst>
+              <a:ext uri="{FF2B5EF4-FFF2-40B4-BE49-F238E27FC236}">
+                <a16:creationId xmlns:a16="http://schemas.microsoft.com/office/drawing/2014/main" id="{CC43F41E-DAAE-F53E-C57F-48BFC5F73258}"/>
               </a:ext>
             </a:extLst>
           </p:cNvPr>
@@ -18652,15 +19070,19 @@
         </p:nvSpPr>
         <p:spPr>
           <a:xfrm>
-            <a:off x="4573820" y="2946201"/>
-            <a:ext cx="1874520" cy="396240"/>
-          </a:xfrm>
-          <a:prstGeom prst="rect">
-            <a:avLst/>
-          </a:prstGeom>
-          <a:noFill/>
+            <a:off x="5505170" y="1789844"/>
+            <a:ext cx="1497413" cy="639371"/>
+          </a:xfrm>
+          <a:prstGeom prst="rect">
+            <a:avLst/>
+          </a:prstGeom>
+          <a:solidFill>
+            <a:srgbClr val="C01722"/>
+          </a:solidFill>
           <a:ln>
-            <a:noFill/>
+            <a:solidFill>
+              <a:schemeClr val="bg1"/>
+            </a:solidFill>
           </a:ln>
         </p:spPr>
         <p:style>
@@ -18685,22 +19107,137 @@
           <a:p>
             <a:pPr algn="ctr"/>
             <a:r>
-              <a:rPr lang="pt-PT" dirty="0">
+              <a:rPr lang="pt-PT" dirty="0"/>
+              <a:t>Chat</a:t>
+            </a:r>
+          </a:p>
+        </p:txBody>
+      </p:sp>
+      <p:sp>
+        <p:nvSpPr>
+          <p:cNvPr id="47" name="Retângulo 46">
+            <a:extLst>
+              <a:ext uri="{FF2B5EF4-FFF2-40B4-BE49-F238E27FC236}">
+                <a16:creationId xmlns:a16="http://schemas.microsoft.com/office/drawing/2014/main" id="{CB720B7B-6187-4F7B-93A7-80FDB809BBDA}"/>
+              </a:ext>
+            </a:extLst>
+          </p:cNvPr>
+          <p:cNvSpPr/>
+          <p:nvPr/>
+        </p:nvSpPr>
+        <p:spPr>
+          <a:xfrm>
+            <a:off x="7235371" y="1795749"/>
+            <a:ext cx="1497413" cy="639371"/>
+          </a:xfrm>
+          <a:prstGeom prst="rect">
+            <a:avLst/>
+          </a:prstGeom>
+          <a:solidFill>
+            <a:srgbClr val="C01722"/>
+          </a:solidFill>
+          <a:ln>
+            <a:solidFill>
+              <a:schemeClr val="bg1"/>
+            </a:solidFill>
+          </a:ln>
+        </p:spPr>
+        <p:style>
+          <a:lnRef idx="2">
+            <a:schemeClr val="accent1">
+              <a:shade val="50000"/>
+            </a:schemeClr>
+          </a:lnRef>
+          <a:fillRef idx="1">
+            <a:schemeClr val="accent1"/>
+          </a:fillRef>
+          <a:effectRef idx="0">
+            <a:schemeClr val="accent1"/>
+          </a:effectRef>
+          <a:fontRef idx="minor">
+            <a:schemeClr val="lt1"/>
+          </a:fontRef>
+        </p:style>
+        <p:txBody>
+          <a:bodyPr rtlCol="0" anchor="ctr"/>
+          <a:lstStyle/>
+          <a:p>
+            <a:pPr algn="ctr"/>
+            <a:r>
+              <a:rPr lang="pt-PT" dirty="0"/>
+              <a:t>Histórico</a:t>
+            </a:r>
+          </a:p>
+        </p:txBody>
+      </p:sp>
+      <p:sp>
+        <p:nvSpPr>
+          <p:cNvPr id="32" name="Retângulo 31">
+            <a:extLst>
+              <a:ext uri="{FF2B5EF4-FFF2-40B4-BE49-F238E27FC236}">
+                <a16:creationId xmlns:a16="http://schemas.microsoft.com/office/drawing/2014/main" id="{997D6A95-B176-5901-EEB3-107B8B0E9F9E}"/>
+              </a:ext>
+            </a:extLst>
+          </p:cNvPr>
+          <p:cNvSpPr/>
+          <p:nvPr/>
+        </p:nvSpPr>
+        <p:spPr>
+          <a:xfrm>
+            <a:off x="4610724" y="2926422"/>
+            <a:ext cx="2175014" cy="405816"/>
+          </a:xfrm>
+          <a:prstGeom prst="rect">
+            <a:avLst/>
+          </a:prstGeom>
+          <a:noFill/>
+          <a:ln>
+            <a:noFill/>
+          </a:ln>
+        </p:spPr>
+        <p:style>
+          <a:lnRef idx="2">
+            <a:schemeClr val="accent1">
+              <a:shade val="50000"/>
+            </a:schemeClr>
+          </a:lnRef>
+          <a:fillRef idx="1">
+            <a:schemeClr val="accent1"/>
+          </a:fillRef>
+          <a:effectRef idx="0">
+            <a:schemeClr val="accent1"/>
+          </a:effectRef>
+          <a:fontRef idx="minor">
+            <a:schemeClr val="lt1"/>
+          </a:fontRef>
+        </p:style>
+        <p:txBody>
+          <a:bodyPr rtlCol="0" anchor="ctr"/>
+          <a:lstStyle/>
+          <a:p>
+            <a:pPr algn="ctr"/>
+            <a:r>
+              <a:rPr lang="pt-PT" dirty="0" smtClean="0">
                 <a:solidFill>
                   <a:schemeClr val="tx1"/>
                 </a:solidFill>
               </a:rPr>
-              <a:t>Lista de Membros</a:t>
-            </a:r>
+              <a:t>Membros do Projeto</a:t>
+            </a:r>
+            <a:endParaRPr lang="pt-PT" dirty="0">
+              <a:solidFill>
+                <a:schemeClr val="tx1"/>
+              </a:solidFill>
+            </a:endParaRPr>
           </a:p>
         </p:txBody>
       </p:sp>
       <p:cxnSp>
         <p:nvCxnSpPr>
-          <p:cNvPr id="45" name="Conector reto 44">
-            <a:extLst>
-              <a:ext uri="{FF2B5EF4-FFF2-40B4-BE49-F238E27FC236}">
-                <a16:creationId xmlns:a16="http://schemas.microsoft.com/office/drawing/2014/main" id="{78D61B9B-1901-EBC7-F373-74498E4897B3}"/>
+          <p:cNvPr id="33" name="Conector reto 31">
+            <a:extLst>
+              <a:ext uri="{FF2B5EF4-FFF2-40B4-BE49-F238E27FC236}">
+                <a16:creationId xmlns:a16="http://schemas.microsoft.com/office/drawing/2014/main" id="{DE769912-FCB3-6E58-4A52-21E6D50EF6B8}"/>
               </a:ext>
             </a:extLst>
           </p:cNvPr>
@@ -18709,8 +19246,8 @@
         </p:nvCxnSpPr>
         <p:spPr>
           <a:xfrm flipH="1">
-            <a:off x="4659667" y="3266241"/>
-            <a:ext cx="1702825" cy="0"/>
+            <a:off x="4696572" y="3233794"/>
+            <a:ext cx="2207864" cy="12668"/>
           </a:xfrm>
           <a:prstGeom prst="line">
             <a:avLst/>
@@ -18731,120 +19268,30 @@
           </a:fontRef>
         </p:style>
       </p:cxnSp>
-      <p:sp>
-        <p:nvSpPr>
-          <p:cNvPr id="46" name="Retângulo 45">
-            <a:extLst>
-              <a:ext uri="{FF2B5EF4-FFF2-40B4-BE49-F238E27FC236}">
-                <a16:creationId xmlns:a16="http://schemas.microsoft.com/office/drawing/2014/main" id="{CC43F41E-DAAE-F53E-C57F-48BFC5F73258}"/>
-              </a:ext>
-            </a:extLst>
-          </p:cNvPr>
-          <p:cNvSpPr/>
-          <p:nvPr/>
-        </p:nvSpPr>
-        <p:spPr>
-          <a:xfrm>
-            <a:off x="5505170" y="1789844"/>
-            <a:ext cx="1497413" cy="639371"/>
-          </a:xfrm>
-          <a:prstGeom prst="rect">
-            <a:avLst/>
-          </a:prstGeom>
-          <a:solidFill>
-            <a:srgbClr val="C01722"/>
-          </a:solidFill>
-          <a:ln>
-            <a:solidFill>
-              <a:schemeClr val="bg1"/>
-            </a:solidFill>
-          </a:ln>
-        </p:spPr>
-        <p:style>
-          <a:lnRef idx="2">
-            <a:schemeClr val="accent1">
-              <a:shade val="50000"/>
-            </a:schemeClr>
-          </a:lnRef>
-          <a:fillRef idx="1">
-            <a:schemeClr val="accent1"/>
-          </a:fillRef>
-          <a:effectRef idx="0">
-            <a:schemeClr val="accent1"/>
-          </a:effectRef>
-          <a:fontRef idx="minor">
-            <a:schemeClr val="lt1"/>
-          </a:fontRef>
-        </p:style>
-        <p:txBody>
-          <a:bodyPr rtlCol="0" anchor="ctr"/>
-          <a:lstStyle/>
-          <a:p>
-            <a:pPr algn="ctr"/>
-            <a:r>
-              <a:rPr lang="pt-PT" dirty="0"/>
-              <a:t>Chat</a:t>
-            </a:r>
-          </a:p>
-        </p:txBody>
-      </p:sp>
-      <p:sp>
-        <p:nvSpPr>
-          <p:cNvPr id="47" name="Retângulo 46">
-            <a:extLst>
-              <a:ext uri="{FF2B5EF4-FFF2-40B4-BE49-F238E27FC236}">
-                <a16:creationId xmlns:a16="http://schemas.microsoft.com/office/drawing/2014/main" id="{CB720B7B-6187-4F7B-93A7-80FDB809BBDA}"/>
-              </a:ext>
-            </a:extLst>
-          </p:cNvPr>
-          <p:cNvSpPr/>
-          <p:nvPr/>
-        </p:nvSpPr>
-        <p:spPr>
-          <a:xfrm>
-            <a:off x="7235371" y="1795749"/>
-            <a:ext cx="1497413" cy="639371"/>
-          </a:xfrm>
-          <a:prstGeom prst="rect">
-            <a:avLst/>
-          </a:prstGeom>
-          <a:solidFill>
-            <a:srgbClr val="C01722"/>
-          </a:solidFill>
-          <a:ln>
-            <a:solidFill>
-              <a:schemeClr val="bg1"/>
-            </a:solidFill>
-          </a:ln>
-        </p:spPr>
-        <p:style>
-          <a:lnRef idx="2">
-            <a:schemeClr val="accent1">
-              <a:shade val="50000"/>
-            </a:schemeClr>
-          </a:lnRef>
-          <a:fillRef idx="1">
-            <a:schemeClr val="accent1"/>
-          </a:fillRef>
-          <a:effectRef idx="0">
-            <a:schemeClr val="accent1"/>
-          </a:effectRef>
-          <a:fontRef idx="minor">
-            <a:schemeClr val="lt1"/>
-          </a:fontRef>
-        </p:style>
-        <p:txBody>
-          <a:bodyPr rtlCol="0" anchor="ctr"/>
-          <a:lstStyle/>
-          <a:p>
-            <a:pPr algn="ctr"/>
-            <a:r>
-              <a:rPr lang="pt-PT" dirty="0"/>
-              <a:t>Histórico</a:t>
-            </a:r>
-          </a:p>
-        </p:txBody>
-      </p:sp>
+      <p:pic>
+        <p:nvPicPr>
+          <p:cNvPr id="34" name="Imagem 33"/>
+          <p:cNvPicPr>
+            <a:picLocks noChangeAspect="1"/>
+          </p:cNvPicPr>
+          <p:nvPr/>
+        </p:nvPicPr>
+        <p:blipFill>
+          <a:blip r:embed="rId7"/>
+          <a:stretch>
+            <a:fillRect/>
+          </a:stretch>
+        </p:blipFill>
+        <p:spPr>
+          <a:xfrm>
+            <a:off x="6648903" y="3017125"/>
+            <a:ext cx="221325" cy="207046"/>
+          </a:xfrm>
+          <a:prstGeom prst="rect">
+            <a:avLst/>
+          </a:prstGeom>
+        </p:spPr>
+      </p:pic>
     </p:spTree>
     <p:extLst>
       <p:ext uri="{BB962C8B-B14F-4D97-AF65-F5344CB8AC3E}">
@@ -18928,11 +19375,14 @@
               </a:lnSpc>
             </a:pPr>
             <a:r>
-              <a:rPr lang="pt-PT" dirty="0">
+              <a:rPr lang="pt-PT" dirty="0" smtClean="0">
                 <a:latin typeface="Arial Black" panose="020B0A04020102020204" pitchFamily="34" charset="0"/>
               </a:rPr>
-              <a:t>Inicio</a:t>
-            </a:r>
+              <a:t>Início</a:t>
+            </a:r>
+            <a:endParaRPr lang="pt-PT" dirty="0">
+              <a:latin typeface="Arial Black" panose="020B0A04020102020204" pitchFamily="34" charset="0"/>
+            </a:endParaRPr>
           </a:p>
           <a:p>
             <a:pPr algn="ctr">
@@ -21349,11 +21799,14 @@
               </a:lnSpc>
             </a:pPr>
             <a:r>
-              <a:rPr lang="pt-PT" dirty="0">
+              <a:rPr lang="pt-PT" dirty="0" smtClean="0">
                 <a:latin typeface="Arial Black" panose="020B0A04020102020204" pitchFamily="34" charset="0"/>
               </a:rPr>
-              <a:t>Inicio</a:t>
-            </a:r>
+              <a:t>Início</a:t>
+            </a:r>
+            <a:endParaRPr lang="pt-PT" dirty="0">
+              <a:latin typeface="Arial Black" panose="020B0A04020102020204" pitchFamily="34" charset="0"/>
+            </a:endParaRPr>
           </a:p>
           <a:p>
             <a:pPr algn="ctr">
@@ -22396,12 +22849,20 @@
           <a:p>
             <a:pPr algn="ctr"/>
             <a:r>
+              <a:rPr lang="pt-PT" dirty="0" smtClean="0">
+                <a:solidFill>
+                  <a:schemeClr val="tx1"/>
+                </a:solidFill>
+              </a:rPr>
+              <a:t>Gráfico </a:t>
+            </a:r>
+            <a:r>
               <a:rPr lang="pt-PT" dirty="0">
                 <a:solidFill>
                   <a:schemeClr val="tx1"/>
                 </a:solidFill>
               </a:rPr>
-              <a:t>Grafico de Gantt</a:t>
+              <a:t>de Gantt</a:t>
             </a:r>
           </a:p>
         </p:txBody>
@@ -22421,7 +22882,7 @@
           <p:nvPr>
             <p:extLst>
               <p:ext uri="{D42A27DB-BD31-4B8C-83A1-F6EECF244321}">
-                <p14:modId xmlns:p14="http://schemas.microsoft.com/office/powerpoint/2010/main" val="886747333"/>
+                <p14:modId xmlns:p14="http://schemas.microsoft.com/office/powerpoint/2010/main" val="2251858634"/>
               </p:ext>
             </p:extLst>
           </p:nvPr>
@@ -22444,14 +22905,14 @@
                     </a:ext>
                   </a:extLst>
                 </a:gridCol>
-                <a:gridCol w="708641">
+                <a:gridCol w="573641">
                   <a:extLst>
                     <a:ext uri="{9D8B030D-6E8A-4147-A177-3AD203B41FA5}">
                       <a16:colId xmlns:a16="http://schemas.microsoft.com/office/drawing/2014/main" val="1449546998"/>
                     </a:ext>
                   </a:extLst>
                 </a:gridCol>
-                <a:gridCol w="863571">
+                <a:gridCol w="998571">
                   <a:extLst>
                     <a:ext uri="{9D8B030D-6E8A-4147-A177-3AD203B41FA5}">
                       <a16:colId xmlns:a16="http://schemas.microsoft.com/office/drawing/2014/main" val="213256774"/>
@@ -22589,7 +23050,9 @@
                   </a:txBody>
                   <a:tcPr>
                     <a:solidFill>
-                      <a:srgbClr val="FFC000"/>
+                      <a:schemeClr val="bg1">
+                        <a:lumMod val="65000"/>
+                      </a:schemeClr>
                     </a:solidFill>
                   </a:tcPr>
                 </a:tc>
@@ -22683,7 +23146,7 @@
                   </a:txBody>
                   <a:tcPr>
                     <a:solidFill>
-                      <a:srgbClr val="92D050"/>
+                      <a:srgbClr val="FFC000"/>
                     </a:solidFill>
                   </a:tcPr>
                 </a:tc>
@@ -22697,7 +23160,7 @@
                   </a:txBody>
                   <a:tcPr>
                     <a:solidFill>
-                      <a:srgbClr val="92D050"/>
+                      <a:srgbClr val="FFC000"/>
                     </a:solidFill>
                   </a:tcPr>
                 </a:tc>
@@ -22766,7 +23229,7 @@
                     <a:bodyPr/>
                     <a:lstStyle/>
                     <a:p>
-                      <a:endParaRPr lang="pt-PT"/>
+                      <a:endParaRPr lang="pt-PT" dirty="0"/>
                     </a:p>
                   </a:txBody>
                   <a:tcPr/>
@@ -22791,7 +23254,9 @@
                   </a:txBody>
                   <a:tcPr>
                     <a:solidFill>
-                      <a:srgbClr val="00B0F0"/>
+                      <a:schemeClr val="bg1">
+                        <a:lumMod val="75000"/>
+                      </a:schemeClr>
                     </a:solidFill>
                   </a:tcPr>
                 </a:tc>
@@ -22845,7 +23310,9 @@
                   </a:txBody>
                   <a:tcPr>
                     <a:solidFill>
-                      <a:srgbClr val="7030A0"/>
+                      <a:schemeClr val="bg1">
+                        <a:lumMod val="75000"/>
+                      </a:schemeClr>
                     </a:solidFill>
                   </a:tcPr>
                 </a:tc>
@@ -22859,7 +23326,9 @@
                   </a:txBody>
                   <a:tcPr>
                     <a:solidFill>
-                      <a:srgbClr val="7030A0"/>
+                      <a:schemeClr val="bg1">
+                        <a:lumMod val="75000"/>
+                      </a:schemeClr>
                     </a:solidFill>
                   </a:tcPr>
                 </a:tc>
@@ -22873,7 +23342,9 @@
                   </a:txBody>
                   <a:tcPr>
                     <a:solidFill>
-                      <a:srgbClr val="7030A0"/>
+                      <a:schemeClr val="bg1">
+                        <a:lumMod val="75000"/>
+                      </a:schemeClr>
                     </a:solidFill>
                   </a:tcPr>
                 </a:tc>
@@ -23024,13 +23495,18 @@
           <a:p>
             <a:pPr algn="ctr"/>
             <a:r>
-              <a:rPr lang="pt-PT" dirty="0">
+              <a:rPr lang="pt-PT" dirty="0" smtClean="0">
                 <a:solidFill>
                   <a:schemeClr val="tx1"/>
                 </a:solidFill>
               </a:rPr>
-              <a:t>Lista de tarefas associados ao utilizador</a:t>
-            </a:r>
+              <a:t>Lista de tarefas</a:t>
+            </a:r>
+            <a:endParaRPr lang="pt-PT" dirty="0">
+              <a:solidFill>
+                <a:schemeClr val="tx1"/>
+              </a:solidFill>
+            </a:endParaRPr>
           </a:p>
         </p:txBody>
       </p:sp>
@@ -23048,7 +23524,7 @@
         </p:nvSpPr>
         <p:spPr>
           <a:xfrm>
-            <a:off x="2203999" y="3641193"/>
+            <a:off x="2203999" y="3429000"/>
             <a:ext cx="4457268" cy="554310"/>
           </a:xfrm>
           <a:prstGeom prst="rect">
@@ -23087,7 +23563,7 @@
           <a:p>
             <a:pPr algn="ctr"/>
             <a:r>
-              <a:rPr lang="pt-PT" dirty="0">
+              <a:rPr lang="pt-PT" dirty="0" smtClean="0">
                 <a:ln w="0"/>
                 <a:solidFill>
                   <a:schemeClr val="tx1"/>
@@ -23100,7 +23576,164 @@
                   </a:outerShdw>
                 </a:effectLst>
               </a:rPr>
-              <a:t>Nome da tarefa:descricao;anotar alguma ocorrencia</a:t>
+              <a:t>Tarefa nº1|Estado|Responsável</a:t>
+            </a:r>
+            <a:endParaRPr lang="pt-PT" dirty="0"/>
+          </a:p>
+        </p:txBody>
+      </p:sp>
+      <p:sp>
+        <p:nvSpPr>
+          <p:cNvPr id="28" name="Retângulo 27">
+            <a:extLst>
+              <a:ext uri="{FF2B5EF4-FFF2-40B4-BE49-F238E27FC236}">
+                <a16:creationId xmlns:a16="http://schemas.microsoft.com/office/drawing/2014/main" id="{9FA1466C-5078-36E4-E0D6-AE1D368E94AB}"/>
+              </a:ext>
+            </a:extLst>
+          </p:cNvPr>
+          <p:cNvSpPr/>
+          <p:nvPr/>
+        </p:nvSpPr>
+        <p:spPr>
+          <a:xfrm>
+            <a:off x="2203999" y="4031238"/>
+            <a:ext cx="4457268" cy="1434844"/>
+          </a:xfrm>
+          <a:prstGeom prst="rect">
+            <a:avLst/>
+          </a:prstGeom>
+          <a:solidFill>
+            <a:schemeClr val="bg1">
+              <a:lumMod val="95000"/>
+            </a:schemeClr>
+          </a:solidFill>
+          <a:ln>
+            <a:solidFill>
+              <a:srgbClr val="C00000"/>
+            </a:solidFill>
+          </a:ln>
+        </p:spPr>
+        <p:style>
+          <a:lnRef idx="2">
+            <a:schemeClr val="accent1">
+              <a:shade val="50000"/>
+            </a:schemeClr>
+          </a:lnRef>
+          <a:fillRef idx="1">
+            <a:schemeClr val="accent1"/>
+          </a:fillRef>
+          <a:effectRef idx="0">
+            <a:schemeClr val="accent1"/>
+          </a:effectRef>
+          <a:fontRef idx="minor">
+            <a:schemeClr val="lt1"/>
+          </a:fontRef>
+        </p:style>
+        <p:txBody>
+          <a:bodyPr rtlCol="0" anchor="ctr"/>
+          <a:lstStyle/>
+          <a:p>
+            <a:pPr algn="ctr"/>
+            <a:r>
+              <a:rPr lang="pt-PT" dirty="0" smtClean="0">
+                <a:solidFill>
+                  <a:schemeClr val="tx1"/>
+                </a:solidFill>
+              </a:rPr>
+              <a:t>Descrição</a:t>
+            </a:r>
+            <a:endParaRPr lang="pt-PT" dirty="0">
+              <a:solidFill>
+                <a:schemeClr val="tx1"/>
+              </a:solidFill>
+            </a:endParaRPr>
+          </a:p>
+        </p:txBody>
+      </p:sp>
+      <p:pic>
+        <p:nvPicPr>
+          <p:cNvPr id="6" name="Imagem 5"/>
+          <p:cNvPicPr>
+            <a:picLocks noChangeAspect="1"/>
+          </p:cNvPicPr>
+          <p:nvPr/>
+        </p:nvPicPr>
+        <p:blipFill>
+          <a:blip r:embed="rId7"/>
+          <a:stretch>
+            <a:fillRect/>
+          </a:stretch>
+        </p:blipFill>
+        <p:spPr>
+          <a:xfrm>
+            <a:off x="6218706" y="3546919"/>
+            <a:ext cx="295275" cy="276225"/>
+          </a:xfrm>
+          <a:prstGeom prst="rect">
+            <a:avLst/>
+          </a:prstGeom>
+        </p:spPr>
+      </p:pic>
+      <p:sp>
+        <p:nvSpPr>
+          <p:cNvPr id="29" name="Retângulo 28">
+            <a:extLst>
+              <a:ext uri="{FF2B5EF4-FFF2-40B4-BE49-F238E27FC236}">
+                <a16:creationId xmlns:a16="http://schemas.microsoft.com/office/drawing/2014/main" id="{9FA1466C-5078-36E4-E0D6-AE1D368E94AB}"/>
+              </a:ext>
+            </a:extLst>
+          </p:cNvPr>
+          <p:cNvSpPr/>
+          <p:nvPr/>
+        </p:nvSpPr>
+        <p:spPr>
+          <a:xfrm>
+            <a:off x="2203999" y="5497854"/>
+            <a:ext cx="4457268" cy="554310"/>
+          </a:xfrm>
+          <a:prstGeom prst="rect">
+            <a:avLst/>
+          </a:prstGeom>
+          <a:solidFill>
+            <a:schemeClr val="bg1">
+              <a:lumMod val="95000"/>
+            </a:schemeClr>
+          </a:solidFill>
+          <a:ln>
+            <a:solidFill>
+              <a:srgbClr val="C00000"/>
+            </a:solidFill>
+          </a:ln>
+        </p:spPr>
+        <p:style>
+          <a:lnRef idx="2">
+            <a:schemeClr val="accent1">
+              <a:shade val="50000"/>
+            </a:schemeClr>
+          </a:lnRef>
+          <a:fillRef idx="1">
+            <a:schemeClr val="accent1"/>
+          </a:fillRef>
+          <a:effectRef idx="0">
+            <a:schemeClr val="accent1"/>
+          </a:effectRef>
+          <a:fontRef idx="minor">
+            <a:schemeClr val="lt1"/>
+          </a:fontRef>
+        </p:style>
+        <p:txBody>
+          <a:bodyPr rtlCol="0" anchor="ctr"/>
+          <a:lstStyle/>
+          <a:p>
+            <a:pPr algn="ctr"/>
+            <a:r>
+              <a:rPr lang="pt-PT" dirty="0" smtClean="0">
+                <a:ln w="0"/>
+                <a:solidFill>
+                  <a:schemeClr val="tx1"/>
+                </a:solidFill>
+              </a:rPr>
+              <a:t>Tarefa nº2|Estado|Responsável</a:t>
             </a:r>
             <a:endParaRPr lang="pt-PT" dirty="0"/>
           </a:p>
@@ -23189,11 +23822,14 @@
               </a:lnSpc>
             </a:pPr>
             <a:r>
-              <a:rPr lang="pt-PT" dirty="0">
+              <a:rPr lang="pt-PT" dirty="0" smtClean="0">
                 <a:latin typeface="Arial Black" panose="020B0A04020102020204" pitchFamily="34" charset="0"/>
               </a:rPr>
-              <a:t>Inicio</a:t>
-            </a:r>
+              <a:t>Início</a:t>
+            </a:r>
+            <a:endParaRPr lang="pt-PT" dirty="0">
+              <a:latin typeface="Arial Black" panose="020B0A04020102020204" pitchFamily="34" charset="0"/>
+            </a:endParaRPr>
           </a:p>
           <a:p>
             <a:pPr algn="ctr">
@@ -24131,9 +24767,10 @@
           <a:p>
             <a:pPr algn="ctr"/>
             <a:r>
-              <a:rPr lang="pt-PT" dirty="0"/>
-              <a:t>Historico</a:t>
-            </a:r>
+              <a:rPr lang="pt-PT" dirty="0" smtClean="0"/>
+              <a:t>Histórico</a:t>
+            </a:r>
+            <a:endParaRPr lang="pt-PT" dirty="0"/>
           </a:p>
         </p:txBody>
       </p:sp>
@@ -25839,11 +26476,14 @@
               </a:lnSpc>
             </a:pPr>
             <a:r>
-              <a:rPr lang="pt-PT" dirty="0">
+              <a:rPr lang="pt-PT" dirty="0" smtClean="0">
                 <a:latin typeface="Arial Black" panose="020B0A04020102020204" pitchFamily="34" charset="0"/>
               </a:rPr>
-              <a:t>Inicio</a:t>
-            </a:r>
+              <a:t>Início</a:t>
+            </a:r>
+            <a:endParaRPr lang="pt-PT" dirty="0">
+              <a:latin typeface="Arial Black" panose="020B0A04020102020204" pitchFamily="34" charset="0"/>
+            </a:endParaRPr>
           </a:p>
           <a:p>
             <a:pPr algn="ctr">
@@ -26803,7 +27443,7 @@
         </p:nvCxnSpPr>
         <p:spPr>
           <a:xfrm>
-            <a:off x="6504629" y="2431424"/>
+            <a:off x="7542319" y="2408422"/>
             <a:ext cx="0" cy="3729363"/>
           </a:xfrm>
           <a:prstGeom prst="line">
@@ -26839,8 +27479,8 @@
         </p:nvSpPr>
         <p:spPr>
           <a:xfrm>
-            <a:off x="4874860" y="2551978"/>
-            <a:ext cx="1497413" cy="390525"/>
+            <a:off x="5455578" y="2528975"/>
+            <a:ext cx="1973092" cy="704849"/>
           </a:xfrm>
           <a:prstGeom prst="rect">
             <a:avLst/>
@@ -26877,20 +27517,71 @@
           <a:lstStyle/>
           <a:p>
             <a:pPr algn="ctr"/>
-            <a:endParaRPr lang="pt-PT" dirty="0">
+            <a:r>
+              <a:rPr lang="pt-PT" sz="1200" dirty="0" smtClean="0">
+                <a:solidFill>
+                  <a:schemeClr val="tx1"/>
+                </a:solidFill>
+              </a:rPr>
+              <a:t>Tarefa nº2 – </a:t>
+            </a:r>
+            <a:r>
+              <a:rPr lang="pt-PT" sz="1200" dirty="0" err="1" smtClean="0">
+                <a:solidFill>
+                  <a:schemeClr val="tx1"/>
+                </a:solidFill>
+              </a:rPr>
+              <a:t>Finis</a:t>
+            </a:r>
+            <a:r>
+              <a:rPr lang="pt-PT" sz="1200" dirty="0" err="1" smtClean="0">
+                <a:solidFill>
+                  <a:schemeClr val="tx1"/>
+                </a:solidFill>
+              </a:rPr>
+              <a:t>hed</a:t>
+            </a:r>
+            <a:endParaRPr lang="pt-PT" sz="1200" dirty="0" smtClean="0">
               <a:solidFill>
                 <a:schemeClr val="tx1"/>
               </a:solidFill>
             </a:endParaRPr>
           </a:p>
-        </p:txBody>
-      </p:sp>
-      <p:sp>
-        <p:nvSpPr>
-          <p:cNvPr id="45" name="Retângulo 44">
-            <a:extLst>
-              <a:ext uri="{FF2B5EF4-FFF2-40B4-BE49-F238E27FC236}">
-                <a16:creationId xmlns:a16="http://schemas.microsoft.com/office/drawing/2014/main" id="{55443E3A-32F1-CBF1-48F5-59839A14CF71}"/>
+          <a:p>
+            <a:pPr algn="ctr"/>
+            <a:r>
+              <a:rPr lang="pt-PT" sz="1200" dirty="0" smtClean="0">
+                <a:solidFill>
+                  <a:schemeClr val="tx1"/>
+                </a:solidFill>
+              </a:rPr>
+              <a:t>30/05/2023 14:24</a:t>
+            </a:r>
+          </a:p>
+          <a:p>
+            <a:pPr algn="ctr"/>
+            <a:r>
+              <a:rPr lang="pt-PT" sz="1200" dirty="0" smtClean="0">
+                <a:solidFill>
+                  <a:schemeClr val="tx1"/>
+                </a:solidFill>
+              </a:rPr>
+              <a:t>Rodrigo Ferreira</a:t>
+            </a:r>
+            <a:endParaRPr lang="pt-PT" sz="1200" dirty="0">
+              <a:solidFill>
+                <a:schemeClr val="tx1"/>
+              </a:solidFill>
+            </a:endParaRPr>
+          </a:p>
+        </p:txBody>
+      </p:sp>
+      <p:sp>
+        <p:nvSpPr>
+          <p:cNvPr id="22" name="Retângulo 21">
+            <a:extLst>
+              <a:ext uri="{FF2B5EF4-FFF2-40B4-BE49-F238E27FC236}">
+                <a16:creationId xmlns:a16="http://schemas.microsoft.com/office/drawing/2014/main" id="{D3A996C8-A899-3A99-1C89-EE69F50BC148}"/>
               </a:ext>
             </a:extLst>
           </p:cNvPr>
@@ -26899,8 +27590,131 @@
         </p:nvSpPr>
         <p:spPr>
           <a:xfrm>
-            <a:off x="6622206" y="2866302"/>
-            <a:ext cx="1497413" cy="390525"/>
+            <a:off x="2927492" y="4340734"/>
+            <a:ext cx="683110" cy="397822"/>
+          </a:xfrm>
+          <a:prstGeom prst="rect">
+            <a:avLst/>
+          </a:prstGeom>
+          <a:solidFill>
+            <a:srgbClr val="C01722"/>
+          </a:solidFill>
+          <a:ln>
+            <a:noFill/>
+          </a:ln>
+        </p:spPr>
+        <p:style>
+          <a:lnRef idx="2">
+            <a:schemeClr val="accent1">
+              <a:shade val="50000"/>
+            </a:schemeClr>
+          </a:lnRef>
+          <a:fillRef idx="1">
+            <a:schemeClr val="accent1"/>
+          </a:fillRef>
+          <a:effectRef idx="0">
+            <a:schemeClr val="accent1"/>
+          </a:effectRef>
+          <a:fontRef idx="minor">
+            <a:schemeClr val="lt1"/>
+          </a:fontRef>
+        </p:style>
+        <p:txBody>
+          <a:bodyPr rtlCol="0" anchor="ctr"/>
+          <a:lstStyle/>
+          <a:p>
+            <a:pPr algn="ctr"/>
+            <a:r>
+              <a:rPr lang="pt-PT" dirty="0"/>
+              <a:t>+</a:t>
+            </a:r>
+          </a:p>
+        </p:txBody>
+      </p:sp>
+      <p:sp>
+        <p:nvSpPr>
+          <p:cNvPr id="23" name="Retângulo 22"/>
+          <p:cNvSpPr/>
+          <p:nvPr/>
+        </p:nvSpPr>
+        <p:spPr>
+          <a:xfrm>
+            <a:off x="2803571" y="2643108"/>
+            <a:ext cx="1745257" cy="192303"/>
+          </a:xfrm>
+          <a:prstGeom prst="rect">
+            <a:avLst/>
+          </a:prstGeom>
+          <a:solidFill>
+            <a:schemeClr val="bg1"/>
+          </a:solidFill>
+          <a:ln>
+            <a:solidFill>
+              <a:schemeClr val="bg1"/>
+            </a:solidFill>
+          </a:ln>
+        </p:spPr>
+        <p:style>
+          <a:lnRef idx="2">
+            <a:schemeClr val="accent1">
+              <a:shade val="50000"/>
+            </a:schemeClr>
+          </a:lnRef>
+          <a:fillRef idx="1">
+            <a:schemeClr val="accent1"/>
+          </a:fillRef>
+          <a:effectRef idx="0">
+            <a:schemeClr val="accent1"/>
+          </a:effectRef>
+          <a:fontRef idx="minor">
+            <a:schemeClr val="lt1"/>
+          </a:fontRef>
+        </p:style>
+        <p:txBody>
+          <a:bodyPr rtlCol="0" anchor="ctr"/>
+          <a:lstStyle/>
+          <a:p>
+            <a:pPr algn="ctr"/>
+            <a:r>
+              <a:rPr lang="pt-PT" sz="1200" b="1" dirty="0" smtClean="0">
+                <a:solidFill>
+                  <a:schemeClr val="tx1"/>
+                </a:solidFill>
+              </a:rPr>
+              <a:t>Adicionar </a:t>
+            </a:r>
+            <a:r>
+              <a:rPr lang="pt-PT" sz="1200" b="1" dirty="0" smtClean="0">
+                <a:solidFill>
+                  <a:schemeClr val="tx1"/>
+                </a:solidFill>
+              </a:rPr>
+              <a:t>Ocorrência</a:t>
+            </a:r>
+            <a:endParaRPr lang="pt-PT" sz="1200" b="1" dirty="0">
+              <a:solidFill>
+                <a:schemeClr val="tx1"/>
+              </a:solidFill>
+            </a:endParaRPr>
+          </a:p>
+        </p:txBody>
+      </p:sp>
+      <p:sp>
+        <p:nvSpPr>
+          <p:cNvPr id="24" name="Retângulo 23">
+            <a:extLst>
+              <a:ext uri="{FF2B5EF4-FFF2-40B4-BE49-F238E27FC236}">
+                <a16:creationId xmlns:a16="http://schemas.microsoft.com/office/drawing/2014/main" id="{7F519359-1111-A4E5-2446-5719A81CDDD5}"/>
+              </a:ext>
+            </a:extLst>
+          </p:cNvPr>
+          <p:cNvSpPr/>
+          <p:nvPr/>
+        </p:nvSpPr>
+        <p:spPr>
+          <a:xfrm>
+            <a:off x="2931540" y="3436720"/>
+            <a:ext cx="1497413" cy="772729"/>
           </a:xfrm>
           <a:prstGeom prst="rect">
             <a:avLst/>
@@ -26937,7 +27751,15 @@
           <a:lstStyle/>
           <a:p>
             <a:pPr algn="ctr"/>
-            <a:endParaRPr lang="pt-PT">
+            <a:r>
+              <a:rPr lang="pt-PT" dirty="0" smtClean="0">
+                <a:solidFill>
+                  <a:schemeClr val="tx1"/>
+                </a:solidFill>
+              </a:rPr>
+              <a:t>Descrição da ocorrência</a:t>
+            </a:r>
+            <a:endParaRPr lang="pt-PT" dirty="0">
               <a:solidFill>
                 <a:schemeClr val="tx1"/>
               </a:solidFill>
@@ -26947,10 +27769,10 @@
       </p:sp>
       <p:sp>
         <p:nvSpPr>
-          <p:cNvPr id="46" name="Retângulo 45">
-            <a:extLst>
-              <a:ext uri="{FF2B5EF4-FFF2-40B4-BE49-F238E27FC236}">
-                <a16:creationId xmlns:a16="http://schemas.microsoft.com/office/drawing/2014/main" id="{7F519359-1111-A4E5-2446-5719A81CDDD5}"/>
+          <p:cNvPr id="26" name="Retângulo 25">
+            <a:extLst>
+              <a:ext uri="{FF2B5EF4-FFF2-40B4-BE49-F238E27FC236}">
+                <a16:creationId xmlns:a16="http://schemas.microsoft.com/office/drawing/2014/main" id="{5D40C27B-13E5-3F17-161C-9CBD4E24CA6A}"/>
               </a:ext>
             </a:extLst>
           </p:cNvPr>
@@ -26959,8 +27781,8 @@
         </p:nvSpPr>
         <p:spPr>
           <a:xfrm>
-            <a:off x="4889640" y="3101584"/>
-            <a:ext cx="1497413" cy="390525"/>
+            <a:off x="2927492" y="2966696"/>
+            <a:ext cx="1497413" cy="276002"/>
           </a:xfrm>
           <a:prstGeom prst="rect">
             <a:avLst/>
@@ -26996,8 +27818,259 @@
           <a:bodyPr rtlCol="0" anchor="ctr"/>
           <a:lstStyle/>
           <a:p>
+            <a:r>
+              <a:rPr lang="pt-PT" dirty="0" smtClean="0">
+                <a:solidFill>
+                  <a:schemeClr val="tx1"/>
+                </a:solidFill>
+              </a:rPr>
+              <a:t>Tarefa</a:t>
+            </a:r>
+            <a:endParaRPr lang="pt-PT" dirty="0">
+              <a:solidFill>
+                <a:schemeClr val="tx1"/>
+              </a:solidFill>
+            </a:endParaRPr>
+          </a:p>
+        </p:txBody>
+      </p:sp>
+      <p:pic>
+        <p:nvPicPr>
+          <p:cNvPr id="3" name="Imagem 2"/>
+          <p:cNvPicPr>
+            <a:picLocks noChangeAspect="1"/>
+          </p:cNvPicPr>
+          <p:nvPr/>
+        </p:nvPicPr>
+        <p:blipFill>
+          <a:blip r:embed="rId7"/>
+          <a:stretch>
+            <a:fillRect/>
+          </a:stretch>
+        </p:blipFill>
+        <p:spPr>
+          <a:xfrm>
+            <a:off x="4088377" y="2997952"/>
+            <a:ext cx="251508" cy="235282"/>
+          </a:xfrm>
+          <a:prstGeom prst="rect">
+            <a:avLst/>
+          </a:prstGeom>
+        </p:spPr>
+      </p:pic>
+      <p:sp>
+        <p:nvSpPr>
+          <p:cNvPr id="27" name="Retângulo 26">
+            <a:extLst>
+              <a:ext uri="{FF2B5EF4-FFF2-40B4-BE49-F238E27FC236}">
+                <a16:creationId xmlns:a16="http://schemas.microsoft.com/office/drawing/2014/main" id="{5D40C27B-13E5-3F17-161C-9CBD4E24CA6A}"/>
+              </a:ext>
+            </a:extLst>
+          </p:cNvPr>
+          <p:cNvSpPr/>
+          <p:nvPr/>
+        </p:nvSpPr>
+        <p:spPr>
+          <a:xfrm>
+            <a:off x="7655968" y="2950046"/>
+            <a:ext cx="2077131" cy="704849"/>
+          </a:xfrm>
+          <a:prstGeom prst="rect">
+            <a:avLst/>
+          </a:prstGeom>
+          <a:solidFill>
+            <a:schemeClr val="bg1">
+              <a:lumMod val="95000"/>
+            </a:schemeClr>
+          </a:solidFill>
+          <a:ln>
+            <a:solidFill>
+              <a:srgbClr val="C00000"/>
+            </a:solidFill>
+          </a:ln>
+        </p:spPr>
+        <p:style>
+          <a:lnRef idx="2">
+            <a:schemeClr val="accent1">
+              <a:shade val="50000"/>
+            </a:schemeClr>
+          </a:lnRef>
+          <a:fillRef idx="1">
+            <a:schemeClr val="accent1"/>
+          </a:fillRef>
+          <a:effectRef idx="0">
+            <a:schemeClr val="accent1"/>
+          </a:effectRef>
+          <a:fontRef idx="minor">
+            <a:schemeClr val="lt1"/>
+          </a:fontRef>
+        </p:style>
+        <p:txBody>
+          <a:bodyPr rtlCol="0" anchor="ctr"/>
+          <a:lstStyle/>
+          <a:p>
             <a:pPr algn="ctr"/>
-            <a:endParaRPr lang="pt-PT">
+            <a:r>
+              <a:rPr lang="pt-PT" sz="1200" dirty="0" smtClean="0">
+                <a:solidFill>
+                  <a:schemeClr val="tx1"/>
+                </a:solidFill>
+              </a:rPr>
+              <a:t>Tarefa nº3 – Alterado para In </a:t>
+            </a:r>
+            <a:r>
+              <a:rPr lang="pt-PT" sz="1200" dirty="0" err="1" smtClean="0">
+                <a:solidFill>
+                  <a:schemeClr val="tx1"/>
+                </a:solidFill>
+              </a:rPr>
+              <a:t>Progress</a:t>
+            </a:r>
+            <a:endParaRPr lang="pt-PT" sz="1200" dirty="0" smtClean="0">
+              <a:solidFill>
+                <a:schemeClr val="tx1"/>
+              </a:solidFill>
+            </a:endParaRPr>
+          </a:p>
+          <a:p>
+            <a:pPr algn="ctr"/>
+            <a:r>
+              <a:rPr lang="pt-PT" sz="1200" dirty="0" smtClean="0">
+                <a:solidFill>
+                  <a:schemeClr val="tx1"/>
+                </a:solidFill>
+              </a:rPr>
+              <a:t>31/05/2023 14:24</a:t>
+            </a:r>
+          </a:p>
+          <a:p>
+            <a:pPr algn="ctr"/>
+            <a:r>
+              <a:rPr lang="pt-PT" sz="1200" dirty="0" smtClean="0">
+                <a:solidFill>
+                  <a:schemeClr val="tx1"/>
+                </a:solidFill>
+              </a:rPr>
+              <a:t>Rodrigo Ferreira</a:t>
+            </a:r>
+            <a:endParaRPr lang="pt-PT" sz="1200" dirty="0">
+              <a:solidFill>
+                <a:schemeClr val="tx1"/>
+              </a:solidFill>
+            </a:endParaRPr>
+          </a:p>
+        </p:txBody>
+      </p:sp>
+      <p:sp>
+        <p:nvSpPr>
+          <p:cNvPr id="28" name="Retângulo 27">
+            <a:extLst>
+              <a:ext uri="{FF2B5EF4-FFF2-40B4-BE49-F238E27FC236}">
+                <a16:creationId xmlns:a16="http://schemas.microsoft.com/office/drawing/2014/main" id="{5D40C27B-13E5-3F17-161C-9CBD4E24CA6A}"/>
+              </a:ext>
+            </a:extLst>
+          </p:cNvPr>
+          <p:cNvSpPr/>
+          <p:nvPr/>
+        </p:nvSpPr>
+        <p:spPr>
+          <a:xfrm>
+            <a:off x="5522601" y="3371179"/>
+            <a:ext cx="1899843" cy="1180501"/>
+          </a:xfrm>
+          <a:prstGeom prst="rect">
+            <a:avLst/>
+          </a:prstGeom>
+          <a:solidFill>
+            <a:schemeClr val="bg1">
+              <a:lumMod val="95000"/>
+            </a:schemeClr>
+          </a:solidFill>
+          <a:ln>
+            <a:solidFill>
+              <a:srgbClr val="C00000"/>
+            </a:solidFill>
+          </a:ln>
+        </p:spPr>
+        <p:style>
+          <a:lnRef idx="2">
+            <a:schemeClr val="accent1">
+              <a:shade val="50000"/>
+            </a:schemeClr>
+          </a:lnRef>
+          <a:fillRef idx="1">
+            <a:schemeClr val="accent1"/>
+          </a:fillRef>
+          <a:effectRef idx="0">
+            <a:schemeClr val="accent1"/>
+          </a:effectRef>
+          <a:fontRef idx="minor">
+            <a:schemeClr val="lt1"/>
+          </a:fontRef>
+        </p:style>
+        <p:txBody>
+          <a:bodyPr rtlCol="0" anchor="ctr"/>
+          <a:lstStyle/>
+          <a:p>
+            <a:pPr algn="ctr"/>
+            <a:r>
+              <a:rPr lang="pt-PT" sz="1200" dirty="0" smtClean="0">
+                <a:solidFill>
+                  <a:schemeClr val="tx1"/>
+                </a:solidFill>
+              </a:rPr>
+              <a:t>Impressora 3D ficou disponível nas datas</a:t>
+            </a:r>
+          </a:p>
+          <a:p>
+            <a:pPr algn="ctr"/>
+            <a:r>
+              <a:rPr lang="pt-PT" sz="1200" dirty="0" smtClean="0">
+                <a:solidFill>
+                  <a:schemeClr val="tx1"/>
+                </a:solidFill>
+              </a:rPr>
+              <a:t>01</a:t>
+            </a:r>
+            <a:r>
+              <a:rPr lang="pt-PT" sz="1200" dirty="0" smtClean="0">
+                <a:solidFill>
+                  <a:schemeClr val="tx1"/>
+                </a:solidFill>
+              </a:rPr>
+              <a:t>/06/2023 -15/06/2023</a:t>
+            </a:r>
+          </a:p>
+          <a:p>
+            <a:pPr algn="ctr"/>
+            <a:r>
+              <a:rPr lang="pt-PT" sz="1200" dirty="0" smtClean="0">
+                <a:solidFill>
+                  <a:schemeClr val="tx1"/>
+                </a:solidFill>
+              </a:rPr>
+              <a:t>01/06/2023 14:24</a:t>
+            </a:r>
+          </a:p>
+          <a:p>
+            <a:pPr algn="ctr"/>
+            <a:r>
+              <a:rPr lang="pt-PT" sz="1200" dirty="0">
+                <a:solidFill>
+                  <a:schemeClr val="tx1"/>
+                </a:solidFill>
+              </a:rPr>
+              <a:t>Joana </a:t>
+            </a:r>
+            <a:r>
+              <a:rPr lang="pt-PT" sz="1200" dirty="0" smtClean="0">
+                <a:solidFill>
+                  <a:schemeClr val="tx1"/>
+                </a:solidFill>
+              </a:rPr>
+              <a:t>Ramalho</a:t>
+            </a:r>
+            <a:endParaRPr lang="pt-PT" sz="1200" u="sng" dirty="0">
               <a:solidFill>
                 <a:schemeClr val="tx1"/>
               </a:solidFill>
@@ -27088,11 +28161,14 @@
               </a:lnSpc>
             </a:pPr>
             <a:r>
-              <a:rPr lang="pt-PT" dirty="0">
+              <a:rPr lang="pt-PT" dirty="0" smtClean="0">
                 <a:latin typeface="Arial Black" panose="020B0A04020102020204" pitchFamily="34" charset="0"/>
               </a:rPr>
-              <a:t>Inicio</a:t>
-            </a:r>
+              <a:t>Início</a:t>
+            </a:r>
+            <a:endParaRPr lang="pt-PT" dirty="0">
+              <a:latin typeface="Arial Black" panose="020B0A04020102020204" pitchFamily="34" charset="0"/>
+            </a:endParaRPr>
           </a:p>
           <a:p>
             <a:pPr algn="ctr">
@@ -27800,61 +28876,6 @@
       </p:pic>
       <p:sp>
         <p:nvSpPr>
-          <p:cNvPr id="3" name="Retângulo 2">
-            <a:extLst>
-              <a:ext uri="{FF2B5EF4-FFF2-40B4-BE49-F238E27FC236}">
-                <a16:creationId xmlns:a16="http://schemas.microsoft.com/office/drawing/2014/main" id="{763598BF-E397-DF75-606D-F3DC36C9D6F8}"/>
-              </a:ext>
-            </a:extLst>
-          </p:cNvPr>
-          <p:cNvSpPr/>
-          <p:nvPr/>
-        </p:nvSpPr>
-        <p:spPr>
-          <a:xfrm>
-            <a:off x="2592821" y="1867224"/>
-            <a:ext cx="662731" cy="409718"/>
-          </a:xfrm>
-          <a:prstGeom prst="rect">
-            <a:avLst/>
-          </a:prstGeom>
-          <a:solidFill>
-            <a:srgbClr val="C01722"/>
-          </a:solidFill>
-          <a:ln>
-            <a:noFill/>
-          </a:ln>
-        </p:spPr>
-        <p:style>
-          <a:lnRef idx="2">
-            <a:schemeClr val="accent1">
-              <a:shade val="50000"/>
-            </a:schemeClr>
-          </a:lnRef>
-          <a:fillRef idx="1">
-            <a:schemeClr val="accent1"/>
-          </a:fillRef>
-          <a:effectRef idx="0">
-            <a:schemeClr val="accent1"/>
-          </a:effectRef>
-          <a:fontRef idx="minor">
-            <a:schemeClr val="lt1"/>
-          </a:fontRef>
-        </p:style>
-        <p:txBody>
-          <a:bodyPr rtlCol="0" anchor="ctr"/>
-          <a:lstStyle/>
-          <a:p>
-            <a:pPr algn="ctr"/>
-            <a:r>
-              <a:rPr lang="pt-PT" dirty="0"/>
-              <a:t>+</a:t>
-            </a:r>
-          </a:p>
-        </p:txBody>
-      </p:sp>
-      <p:sp>
-        <p:nvSpPr>
           <p:cNvPr id="4" name="Retângulo 3">
             <a:extLst>
               <a:ext uri="{FF2B5EF4-FFF2-40B4-BE49-F238E27FC236}">
@@ -27906,13 +28927,34 @@
           <a:p>
             <a:pPr algn="ctr"/>
             <a:r>
-              <a:rPr lang="pt-PT" sz="2000" dirty="0">
+              <a:rPr lang="pt-PT" sz="2000" dirty="0" smtClean="0">
                 <a:solidFill>
                   <a:schemeClr val="tx1"/>
                 </a:solidFill>
               </a:rPr>
-              <a:t>Titulo|datainicio|datafim|estado|máximo de vagas|</a:t>
-            </a:r>
+              <a:t>Título|01/06/2023|30/06/2023|In </a:t>
+            </a:r>
+            <a:r>
+              <a:rPr lang="pt-PT" sz="2000" dirty="0" smtClean="0">
+                <a:solidFill>
+                  <a:schemeClr val="tx1"/>
+                </a:solidFill>
+              </a:rPr>
+              <a:t>Planning</a:t>
+            </a:r>
+            <a:r>
+              <a:rPr lang="pt-PT" sz="2000" dirty="0" smtClean="0">
+                <a:solidFill>
+                  <a:schemeClr val="tx1"/>
+                </a:solidFill>
+              </a:rPr>
+              <a:t>|50|</a:t>
+            </a:r>
+            <a:endParaRPr lang="pt-PT" sz="2000" dirty="0">
+              <a:solidFill>
+                <a:schemeClr val="tx1"/>
+              </a:solidFill>
+            </a:endParaRPr>
           </a:p>
         </p:txBody>
       </p:sp>
@@ -28269,8 +29311,21 @@
                   <a:schemeClr val="tx1"/>
                 </a:solidFill>
               </a:rPr>
-              <a:t>Data Criação</a:t>
-            </a:r>
+              <a:t>Data </a:t>
+            </a:r>
+            <a:r>
+              <a:rPr lang="pt-PT" dirty="0" smtClean="0">
+                <a:solidFill>
+                  <a:schemeClr val="tx1"/>
+                </a:solidFill>
+              </a:rPr>
+              <a:t>Início</a:t>
+            </a:r>
+            <a:endParaRPr lang="pt-PT" dirty="0">
+              <a:solidFill>
+                <a:schemeClr val="tx1"/>
+              </a:solidFill>
+            </a:endParaRPr>
           </a:p>
         </p:txBody>
       </p:sp>
@@ -28348,7 +29403,7 @@
         </p:nvSpPr>
         <p:spPr>
           <a:xfrm rot="10800000">
-            <a:off x="11204673" y="1836084"/>
+            <a:off x="11204673" y="2442261"/>
             <a:ext cx="45719" cy="115048"/>
           </a:xfrm>
           <a:prstGeom prst="downArrow">
@@ -28408,8 +29463,8 @@
         </p:nvSpPr>
         <p:spPr>
           <a:xfrm>
-            <a:off x="4120945" y="1801128"/>
-            <a:ext cx="2664481" cy="299119"/>
+            <a:off x="4120945" y="1865543"/>
+            <a:ext cx="3094289" cy="195892"/>
           </a:xfrm>
           <a:prstGeom prst="rect">
             <a:avLst/>
@@ -28456,10 +29511,10 @@
       </p:sp>
       <p:sp>
         <p:nvSpPr>
-          <p:cNvPr id="37" name="Retângulo 36">
-            <a:extLst>
-              <a:ext uri="{FF2B5EF4-FFF2-40B4-BE49-F238E27FC236}">
-                <a16:creationId xmlns:a16="http://schemas.microsoft.com/office/drawing/2014/main" id="{19CDCE1E-8F9B-B67F-5E55-81E1F34802E6}"/>
+          <p:cNvPr id="31" name="Retângulo 30">
+            <a:extLst>
+              <a:ext uri="{FF2B5EF4-FFF2-40B4-BE49-F238E27FC236}">
+                <a16:creationId xmlns:a16="http://schemas.microsoft.com/office/drawing/2014/main" id="{D3A996C8-A899-3A99-1C89-EE69F50BC148}"/>
               </a:ext>
             </a:extLst>
           </p:cNvPr>
@@ -28468,7 +29523,130 @@
         </p:nvSpPr>
         <p:spPr>
           <a:xfrm>
-            <a:off x="4120945" y="3783044"/>
+            <a:off x="2347767" y="2100247"/>
+            <a:ext cx="857770" cy="567484"/>
+          </a:xfrm>
+          <a:prstGeom prst="rect">
+            <a:avLst/>
+          </a:prstGeom>
+          <a:solidFill>
+            <a:srgbClr val="C01722"/>
+          </a:solidFill>
+          <a:ln>
+            <a:noFill/>
+          </a:ln>
+        </p:spPr>
+        <p:style>
+          <a:lnRef idx="2">
+            <a:schemeClr val="accent1">
+              <a:shade val="50000"/>
+            </a:schemeClr>
+          </a:lnRef>
+          <a:fillRef idx="1">
+            <a:schemeClr val="accent1"/>
+          </a:fillRef>
+          <a:effectRef idx="0">
+            <a:schemeClr val="accent1"/>
+          </a:effectRef>
+          <a:fontRef idx="minor">
+            <a:schemeClr val="lt1"/>
+          </a:fontRef>
+        </p:style>
+        <p:txBody>
+          <a:bodyPr rtlCol="0" anchor="ctr"/>
+          <a:lstStyle/>
+          <a:p>
+            <a:pPr algn="ctr"/>
+            <a:r>
+              <a:rPr lang="pt-PT" dirty="0"/>
+              <a:t>+</a:t>
+            </a:r>
+          </a:p>
+        </p:txBody>
+      </p:sp>
+      <p:sp>
+        <p:nvSpPr>
+          <p:cNvPr id="32" name="Retângulo 31"/>
+          <p:cNvSpPr/>
+          <p:nvPr/>
+        </p:nvSpPr>
+        <p:spPr>
+          <a:xfrm>
+            <a:off x="2022814" y="1801129"/>
+            <a:ext cx="1768350" cy="260306"/>
+          </a:xfrm>
+          <a:prstGeom prst="rect">
+            <a:avLst/>
+          </a:prstGeom>
+          <a:solidFill>
+            <a:schemeClr val="bg1"/>
+          </a:solidFill>
+          <a:ln>
+            <a:solidFill>
+              <a:schemeClr val="bg1"/>
+            </a:solidFill>
+          </a:ln>
+        </p:spPr>
+        <p:style>
+          <a:lnRef idx="2">
+            <a:schemeClr val="accent1">
+              <a:shade val="50000"/>
+            </a:schemeClr>
+          </a:lnRef>
+          <a:fillRef idx="1">
+            <a:schemeClr val="accent1"/>
+          </a:fillRef>
+          <a:effectRef idx="0">
+            <a:schemeClr val="accent1"/>
+          </a:effectRef>
+          <a:fontRef idx="minor">
+            <a:schemeClr val="lt1"/>
+          </a:fontRef>
+        </p:style>
+        <p:txBody>
+          <a:bodyPr rtlCol="0" anchor="ctr"/>
+          <a:lstStyle/>
+          <a:p>
+            <a:pPr algn="ctr"/>
+            <a:r>
+              <a:rPr lang="pt-PT" sz="1400" b="1" dirty="0" smtClean="0">
+                <a:solidFill>
+                  <a:schemeClr val="tx1"/>
+                </a:solidFill>
+              </a:rPr>
+              <a:t>Adicionar </a:t>
+            </a:r>
+            <a:r>
+              <a:rPr lang="pt-PT" sz="1400" b="1" dirty="0" smtClean="0">
+                <a:solidFill>
+                  <a:schemeClr val="tx1"/>
+                </a:solidFill>
+              </a:rPr>
+              <a:t>Concurso</a:t>
+            </a:r>
+            <a:endParaRPr lang="pt-PT" sz="1400" b="1" dirty="0">
+              <a:solidFill>
+                <a:schemeClr val="tx1"/>
+              </a:solidFill>
+            </a:endParaRPr>
+          </a:p>
+        </p:txBody>
+      </p:sp>
+      <p:sp>
+        <p:nvSpPr>
+          <p:cNvPr id="33" name="Retângulo 32">
+            <a:extLst>
+              <a:ext uri="{FF2B5EF4-FFF2-40B4-BE49-F238E27FC236}">
+                <a16:creationId xmlns:a16="http://schemas.microsoft.com/office/drawing/2014/main" id="{91E25A77-C179-24AB-1198-240F2A3BD89A}"/>
+              </a:ext>
+            </a:extLst>
+          </p:cNvPr>
+          <p:cNvSpPr/>
+          <p:nvPr/>
+        </p:nvSpPr>
+        <p:spPr>
+          <a:xfrm>
+            <a:off x="4120945" y="3905317"/>
             <a:ext cx="6889294" cy="409718"/>
           </a:xfrm>
           <a:prstGeom prst="rect">
@@ -28507,22 +29685,27 @@
           <a:p>
             <a:pPr algn="ctr"/>
             <a:r>
-              <a:rPr lang="pt-PT" sz="2000" dirty="0">
+              <a:rPr lang="pt-PT" sz="2000" dirty="0" smtClean="0">
                 <a:solidFill>
                   <a:schemeClr val="tx1"/>
                 </a:solidFill>
               </a:rPr>
-              <a:t>Titulo|datainicio|datafim|estado|máximo de vagas|</a:t>
-            </a:r>
-          </a:p>
-        </p:txBody>
-      </p:sp>
-      <p:sp>
-        <p:nvSpPr>
-          <p:cNvPr id="38" name="Retângulo 37">
-            <a:extLst>
-              <a:ext uri="{FF2B5EF4-FFF2-40B4-BE49-F238E27FC236}">
-                <a16:creationId xmlns:a16="http://schemas.microsoft.com/office/drawing/2014/main" id="{3EC58D73-83DF-CF74-9E14-49902A45F0BE}"/>
+              <a:t>Título|01/05/2023|31/05/2023|Ongoing|50|</a:t>
+            </a:r>
+            <a:endParaRPr lang="pt-PT" sz="2000" dirty="0">
+              <a:solidFill>
+                <a:schemeClr val="tx1"/>
+              </a:solidFill>
+            </a:endParaRPr>
+          </a:p>
+        </p:txBody>
+      </p:sp>
+      <p:sp>
+        <p:nvSpPr>
+          <p:cNvPr id="34" name="Retângulo 33">
+            <a:extLst>
+              <a:ext uri="{FF2B5EF4-FFF2-40B4-BE49-F238E27FC236}">
+                <a16:creationId xmlns:a16="http://schemas.microsoft.com/office/drawing/2014/main" id="{91E25A77-C179-24AB-1198-240F2A3BD89A}"/>
               </a:ext>
             </a:extLst>
           </p:cNvPr>
@@ -28531,7 +29714,7 @@
         </p:nvSpPr>
         <p:spPr>
           <a:xfrm>
-            <a:off x="4120945" y="4398012"/>
+            <a:off x="4120945" y="4619113"/>
             <a:ext cx="6889294" cy="409718"/>
           </a:xfrm>
           <a:prstGeom prst="rect">
@@ -28570,13 +29753,401 @@
           <a:p>
             <a:pPr algn="ctr"/>
             <a:r>
-              <a:rPr lang="pt-PT" sz="2000" dirty="0">
+              <a:rPr lang="pt-PT" sz="2000" dirty="0" smtClean="0">
                 <a:solidFill>
                   <a:schemeClr val="tx1"/>
                 </a:solidFill>
               </a:rPr>
-              <a:t>Titulo|datainicio|datafim|estado|máximo de vagas|</a:t>
-            </a:r>
+              <a:t>Título|01/04/2023|30/04/2023|Finished|50|</a:t>
+            </a:r>
+            <a:endParaRPr lang="pt-PT" sz="2000" dirty="0">
+              <a:solidFill>
+                <a:schemeClr val="tx1"/>
+              </a:solidFill>
+            </a:endParaRPr>
+          </a:p>
+        </p:txBody>
+      </p:sp>
+      <p:sp>
+        <p:nvSpPr>
+          <p:cNvPr id="35" name="Retângulo 34">
+            <a:extLst>
+              <a:ext uri="{FF2B5EF4-FFF2-40B4-BE49-F238E27FC236}">
+                <a16:creationId xmlns:a16="http://schemas.microsoft.com/office/drawing/2014/main" id="{8CD12F04-918E-DE89-5BF1-45DBC86D1C6D}"/>
+              </a:ext>
+            </a:extLst>
+          </p:cNvPr>
+          <p:cNvSpPr/>
+          <p:nvPr/>
+        </p:nvSpPr>
+        <p:spPr>
+          <a:xfrm>
+            <a:off x="4131729" y="2264320"/>
+            <a:ext cx="1477961" cy="239146"/>
+          </a:xfrm>
+          <a:prstGeom prst="rect">
+            <a:avLst/>
+          </a:prstGeom>
+          <a:solidFill>
+            <a:schemeClr val="bg1"/>
+          </a:solidFill>
+          <a:ln>
+            <a:solidFill>
+              <a:srgbClr val="C01722"/>
+            </a:solidFill>
+          </a:ln>
+        </p:spPr>
+        <p:style>
+          <a:lnRef idx="2">
+            <a:schemeClr val="accent1">
+              <a:shade val="50000"/>
+            </a:schemeClr>
+          </a:lnRef>
+          <a:fillRef idx="1">
+            <a:schemeClr val="accent1"/>
+          </a:fillRef>
+          <a:effectRef idx="0">
+            <a:schemeClr val="accent1"/>
+          </a:effectRef>
+          <a:fontRef idx="minor">
+            <a:schemeClr val="lt1"/>
+          </a:fontRef>
+        </p:style>
+        <p:txBody>
+          <a:bodyPr rtlCol="0" anchor="ctr"/>
+          <a:lstStyle/>
+          <a:p>
+            <a:r>
+              <a:rPr lang="pt-PT" dirty="0" smtClean="0">
+                <a:solidFill>
+                  <a:schemeClr val="tx1"/>
+                </a:solidFill>
+              </a:rPr>
+              <a:t>Data de Início</a:t>
+            </a:r>
+            <a:endParaRPr lang="pt-PT" dirty="0">
+              <a:solidFill>
+                <a:schemeClr val="tx1"/>
+              </a:solidFill>
+            </a:endParaRPr>
+          </a:p>
+        </p:txBody>
+      </p:sp>
+      <p:sp>
+        <p:nvSpPr>
+          <p:cNvPr id="39" name="Retângulo 38">
+            <a:extLst>
+              <a:ext uri="{FF2B5EF4-FFF2-40B4-BE49-F238E27FC236}">
+                <a16:creationId xmlns:a16="http://schemas.microsoft.com/office/drawing/2014/main" id="{8CD12F04-918E-DE89-5BF1-45DBC86D1C6D}"/>
+              </a:ext>
+            </a:extLst>
+          </p:cNvPr>
+          <p:cNvSpPr/>
+          <p:nvPr/>
+        </p:nvSpPr>
+        <p:spPr>
+          <a:xfrm>
+            <a:off x="5860563" y="2264320"/>
+            <a:ext cx="1354671" cy="239147"/>
+          </a:xfrm>
+          <a:prstGeom prst="rect">
+            <a:avLst/>
+          </a:prstGeom>
+          <a:solidFill>
+            <a:schemeClr val="bg1"/>
+          </a:solidFill>
+          <a:ln>
+            <a:solidFill>
+              <a:srgbClr val="C01722"/>
+            </a:solidFill>
+          </a:ln>
+        </p:spPr>
+        <p:style>
+          <a:lnRef idx="2">
+            <a:schemeClr val="accent1">
+              <a:shade val="50000"/>
+            </a:schemeClr>
+          </a:lnRef>
+          <a:fillRef idx="1">
+            <a:schemeClr val="accent1"/>
+          </a:fillRef>
+          <a:effectRef idx="0">
+            <a:schemeClr val="accent1"/>
+          </a:effectRef>
+          <a:fontRef idx="minor">
+            <a:schemeClr val="lt1"/>
+          </a:fontRef>
+        </p:style>
+        <p:txBody>
+          <a:bodyPr rtlCol="0" anchor="ctr"/>
+          <a:lstStyle/>
+          <a:p>
+            <a:r>
+              <a:rPr lang="pt-PT" dirty="0" smtClean="0">
+                <a:solidFill>
+                  <a:schemeClr val="tx1"/>
+                </a:solidFill>
+              </a:rPr>
+              <a:t>Data de fim</a:t>
+            </a:r>
+            <a:endParaRPr lang="pt-PT" dirty="0">
+              <a:solidFill>
+                <a:schemeClr val="tx1"/>
+              </a:solidFill>
+            </a:endParaRPr>
+          </a:p>
+        </p:txBody>
+      </p:sp>
+      <p:sp>
+        <p:nvSpPr>
+          <p:cNvPr id="40" name="Retângulo 39">
+            <a:extLst>
+              <a:ext uri="{FF2B5EF4-FFF2-40B4-BE49-F238E27FC236}">
+                <a16:creationId xmlns:a16="http://schemas.microsoft.com/office/drawing/2014/main" id="{02413080-B2E7-7E70-4D28-9EC41E1D3056}"/>
+              </a:ext>
+            </a:extLst>
+          </p:cNvPr>
+          <p:cNvSpPr/>
+          <p:nvPr/>
+        </p:nvSpPr>
+        <p:spPr>
+          <a:xfrm>
+            <a:off x="9758483" y="2312333"/>
+            <a:ext cx="1652256" cy="324707"/>
+          </a:xfrm>
+          <a:prstGeom prst="rect">
+            <a:avLst/>
+          </a:prstGeom>
+          <a:solidFill>
+            <a:schemeClr val="bg1"/>
+          </a:solidFill>
+          <a:ln>
+            <a:solidFill>
+              <a:srgbClr val="C00000"/>
+            </a:solidFill>
+          </a:ln>
+        </p:spPr>
+        <p:style>
+          <a:lnRef idx="2">
+            <a:schemeClr val="accent1">
+              <a:shade val="50000"/>
+            </a:schemeClr>
+          </a:lnRef>
+          <a:fillRef idx="1">
+            <a:schemeClr val="accent1"/>
+          </a:fillRef>
+          <a:effectRef idx="0">
+            <a:schemeClr val="accent1"/>
+          </a:effectRef>
+          <a:fontRef idx="minor">
+            <a:schemeClr val="lt1"/>
+          </a:fontRef>
+        </p:style>
+        <p:txBody>
+          <a:bodyPr rtlCol="0" anchor="ctr"/>
+          <a:lstStyle/>
+          <a:p>
+            <a:r>
+              <a:rPr lang="pt-PT" dirty="0">
+                <a:solidFill>
+                  <a:schemeClr val="tx1"/>
+                </a:solidFill>
+              </a:rPr>
+              <a:t>Data </a:t>
+            </a:r>
+            <a:r>
+              <a:rPr lang="pt-PT" dirty="0" smtClean="0">
+                <a:solidFill>
+                  <a:schemeClr val="tx1"/>
+                </a:solidFill>
+              </a:rPr>
+              <a:t>Fim</a:t>
+            </a:r>
+            <a:endParaRPr lang="pt-PT" dirty="0">
+              <a:solidFill>
+                <a:schemeClr val="tx1"/>
+              </a:solidFill>
+            </a:endParaRPr>
+          </a:p>
+        </p:txBody>
+      </p:sp>
+      <p:sp>
+        <p:nvSpPr>
+          <p:cNvPr id="41" name="Seta: para Baixo 28">
+            <a:extLst>
+              <a:ext uri="{FF2B5EF4-FFF2-40B4-BE49-F238E27FC236}">
+                <a16:creationId xmlns:a16="http://schemas.microsoft.com/office/drawing/2014/main" id="{6CF49822-271C-E63D-9018-CF19365DADA1}"/>
+              </a:ext>
+            </a:extLst>
+          </p:cNvPr>
+          <p:cNvSpPr/>
+          <p:nvPr/>
+        </p:nvSpPr>
+        <p:spPr>
+          <a:xfrm>
+            <a:off x="11130344" y="2408577"/>
+            <a:ext cx="45719" cy="115048"/>
+          </a:xfrm>
+          <a:prstGeom prst="downArrow">
+            <a:avLst/>
+          </a:prstGeom>
+          <a:solidFill>
+            <a:schemeClr val="tx1">
+              <a:lumMod val="50000"/>
+              <a:lumOff val="50000"/>
+            </a:schemeClr>
+          </a:solidFill>
+          <a:ln>
+            <a:solidFill>
+              <a:schemeClr val="tx1">
+                <a:lumMod val="65000"/>
+                <a:lumOff val="35000"/>
+              </a:schemeClr>
+            </a:solidFill>
+          </a:ln>
+        </p:spPr>
+        <p:style>
+          <a:lnRef idx="2">
+            <a:schemeClr val="accent1">
+              <a:shade val="50000"/>
+            </a:schemeClr>
+          </a:lnRef>
+          <a:fillRef idx="1">
+            <a:schemeClr val="accent1"/>
+          </a:fillRef>
+          <a:effectRef idx="0">
+            <a:schemeClr val="accent1"/>
+          </a:effectRef>
+          <a:fontRef idx="minor">
+            <a:schemeClr val="lt1"/>
+          </a:fontRef>
+        </p:style>
+        <p:txBody>
+          <a:bodyPr rtlCol="0" anchor="ctr"/>
+          <a:lstStyle/>
+          <a:p>
+            <a:pPr algn="ctr"/>
+            <a:endParaRPr lang="pt-PT"/>
+          </a:p>
+        </p:txBody>
+      </p:sp>
+      <p:sp>
+        <p:nvSpPr>
+          <p:cNvPr id="42" name="Seta: para Baixo 29">
+            <a:extLst>
+              <a:ext uri="{FF2B5EF4-FFF2-40B4-BE49-F238E27FC236}">
+                <a16:creationId xmlns:a16="http://schemas.microsoft.com/office/drawing/2014/main" id="{D060CD57-A8F1-4A1D-1547-20953CE455E7}"/>
+              </a:ext>
+            </a:extLst>
+          </p:cNvPr>
+          <p:cNvSpPr/>
+          <p:nvPr/>
+        </p:nvSpPr>
+        <p:spPr>
+          <a:xfrm rot="10800000">
+            <a:off x="11254333" y="2430277"/>
+            <a:ext cx="45719" cy="115048"/>
+          </a:xfrm>
+          <a:prstGeom prst="downArrow">
+            <a:avLst/>
+          </a:prstGeom>
+          <a:solidFill>
+            <a:schemeClr val="tx1">
+              <a:lumMod val="50000"/>
+              <a:lumOff val="50000"/>
+            </a:schemeClr>
+          </a:solidFill>
+          <a:ln>
+            <a:solidFill>
+              <a:schemeClr val="tx1">
+                <a:lumMod val="65000"/>
+                <a:lumOff val="35000"/>
+              </a:schemeClr>
+            </a:solidFill>
+          </a:ln>
+        </p:spPr>
+        <p:style>
+          <a:lnRef idx="2">
+            <a:schemeClr val="accent1">
+              <a:shade val="50000"/>
+            </a:schemeClr>
+          </a:lnRef>
+          <a:fillRef idx="1">
+            <a:schemeClr val="accent1"/>
+          </a:fillRef>
+          <a:effectRef idx="0">
+            <a:schemeClr val="accent1"/>
+          </a:effectRef>
+          <a:fontRef idx="minor">
+            <a:schemeClr val="lt1"/>
+          </a:fontRef>
+        </p:style>
+        <p:txBody>
+          <a:bodyPr rtlCol="0" anchor="ctr"/>
+          <a:lstStyle/>
+          <a:p>
+            <a:pPr algn="ctr"/>
+            <a:endParaRPr lang="pt-PT"/>
+          </a:p>
+        </p:txBody>
+      </p:sp>
+      <p:sp>
+        <p:nvSpPr>
+          <p:cNvPr id="43" name="Seta: para Baixo 29">
+            <a:extLst>
+              <a:ext uri="{FF2B5EF4-FFF2-40B4-BE49-F238E27FC236}">
+                <a16:creationId xmlns:a16="http://schemas.microsoft.com/office/drawing/2014/main" id="{D060CD57-A8F1-4A1D-1547-20953CE455E7}"/>
+              </a:ext>
+            </a:extLst>
+          </p:cNvPr>
+          <p:cNvSpPr/>
+          <p:nvPr/>
+        </p:nvSpPr>
+        <p:spPr>
+          <a:xfrm rot="10800000">
+            <a:off x="11295429" y="1834374"/>
+            <a:ext cx="45719" cy="115048"/>
+          </a:xfrm>
+          <a:prstGeom prst="downArrow">
+            <a:avLst/>
+          </a:prstGeom>
+          <a:solidFill>
+            <a:schemeClr val="tx1">
+              <a:lumMod val="50000"/>
+              <a:lumOff val="50000"/>
+            </a:schemeClr>
+          </a:solidFill>
+          <a:ln>
+            <a:solidFill>
+              <a:schemeClr val="tx1">
+                <a:lumMod val="65000"/>
+                <a:lumOff val="35000"/>
+              </a:schemeClr>
+            </a:solidFill>
+          </a:ln>
+        </p:spPr>
+        <p:style>
+          <a:lnRef idx="2">
+            <a:schemeClr val="accent1">
+              <a:shade val="50000"/>
+            </a:schemeClr>
+          </a:lnRef>
+          <a:fillRef idx="1">
+            <a:schemeClr val="accent1"/>
+          </a:fillRef>
+          <a:effectRef idx="0">
+            <a:schemeClr val="accent1"/>
+          </a:effectRef>
+          <a:fontRef idx="minor">
+            <a:schemeClr val="lt1"/>
+          </a:fontRef>
+        </p:style>
+        <p:txBody>
+          <a:bodyPr rtlCol="0" anchor="ctr"/>
+          <a:lstStyle/>
+          <a:p>
+            <a:pPr algn="ctr"/>
+            <a:endParaRPr lang="pt-PT"/>
           </a:p>
         </p:txBody>
       </p:sp>
@@ -28663,11 +30234,14 @@
               </a:lnSpc>
             </a:pPr>
             <a:r>
-              <a:rPr lang="pt-PT" dirty="0">
+              <a:rPr lang="pt-PT" dirty="0" smtClean="0">
                 <a:latin typeface="Arial Black" panose="020B0A04020102020204" pitchFamily="34" charset="0"/>
               </a:rPr>
-              <a:t>Inicio</a:t>
-            </a:r>
+              <a:t>Início</a:t>
+            </a:r>
+            <a:endParaRPr lang="pt-PT" dirty="0">
+              <a:latin typeface="Arial Black" panose="020B0A04020102020204" pitchFamily="34" charset="0"/>
+            </a:endParaRPr>
           </a:p>
           <a:p>
             <a:pPr algn="ctr">
@@ -30319,11 +31893,14 @@
               </a:lnSpc>
             </a:pPr>
             <a:r>
-              <a:rPr lang="pt-PT" dirty="0">
+              <a:rPr lang="pt-PT" dirty="0" smtClean="0">
                 <a:latin typeface="Arial Black" panose="020B0A04020102020204" pitchFamily="34" charset="0"/>
               </a:rPr>
-              <a:t>Inicio</a:t>
-            </a:r>
+              <a:t>Início</a:t>
+            </a:r>
+            <a:endParaRPr lang="pt-PT" dirty="0">
+              <a:latin typeface="Arial Black" panose="020B0A04020102020204" pitchFamily="34" charset="0"/>
+            </a:endParaRPr>
           </a:p>
           <a:p>
             <a:pPr algn="ctr">
@@ -32380,11 +33957,14 @@
               </a:lnSpc>
             </a:pPr>
             <a:r>
-              <a:rPr lang="pt-PT" dirty="0">
+              <a:rPr lang="pt-PT" dirty="0" smtClean="0">
                 <a:latin typeface="Arial Black" panose="020B0A04020102020204" pitchFamily="34" charset="0"/>
               </a:rPr>
-              <a:t>Inicio</a:t>
-            </a:r>
+              <a:t>Início</a:t>
+            </a:r>
+            <a:endParaRPr lang="pt-PT" dirty="0">
+              <a:latin typeface="Arial Black" panose="020B0A04020102020204" pitchFamily="34" charset="0"/>
+            </a:endParaRPr>
           </a:p>
           <a:p>
             <a:pPr algn="ctr">
@@ -33137,13 +34717,18 @@
           <a:p>
             <a:pPr algn="ctr"/>
             <a:r>
-              <a:rPr lang="pt-PT" dirty="0">
+              <a:rPr lang="pt-PT" dirty="0" smtClean="0">
                 <a:solidFill>
                   <a:schemeClr val="tx1"/>
                 </a:solidFill>
               </a:rPr>
-              <a:t>Titulo</a:t>
-            </a:r>
+              <a:t>Título</a:t>
+            </a:r>
+            <a:endParaRPr lang="pt-PT" dirty="0">
+              <a:solidFill>
+                <a:schemeClr val="tx1"/>
+              </a:solidFill>
+            </a:endParaRPr>
           </a:p>
         </p:txBody>
       </p:sp>
@@ -33251,8 +34836,21 @@
                   <a:schemeClr val="tx1"/>
                 </a:solidFill>
               </a:rPr>
-              <a:t>Data Inicio</a:t>
-            </a:r>
+              <a:t>Data </a:t>
+            </a:r>
+            <a:r>
+              <a:rPr lang="pt-PT" dirty="0" smtClean="0">
+                <a:solidFill>
+                  <a:schemeClr val="tx1"/>
+                </a:solidFill>
+              </a:rPr>
+              <a:t>Início</a:t>
+            </a:r>
+            <a:endParaRPr lang="pt-PT" dirty="0">
+              <a:solidFill>
+                <a:schemeClr val="tx1"/>
+              </a:solidFill>
+            </a:endParaRPr>
           </a:p>
         </p:txBody>
       </p:sp>
@@ -33360,12 +34958,20 @@
           <a:p>
             <a:pPr algn="ctr"/>
             <a:r>
+              <a:rPr lang="pt-PT" dirty="0" smtClean="0">
+                <a:solidFill>
+                  <a:schemeClr val="tx1"/>
+                </a:solidFill>
+              </a:rPr>
+              <a:t>Número </a:t>
+            </a:r>
+            <a:r>
               <a:rPr lang="pt-PT" dirty="0">
                 <a:solidFill>
                   <a:schemeClr val="tx1"/>
                 </a:solidFill>
               </a:rPr>
-              <a:t>Numero de Participantes</a:t>
+              <a:t>de Participantes</a:t>
             </a:r>
           </a:p>
         </p:txBody>
@@ -34400,7 +36006,7 @@
         </p:nvSpPr>
         <p:spPr>
           <a:xfrm>
-            <a:off x="3135238" y="2710886"/>
+            <a:off x="3207158" y="2719207"/>
             <a:ext cx="884807" cy="756821"/>
           </a:xfrm>
           <a:prstGeom prst="rect">
@@ -34433,7 +36039,7 @@
           <a:p>
             <a:pPr algn="ctr"/>
             <a:r>
-              <a:rPr lang="pt-PT" dirty="0">
+              <a:rPr lang="pt-PT" dirty="0" smtClean="0">
                 <a:ln w="0"/>
                 <a:solidFill>
                   <a:schemeClr val="tx1"/>
@@ -34446,8 +36052,21 @@
                   </a:outerShdw>
                 </a:effectLst>
               </a:rPr>
-              <a:t>Email</a:t>
-            </a:r>
+              <a:t>Email*</a:t>
+            </a:r>
+            <a:endParaRPr lang="pt-PT" dirty="0">
+              <a:ln w="0"/>
+              <a:solidFill>
+                <a:schemeClr val="tx1"/>
+              </a:solidFill>
+              <a:effectLst>
+                <a:outerShdw blurRad="38100" dist="19050" dir="2700000" algn="tl" rotWithShape="0">
+                  <a:schemeClr val="dk1">
+                    <a:alpha val="40000"/>
+                  </a:schemeClr>
+                </a:outerShdw>
+              </a:effectLst>
+            </a:endParaRPr>
           </a:p>
         </p:txBody>
       </p:sp>
@@ -35326,7 +36945,15 @@
           <a:p>
             <a:r>
               <a:rPr lang="pt-PT" dirty="0"/>
-              <a:t>confirmar password*</a:t>
+              <a:t>C</a:t>
+            </a:r>
+            <a:r>
+              <a:rPr lang="pt-PT" dirty="0" smtClean="0"/>
+              <a:t>onfirmar </a:t>
+            </a:r>
+            <a:r>
+              <a:rPr lang="pt-PT" dirty="0"/>
+              <a:t>password*</a:t>
             </a:r>
           </a:p>
         </p:txBody>
@@ -36961,7 +38588,7 @@
         </p:nvSpPr>
         <p:spPr>
           <a:xfrm>
-            <a:off x="2291180" y="2138371"/>
+            <a:off x="2324083" y="2138371"/>
             <a:ext cx="3098305" cy="3233895"/>
           </a:xfrm>
           <a:prstGeom prst="rect">
@@ -37076,7 +38703,7 @@
         </p:nvSpPr>
         <p:spPr>
           <a:xfrm>
-            <a:off x="2634256" y="3616577"/>
+            <a:off x="2635752" y="3719024"/>
             <a:ext cx="1699338" cy="293516"/>
           </a:xfrm>
           <a:prstGeom prst="rect">
@@ -37113,38 +38740,27 @@
           <a:p>
             <a:pPr algn="ctr"/>
             <a:r>
-              <a:rPr lang="pt-PT" sz="1200" dirty="0">
+              <a:rPr lang="pt-PT" sz="1600" dirty="0" smtClean="0">
                 <a:solidFill>
                   <a:schemeClr val="tx1"/>
                 </a:solidFill>
               </a:rPr>
-              <a:t>Primeiro </a:t>
-            </a:r>
-            <a:r>
-              <a:rPr lang="pt-PT" sz="1200" u="sng" dirty="0">
-                <a:solidFill>
-                  <a:schemeClr val="tx1"/>
-                </a:solidFill>
-              </a:rPr>
-              <a:t>Último</a:t>
-            </a:r>
-            <a:r>
-              <a:rPr lang="pt-PT" sz="1200" dirty="0">
-                <a:solidFill>
-                  <a:schemeClr val="tx1"/>
-                </a:solidFill>
-              </a:rPr>
-              <a:t> Nome</a:t>
-            </a:r>
-          </a:p>
-        </p:txBody>
-      </p:sp>
-      <p:sp>
-        <p:nvSpPr>
-          <p:cNvPr id="31" name="Retângulo 30">
-            <a:extLst>
-              <a:ext uri="{FF2B5EF4-FFF2-40B4-BE49-F238E27FC236}">
-                <a16:creationId xmlns:a16="http://schemas.microsoft.com/office/drawing/2014/main" id="{3FA01CA2-C3E7-1279-EDBF-E539787AFDE6}"/>
+              <a:t>Rodrigo Ferreira</a:t>
+            </a:r>
+            <a:endParaRPr lang="pt-PT" sz="1600" dirty="0">
+              <a:solidFill>
+                <a:schemeClr val="tx1"/>
+              </a:solidFill>
+            </a:endParaRPr>
+          </a:p>
+        </p:txBody>
+      </p:sp>
+      <p:sp>
+        <p:nvSpPr>
+          <p:cNvPr id="32" name="Retângulo 31">
+            <a:extLst>
+              <a:ext uri="{FF2B5EF4-FFF2-40B4-BE49-F238E27FC236}">
+                <a16:creationId xmlns:a16="http://schemas.microsoft.com/office/drawing/2014/main" id="{61415F6B-A702-D4FA-DCE5-F936FB19A0E1}"/>
               </a:ext>
             </a:extLst>
           </p:cNvPr>
@@ -37153,8 +38769,8 @@
         </p:nvSpPr>
         <p:spPr>
           <a:xfrm>
-            <a:off x="2574180" y="3874573"/>
-            <a:ext cx="917362" cy="335131"/>
+            <a:off x="2507228" y="3357081"/>
+            <a:ext cx="2581291" cy="349111"/>
           </a:xfrm>
           <a:prstGeom prst="rect">
             <a:avLst/>
@@ -37190,22 +38806,27 @@
           <a:p>
             <a:pPr algn="ctr"/>
             <a:r>
-              <a:rPr lang="pt-PT" sz="1200" dirty="0">
+              <a:rPr lang="pt-PT" sz="1400" dirty="0" smtClean="0">
                 <a:solidFill>
                   <a:schemeClr val="tx1"/>
                 </a:solidFill>
               </a:rPr>
-              <a:t>Alcunha</a:t>
-            </a:r>
-          </a:p>
-        </p:txBody>
-      </p:sp>
-      <p:sp>
-        <p:nvSpPr>
-          <p:cNvPr id="32" name="Retângulo 31">
-            <a:extLst>
-              <a:ext uri="{FF2B5EF4-FFF2-40B4-BE49-F238E27FC236}">
-                <a16:creationId xmlns:a16="http://schemas.microsoft.com/office/drawing/2014/main" id="{61415F6B-A702-D4FA-DCE5-F936FB19A0E1}"/>
+              <a:t>Rodrigoferreira@gmail.com</a:t>
+            </a:r>
+            <a:endParaRPr lang="pt-PT" sz="1400" dirty="0">
+              <a:solidFill>
+                <a:schemeClr val="tx1"/>
+              </a:solidFill>
+            </a:endParaRPr>
+          </a:p>
+        </p:txBody>
+      </p:sp>
+      <p:sp>
+        <p:nvSpPr>
+          <p:cNvPr id="33" name="Retângulo 32">
+            <a:extLst>
+              <a:ext uri="{FF2B5EF4-FFF2-40B4-BE49-F238E27FC236}">
+                <a16:creationId xmlns:a16="http://schemas.microsoft.com/office/drawing/2014/main" id="{F1B2577E-C740-33A8-AEF0-1DB6C2DD7296}"/>
               </a:ext>
             </a:extLst>
           </p:cNvPr>
@@ -37214,8 +38835,8 @@
         </p:nvSpPr>
         <p:spPr>
           <a:xfrm>
-            <a:off x="2432498" y="3362291"/>
-            <a:ext cx="1106738" cy="335131"/>
+            <a:off x="2530916" y="4063569"/>
+            <a:ext cx="1205566" cy="208325"/>
           </a:xfrm>
           <a:prstGeom prst="rect">
             <a:avLst/>
@@ -37251,22 +38872,27 @@
           <a:p>
             <a:pPr algn="ctr"/>
             <a:r>
-              <a:rPr lang="pt-PT" sz="1400" dirty="0">
+              <a:rPr lang="pt-PT" sz="1400" dirty="0" smtClean="0">
                 <a:solidFill>
                   <a:schemeClr val="tx1"/>
                 </a:solidFill>
               </a:rPr>
-              <a:t>Email</a:t>
-            </a:r>
-          </a:p>
-        </p:txBody>
-      </p:sp>
-      <p:sp>
-        <p:nvSpPr>
-          <p:cNvPr id="33" name="Retângulo 32">
-            <a:extLst>
-              <a:ext uri="{FF2B5EF4-FFF2-40B4-BE49-F238E27FC236}">
-                <a16:creationId xmlns:a16="http://schemas.microsoft.com/office/drawing/2014/main" id="{F1B2577E-C740-33A8-AEF0-1DB6C2DD7296}"/>
+              <a:t>Coimbra</a:t>
+            </a:r>
+            <a:endParaRPr lang="pt-PT" sz="1400" dirty="0">
+              <a:solidFill>
+                <a:schemeClr val="tx1"/>
+              </a:solidFill>
+            </a:endParaRPr>
+          </a:p>
+        </p:txBody>
+      </p:sp>
+      <p:sp>
+        <p:nvSpPr>
+          <p:cNvPr id="36" name="Retângulo 35">
+            <a:extLst>
+              <a:ext uri="{FF2B5EF4-FFF2-40B4-BE49-F238E27FC236}">
+                <a16:creationId xmlns:a16="http://schemas.microsoft.com/office/drawing/2014/main" id="{BFCA95AE-71B3-88F4-0374-7DD20A2318A9}"/>
               </a:ext>
             </a:extLst>
           </p:cNvPr>
@@ -37275,17 +38901,13 @@
         </p:nvSpPr>
         <p:spPr>
           <a:xfrm>
-            <a:off x="2411450" y="4244682"/>
-            <a:ext cx="1205566" cy="208325"/>
-          </a:xfrm>
-          <a:prstGeom prst="rect">
-            <a:avLst/>
-          </a:prstGeom>
-          <a:solidFill>
-            <a:schemeClr val="bg1">
-              <a:lumMod val="85000"/>
-            </a:schemeClr>
-          </a:solidFill>
+            <a:off x="7176114" y="1641706"/>
+            <a:ext cx="3355760" cy="497150"/>
+          </a:xfrm>
+          <a:prstGeom prst="rect">
+            <a:avLst/>
+          </a:prstGeom>
+          <a:noFill/>
           <a:ln>
             <a:noFill/>
           </a:ln>
@@ -37312,63 +38934,6 @@
           <a:p>
             <a:pPr algn="ctr"/>
             <a:r>
-              <a:rPr lang="pt-PT" sz="1400" dirty="0">
-                <a:solidFill>
-                  <a:schemeClr val="tx1"/>
-                </a:solidFill>
-              </a:rPr>
-              <a:t>Local</a:t>
-            </a:r>
-          </a:p>
-        </p:txBody>
-      </p:sp>
-      <p:sp>
-        <p:nvSpPr>
-          <p:cNvPr id="36" name="Retângulo 35">
-            <a:extLst>
-              <a:ext uri="{FF2B5EF4-FFF2-40B4-BE49-F238E27FC236}">
-                <a16:creationId xmlns:a16="http://schemas.microsoft.com/office/drawing/2014/main" id="{BFCA95AE-71B3-88F4-0374-7DD20A2318A9}"/>
-              </a:ext>
-            </a:extLst>
-          </p:cNvPr>
-          <p:cNvSpPr/>
-          <p:nvPr/>
-        </p:nvSpPr>
-        <p:spPr>
-          <a:xfrm>
-            <a:off x="7176114" y="1641706"/>
-            <a:ext cx="3355760" cy="497150"/>
-          </a:xfrm>
-          <a:prstGeom prst="rect">
-            <a:avLst/>
-          </a:prstGeom>
-          <a:noFill/>
-          <a:ln>
-            <a:noFill/>
-          </a:ln>
-        </p:spPr>
-        <p:style>
-          <a:lnRef idx="2">
-            <a:schemeClr val="accent1">
-              <a:shade val="50000"/>
-            </a:schemeClr>
-          </a:lnRef>
-          <a:fillRef idx="1">
-            <a:schemeClr val="accent1"/>
-          </a:fillRef>
-          <a:effectRef idx="0">
-            <a:schemeClr val="accent1"/>
-          </a:effectRef>
-          <a:fontRef idx="minor">
-            <a:schemeClr val="lt1"/>
-          </a:fontRef>
-        </p:style>
-        <p:txBody>
-          <a:bodyPr rtlCol="0" anchor="ctr"/>
-          <a:lstStyle/>
-          <a:p>
-            <a:pPr algn="ctr"/>
-            <a:r>
               <a:rPr lang="pt-PT" sz="2800" dirty="0">
                 <a:solidFill>
                   <a:srgbClr val="C01722"/>
@@ -37393,7 +38958,7 @@
         </p:nvSpPr>
         <p:spPr>
           <a:xfrm>
-            <a:off x="6266546" y="2138856"/>
+            <a:off x="6295992" y="2138371"/>
             <a:ext cx="5341571" cy="1919797"/>
           </a:xfrm>
           <a:prstGeom prst="rect">
@@ -37475,7 +39040,7 @@
         </p:nvSpPr>
         <p:spPr>
           <a:xfrm>
-            <a:off x="2640758" y="4588437"/>
+            <a:off x="2702402" y="4372683"/>
             <a:ext cx="917360" cy="218056"/>
           </a:xfrm>
           <a:prstGeom prst="rect">
@@ -37536,8 +39101,8 @@
         </p:nvSpPr>
         <p:spPr>
           <a:xfrm>
-            <a:off x="6259808" y="4462827"/>
-            <a:ext cx="2430431" cy="1784413"/>
+            <a:off x="6364457" y="5001808"/>
+            <a:ext cx="2019256" cy="1191447"/>
           </a:xfrm>
           <a:prstGeom prst="rect">
             <a:avLst/>
@@ -37574,45 +39139,22 @@
           <a:lstStyle/>
           <a:p>
             <a:pPr algn="ctr"/>
-            <a:r>
-              <a:rPr lang="pt-PT" sz="700" b="0" i="0" dirty="0">
-                <a:solidFill>
-                  <a:schemeClr val="tx1"/>
-                </a:solidFill>
-                <a:effectLst/>
-                <a:latin typeface="system-ui"/>
-              </a:rPr>
-              <a:t>Lorem ipsum dolor sit amet. Non beatae facilis non internos necessitatibus eos atque consequuntur aut quibusdam maxime ut perspiciatis error. Qui consectetur quia ut </a:t>
-            </a:r>
-            <a:r>
-              <a:rPr lang="pt-PT" sz="300" b="0" i="0" dirty="0">
-                <a:solidFill>
-                  <a:schemeClr val="tx1"/>
-                </a:solidFill>
-                <a:effectLst/>
-                <a:latin typeface="system-ui"/>
-              </a:rPr>
-              <a:t>amet</a:t>
-            </a:r>
-            <a:r>
-              <a:rPr lang="pt-PT" sz="700" b="0" i="0" dirty="0">
-                <a:solidFill>
-                  <a:schemeClr val="tx1"/>
-                </a:solidFill>
-                <a:effectLst/>
-                <a:latin typeface="system-ui"/>
-              </a:rPr>
-              <a:t> velit et voluptatum omnis aut Quis velit. In illum ipsam et voluptatum debitis ea ipsam deleniti ex rerum consequuntur. Sed iste nobis qui fugit rerum qui odio nesciunt.</a:t>
-            </a:r>
-          </a:p>
-        </p:txBody>
-      </p:sp>
-      <p:sp>
-        <p:nvSpPr>
-          <p:cNvPr id="40" name="Retângulo 39">
-            <a:extLst>
-              <a:ext uri="{FF2B5EF4-FFF2-40B4-BE49-F238E27FC236}">
-                <a16:creationId xmlns:a16="http://schemas.microsoft.com/office/drawing/2014/main" id="{BFB22AEF-4E1B-5657-5C74-49012CA3C445}"/>
+            <a:endParaRPr lang="pt-PT" sz="700" b="0" i="0" baseline="-25000" dirty="0">
+              <a:solidFill>
+                <a:schemeClr val="tx1"/>
+              </a:solidFill>
+              <a:effectLst/>
+              <a:latin typeface="system-ui"/>
+            </a:endParaRPr>
+          </a:p>
+        </p:txBody>
+      </p:sp>
+      <p:sp>
+        <p:nvSpPr>
+          <p:cNvPr id="42" name="Retângulo 41">
+            <a:extLst>
+              <a:ext uri="{FF2B5EF4-FFF2-40B4-BE49-F238E27FC236}">
+                <a16:creationId xmlns:a16="http://schemas.microsoft.com/office/drawing/2014/main" id="{6FF4FAED-6389-DDC3-6B9F-12103805AC0B}"/>
               </a:ext>
             </a:extLst>
           </p:cNvPr>
@@ -37621,21 +39163,15 @@
         </p:nvSpPr>
         <p:spPr>
           <a:xfrm>
-            <a:off x="9066375" y="4466249"/>
-            <a:ext cx="2535138" cy="1784413"/>
-          </a:xfrm>
-          <a:prstGeom prst="rect">
-            <a:avLst/>
-          </a:prstGeom>
-          <a:solidFill>
-            <a:schemeClr val="bg1">
-              <a:lumMod val="85000"/>
-            </a:schemeClr>
-          </a:solidFill>
+            <a:off x="6096000" y="4148306"/>
+            <a:ext cx="2417685" cy="305186"/>
+          </a:xfrm>
+          <a:prstGeom prst="rect">
+            <a:avLst/>
+          </a:prstGeom>
+          <a:noFill/>
           <a:ln>
-            <a:solidFill>
-              <a:srgbClr val="C00000"/>
-            </a:solidFill>
+            <a:noFill/>
           </a:ln>
         </p:spPr>
         <p:style>
@@ -37659,54 +39195,23 @@
           <a:lstStyle/>
           <a:p>
             <a:pPr algn="ctr"/>
-            <a:endParaRPr lang="pt-PT" sz="800" b="0" i="0" dirty="0">
-              <a:solidFill>
-                <a:schemeClr val="bg1"/>
-              </a:solidFill>
-              <a:effectLst/>
-              <a:latin typeface="system-ui"/>
-            </a:endParaRPr>
-          </a:p>
-          <a:p>
-            <a:pPr algn="ctr"/>
-            <a:endParaRPr lang="pt-PT" sz="800" b="0" i="0" dirty="0">
-              <a:solidFill>
-                <a:schemeClr val="bg1"/>
-              </a:solidFill>
-              <a:effectLst/>
-              <a:latin typeface="system-ui"/>
-            </a:endParaRPr>
-          </a:p>
-          <a:p>
-            <a:pPr algn="ctr"/>
-            <a:r>
-              <a:rPr lang="pt-PT" sz="800" b="0" i="0" dirty="0">
-                <a:solidFill>
-                  <a:schemeClr val="tx1"/>
-                </a:solidFill>
-                <a:effectLst/>
-                <a:latin typeface="system-ui"/>
+            <a:r>
+              <a:rPr lang="pt-PT" dirty="0">
+                <a:solidFill>
+                  <a:srgbClr val="C01722"/>
+                </a:solidFill>
               </a:rPr>
-              <a:t>Lorem ipsum dolor sit amet. Non beatae facilis non internos necessitatibus eos atque consequuntur aut quibusdam maxime ut perspiciatis error. Qui consectetur quia ut amet velit et voluptatum omnis aut Quis velit. In illum ipsam et voluptatum debitis ea ipsam deleniti ex rerum consequuntur. Sed iste nobis qui fugit rerum qui odio nesciunt.</a:t>
-            </a:r>
-            <a:endParaRPr lang="pt-PT" sz="800" dirty="0">
-              <a:solidFill>
-                <a:schemeClr val="tx1"/>
-              </a:solidFill>
-            </a:endParaRPr>
-          </a:p>
-          <a:p>
-            <a:pPr algn="ctr"/>
-            <a:endParaRPr lang="pt-PT" dirty="0"/>
-          </a:p>
-        </p:txBody>
-      </p:sp>
-      <p:sp>
-        <p:nvSpPr>
-          <p:cNvPr id="42" name="Retângulo 41">
-            <a:extLst>
-              <a:ext uri="{FF2B5EF4-FFF2-40B4-BE49-F238E27FC236}">
-                <a16:creationId xmlns:a16="http://schemas.microsoft.com/office/drawing/2014/main" id="{6FF4FAED-6389-DDC3-6B9F-12103805AC0B}"/>
+              <a:t>Interesses</a:t>
+            </a:r>
+          </a:p>
+        </p:txBody>
+      </p:sp>
+      <p:sp>
+        <p:nvSpPr>
+          <p:cNvPr id="43" name="Retângulo 42">
+            <a:extLst>
+              <a:ext uri="{FF2B5EF4-FFF2-40B4-BE49-F238E27FC236}">
+                <a16:creationId xmlns:a16="http://schemas.microsoft.com/office/drawing/2014/main" id="{5FB35F62-CBE6-B944-78C1-DC17DFDE253D}"/>
               </a:ext>
             </a:extLst>
           </p:cNvPr>
@@ -37715,7 +39220,7 @@
         </p:nvSpPr>
         <p:spPr>
           <a:xfrm>
-            <a:off x="6096000" y="4148306"/>
+            <a:off x="9072979" y="4117635"/>
             <a:ext cx="2417685" cy="305186"/>
           </a:xfrm>
           <a:prstGeom prst="rect">
@@ -37753,17 +39258,17 @@
                   <a:srgbClr val="C01722"/>
                 </a:solidFill>
               </a:rPr>
-              <a:t>Interesses</a:t>
-            </a:r>
-          </a:p>
-        </p:txBody>
-      </p:sp>
-      <p:sp>
-        <p:nvSpPr>
-          <p:cNvPr id="43" name="Retângulo 42">
-            <a:extLst>
-              <a:ext uri="{FF2B5EF4-FFF2-40B4-BE49-F238E27FC236}">
-                <a16:creationId xmlns:a16="http://schemas.microsoft.com/office/drawing/2014/main" id="{5FB35F62-CBE6-B944-78C1-DC17DFDE253D}"/>
+              <a:t>Skills</a:t>
+            </a:r>
+          </a:p>
+        </p:txBody>
+      </p:sp>
+      <p:sp>
+        <p:nvSpPr>
+          <p:cNvPr id="44" name="Retângulo 43">
+            <a:extLst>
+              <a:ext uri="{FF2B5EF4-FFF2-40B4-BE49-F238E27FC236}">
+                <a16:creationId xmlns:a16="http://schemas.microsoft.com/office/drawing/2014/main" id="{605AE4F0-6394-F205-4B74-8D2EE81DCB23}"/>
               </a:ext>
             </a:extLst>
           </p:cNvPr>
@@ -37772,13 +39277,15 @@
         </p:nvSpPr>
         <p:spPr>
           <a:xfrm>
-            <a:off x="9072979" y="4117635"/>
-            <a:ext cx="2417685" cy="305186"/>
-          </a:xfrm>
-          <a:prstGeom prst="rect">
-            <a:avLst/>
-          </a:prstGeom>
-          <a:noFill/>
+            <a:off x="4262022" y="4721859"/>
+            <a:ext cx="901635" cy="297875"/>
+          </a:xfrm>
+          <a:prstGeom prst="rect">
+            <a:avLst/>
+          </a:prstGeom>
+          <a:solidFill>
+            <a:srgbClr val="A50D13"/>
+          </a:solidFill>
           <a:ln>
             <a:noFill/>
           </a:ln>
@@ -37805,22 +39312,18 @@
           <a:p>
             <a:pPr algn="ctr"/>
             <a:r>
-              <a:rPr lang="pt-PT" dirty="0">
-                <a:solidFill>
-                  <a:srgbClr val="C01722"/>
-                </a:solidFill>
-              </a:rPr>
-              <a:t>Skills</a:t>
-            </a:r>
-          </a:p>
-        </p:txBody>
-      </p:sp>
-      <p:sp>
-        <p:nvSpPr>
-          <p:cNvPr id="44" name="Retângulo 43">
-            <a:extLst>
-              <a:ext uri="{FF2B5EF4-FFF2-40B4-BE49-F238E27FC236}">
-                <a16:creationId xmlns:a16="http://schemas.microsoft.com/office/drawing/2014/main" id="{605AE4F0-6394-F205-4B74-8D2EE81DCB23}"/>
+              <a:rPr lang="pt-PT" dirty="0"/>
+              <a:t>Editar</a:t>
+            </a:r>
+          </a:p>
+        </p:txBody>
+      </p:sp>
+      <p:sp>
+        <p:nvSpPr>
+          <p:cNvPr id="47" name="Retângulo 46">
+            <a:extLst>
+              <a:ext uri="{FF2B5EF4-FFF2-40B4-BE49-F238E27FC236}">
+                <a16:creationId xmlns:a16="http://schemas.microsoft.com/office/drawing/2014/main" id="{D631EAD2-075E-616E-A852-E7467B0323A5}"/>
               </a:ext>
             </a:extLst>
           </p:cNvPr>
@@ -37829,8 +39332,8 @@
         </p:nvSpPr>
         <p:spPr>
           <a:xfrm>
-            <a:off x="4262022" y="4973656"/>
-            <a:ext cx="901635" cy="297875"/>
+            <a:off x="10483047" y="3647870"/>
+            <a:ext cx="920996" cy="293516"/>
           </a:xfrm>
           <a:prstGeom prst="rect">
             <a:avLst/>
@@ -37870,171 +39373,6 @@
           </a:p>
         </p:txBody>
       </p:sp>
-      <p:sp>
-        <p:nvSpPr>
-          <p:cNvPr id="45" name="Retângulo 44">
-            <a:extLst>
-              <a:ext uri="{FF2B5EF4-FFF2-40B4-BE49-F238E27FC236}">
-                <a16:creationId xmlns:a16="http://schemas.microsoft.com/office/drawing/2014/main" id="{4EFDC178-D217-E80E-CC34-B3D34E62BF7F}"/>
-              </a:ext>
-            </a:extLst>
-          </p:cNvPr>
-          <p:cNvSpPr/>
-          <p:nvPr/>
-        </p:nvSpPr>
-        <p:spPr>
-          <a:xfrm>
-            <a:off x="7389182" y="5874350"/>
-            <a:ext cx="1124503" cy="319596"/>
-          </a:xfrm>
-          <a:prstGeom prst="rect">
-            <a:avLst/>
-          </a:prstGeom>
-          <a:solidFill>
-            <a:srgbClr val="A50D13"/>
-          </a:solidFill>
-          <a:ln>
-            <a:noFill/>
-          </a:ln>
-        </p:spPr>
-        <p:style>
-          <a:lnRef idx="2">
-            <a:schemeClr val="accent1">
-              <a:shade val="50000"/>
-            </a:schemeClr>
-          </a:lnRef>
-          <a:fillRef idx="1">
-            <a:schemeClr val="accent1"/>
-          </a:fillRef>
-          <a:effectRef idx="0">
-            <a:schemeClr val="accent1"/>
-          </a:effectRef>
-          <a:fontRef idx="minor">
-            <a:schemeClr val="lt1"/>
-          </a:fontRef>
-        </p:style>
-        <p:txBody>
-          <a:bodyPr rtlCol="0" anchor="ctr"/>
-          <a:lstStyle/>
-          <a:p>
-            <a:pPr algn="ctr"/>
-            <a:r>
-              <a:rPr lang="pt-PT" dirty="0"/>
-              <a:t>Editar</a:t>
-            </a:r>
-          </a:p>
-        </p:txBody>
-      </p:sp>
-      <p:sp>
-        <p:nvSpPr>
-          <p:cNvPr id="46" name="Retângulo 45">
-            <a:extLst>
-              <a:ext uri="{FF2B5EF4-FFF2-40B4-BE49-F238E27FC236}">
-                <a16:creationId xmlns:a16="http://schemas.microsoft.com/office/drawing/2014/main" id="{1F33B294-A139-2776-AE81-120E3FC53166}"/>
-              </a:ext>
-            </a:extLst>
-          </p:cNvPr>
-          <p:cNvSpPr/>
-          <p:nvPr/>
-        </p:nvSpPr>
-        <p:spPr>
-          <a:xfrm>
-            <a:off x="10417141" y="5894823"/>
-            <a:ext cx="986902" cy="319596"/>
-          </a:xfrm>
-          <a:prstGeom prst="rect">
-            <a:avLst/>
-          </a:prstGeom>
-          <a:solidFill>
-            <a:srgbClr val="A50D13"/>
-          </a:solidFill>
-          <a:ln>
-            <a:noFill/>
-          </a:ln>
-        </p:spPr>
-        <p:style>
-          <a:lnRef idx="2">
-            <a:schemeClr val="accent1">
-              <a:shade val="50000"/>
-            </a:schemeClr>
-          </a:lnRef>
-          <a:fillRef idx="1">
-            <a:schemeClr val="accent1"/>
-          </a:fillRef>
-          <a:effectRef idx="0">
-            <a:schemeClr val="accent1"/>
-          </a:effectRef>
-          <a:fontRef idx="minor">
-            <a:schemeClr val="lt1"/>
-          </a:fontRef>
-        </p:style>
-        <p:txBody>
-          <a:bodyPr rtlCol="0" anchor="ctr"/>
-          <a:lstStyle/>
-          <a:p>
-            <a:pPr algn="ctr"/>
-            <a:r>
-              <a:rPr lang="pt-PT" dirty="0"/>
-              <a:t>Editar</a:t>
-            </a:r>
-          </a:p>
-        </p:txBody>
-      </p:sp>
-      <p:sp>
-        <p:nvSpPr>
-          <p:cNvPr id="47" name="Retângulo 46">
-            <a:extLst>
-              <a:ext uri="{FF2B5EF4-FFF2-40B4-BE49-F238E27FC236}">
-                <a16:creationId xmlns:a16="http://schemas.microsoft.com/office/drawing/2014/main" id="{D631EAD2-075E-616E-A852-E7467B0323A5}"/>
-              </a:ext>
-            </a:extLst>
-          </p:cNvPr>
-          <p:cNvSpPr/>
-          <p:nvPr/>
-        </p:nvSpPr>
-        <p:spPr>
-          <a:xfrm>
-            <a:off x="10483047" y="3647870"/>
-            <a:ext cx="920996" cy="293516"/>
-          </a:xfrm>
-          <a:prstGeom prst="rect">
-            <a:avLst/>
-          </a:prstGeom>
-          <a:solidFill>
-            <a:srgbClr val="A50D13"/>
-          </a:solidFill>
-          <a:ln>
-            <a:noFill/>
-          </a:ln>
-        </p:spPr>
-        <p:style>
-          <a:lnRef idx="2">
-            <a:schemeClr val="accent1">
-              <a:shade val="50000"/>
-            </a:schemeClr>
-          </a:lnRef>
-          <a:fillRef idx="1">
-            <a:schemeClr val="accent1"/>
-          </a:fillRef>
-          <a:effectRef idx="0">
-            <a:schemeClr val="accent1"/>
-          </a:effectRef>
-          <a:fontRef idx="minor">
-            <a:schemeClr val="lt1"/>
-          </a:fontRef>
-        </p:style>
-        <p:txBody>
-          <a:bodyPr rtlCol="0" anchor="ctr"/>
-          <a:lstStyle/>
-          <a:p>
-            <a:pPr algn="ctr"/>
-            <a:r>
-              <a:rPr lang="pt-PT" dirty="0"/>
-              <a:t>Editar</a:t>
-            </a:r>
-          </a:p>
-        </p:txBody>
-      </p:sp>
       <p:cxnSp>
         <p:nvCxnSpPr>
           <p:cNvPr id="10" name="Conector reto 9">
@@ -38049,120 +39387,7 @@
         </p:nvCxnSpPr>
         <p:spPr>
           <a:xfrm>
-            <a:off x="2766872" y="3625924"/>
-            <a:ext cx="2110707" cy="0"/>
-          </a:xfrm>
-          <a:prstGeom prst="line">
-            <a:avLst/>
-          </a:prstGeom>
-          <a:ln/>
-        </p:spPr>
-        <p:style>
-          <a:lnRef idx="1">
-            <a:schemeClr val="dk1"/>
-          </a:lnRef>
-          <a:fillRef idx="0">
-            <a:schemeClr val="dk1"/>
-          </a:fillRef>
-          <a:effectRef idx="0">
-            <a:schemeClr val="dk1"/>
-          </a:effectRef>
-          <a:fontRef idx="minor">
-            <a:schemeClr val="tx1"/>
-          </a:fontRef>
-        </p:style>
-      </p:cxnSp>
-      <p:cxnSp>
-        <p:nvCxnSpPr>
-          <p:cNvPr id="11" name="Conector reto 10">
-            <a:extLst>
-              <a:ext uri="{FF2B5EF4-FFF2-40B4-BE49-F238E27FC236}">
-                <a16:creationId xmlns:a16="http://schemas.microsoft.com/office/drawing/2014/main" id="{0F80DFA3-EAF9-6B44-66E0-0DEE96EAA334}"/>
-              </a:ext>
-            </a:extLst>
-          </p:cNvPr>
-          <p:cNvCxnSpPr>
-            <a:cxnSpLocks/>
-          </p:cNvCxnSpPr>
-          <p:nvPr/>
-        </p:nvCxnSpPr>
-        <p:spPr>
-          <a:xfrm>
-            <a:off x="2742521" y="3839536"/>
-            <a:ext cx="2110707" cy="0"/>
-          </a:xfrm>
-          <a:prstGeom prst="line">
-            <a:avLst/>
-          </a:prstGeom>
-          <a:ln/>
-        </p:spPr>
-        <p:style>
-          <a:lnRef idx="1">
-            <a:schemeClr val="dk1"/>
-          </a:lnRef>
-          <a:fillRef idx="0">
-            <a:schemeClr val="dk1"/>
-          </a:fillRef>
-          <a:effectRef idx="0">
-            <a:schemeClr val="dk1"/>
-          </a:effectRef>
-          <a:fontRef idx="minor">
-            <a:schemeClr val="tx1"/>
-          </a:fontRef>
-        </p:style>
-      </p:cxnSp>
-      <p:cxnSp>
-        <p:nvCxnSpPr>
-          <p:cNvPr id="12" name="Conector reto 11">
-            <a:extLst>
-              <a:ext uri="{FF2B5EF4-FFF2-40B4-BE49-F238E27FC236}">
-                <a16:creationId xmlns:a16="http://schemas.microsoft.com/office/drawing/2014/main" id="{95DD9B1D-5183-A1DD-D086-D9D9CF9B7980}"/>
-              </a:ext>
-            </a:extLst>
-          </p:cNvPr>
-          <p:cNvCxnSpPr/>
-          <p:nvPr/>
-        </p:nvCxnSpPr>
-        <p:spPr>
-          <a:xfrm>
-            <a:off x="2766872" y="4117150"/>
-            <a:ext cx="2110707" cy="0"/>
-          </a:xfrm>
-          <a:prstGeom prst="line">
-            <a:avLst/>
-          </a:prstGeom>
-          <a:ln/>
-        </p:spPr>
-        <p:style>
-          <a:lnRef idx="1">
-            <a:schemeClr val="dk1"/>
-          </a:lnRef>
-          <a:fillRef idx="0">
-            <a:schemeClr val="dk1"/>
-          </a:fillRef>
-          <a:effectRef idx="0">
-            <a:schemeClr val="dk1"/>
-          </a:effectRef>
-          <a:fontRef idx="minor">
-            <a:schemeClr val="tx1"/>
-          </a:fontRef>
-        </p:style>
-      </p:cxnSp>
-      <p:cxnSp>
-        <p:nvCxnSpPr>
-          <p:cNvPr id="13" name="Conector reto 12">
-            <a:extLst>
-              <a:ext uri="{FF2B5EF4-FFF2-40B4-BE49-F238E27FC236}">
-                <a16:creationId xmlns:a16="http://schemas.microsoft.com/office/drawing/2014/main" id="{E5D18D23-99B1-8553-72DE-E17618A0D7D7}"/>
-              </a:ext>
-            </a:extLst>
-          </p:cNvPr>
-          <p:cNvCxnSpPr/>
-          <p:nvPr/>
-        </p:nvCxnSpPr>
-        <p:spPr>
-          <a:xfrm>
-            <a:off x="2766873" y="4482430"/>
+            <a:off x="2784978" y="3633419"/>
             <a:ext cx="2110707" cy="0"/>
           </a:xfrm>
           <a:prstGeom prst="line">
@@ -38861,6 +40086,589 @@
           </a:prstGeom>
         </p:spPr>
       </p:pic>
+      <p:sp>
+        <p:nvSpPr>
+          <p:cNvPr id="3" name="Retângulo 2"/>
+          <p:cNvSpPr/>
+          <p:nvPr/>
+        </p:nvSpPr>
+        <p:spPr>
+          <a:xfrm>
+            <a:off x="6364456" y="4613251"/>
+            <a:ext cx="2019256" cy="243348"/>
+          </a:xfrm>
+          <a:prstGeom prst="rect">
+            <a:avLst/>
+          </a:prstGeom>
+          <a:solidFill>
+            <a:schemeClr val="bg1">
+              <a:lumMod val="85000"/>
+            </a:schemeClr>
+          </a:solidFill>
+          <a:ln>
+            <a:solidFill>
+              <a:srgbClr val="C01722"/>
+            </a:solidFill>
+          </a:ln>
+        </p:spPr>
+        <p:style>
+          <a:lnRef idx="2">
+            <a:schemeClr val="accent1">
+              <a:shade val="50000"/>
+            </a:schemeClr>
+          </a:lnRef>
+          <a:fillRef idx="1">
+            <a:schemeClr val="accent1"/>
+          </a:fillRef>
+          <a:effectRef idx="0">
+            <a:schemeClr val="accent1"/>
+          </a:effectRef>
+          <a:fontRef idx="minor">
+            <a:schemeClr val="lt1"/>
+          </a:fontRef>
+        </p:style>
+        <p:txBody>
+          <a:bodyPr rtlCol="0" anchor="ctr"/>
+          <a:lstStyle/>
+          <a:p>
+            <a:pPr algn="ctr"/>
+            <a:endParaRPr lang="pt-PT"/>
+          </a:p>
+        </p:txBody>
+      </p:sp>
+      <p:sp>
+        <p:nvSpPr>
+          <p:cNvPr id="7" name="Retângulo 6"/>
+          <p:cNvSpPr/>
+          <p:nvPr/>
+        </p:nvSpPr>
+        <p:spPr>
+          <a:xfrm>
+            <a:off x="8533071" y="4659180"/>
+            <a:ext cx="236187" cy="197419"/>
+          </a:xfrm>
+          <a:prstGeom prst="rect">
+            <a:avLst/>
+          </a:prstGeom>
+          <a:solidFill>
+            <a:srgbClr val="C00000"/>
+          </a:solidFill>
+        </p:spPr>
+        <p:style>
+          <a:lnRef idx="2">
+            <a:schemeClr val="accent1">
+              <a:shade val="50000"/>
+            </a:schemeClr>
+          </a:lnRef>
+          <a:fillRef idx="1">
+            <a:schemeClr val="accent1"/>
+          </a:fillRef>
+          <a:effectRef idx="0">
+            <a:schemeClr val="accent1"/>
+          </a:effectRef>
+          <a:fontRef idx="minor">
+            <a:schemeClr val="lt1"/>
+          </a:fontRef>
+        </p:style>
+        <p:txBody>
+          <a:bodyPr rtlCol="0" anchor="ctr"/>
+          <a:lstStyle/>
+          <a:p>
+            <a:pPr algn="ctr"/>
+            <a:r>
+              <a:rPr lang="pt-PT" dirty="0" smtClean="0">
+                <a:solidFill>
+                  <a:schemeClr val="bg1"/>
+                </a:solidFill>
+              </a:rPr>
+              <a:t>+</a:t>
+            </a:r>
+            <a:endParaRPr lang="pt-PT" dirty="0">
+              <a:solidFill>
+                <a:schemeClr val="bg1"/>
+              </a:solidFill>
+            </a:endParaRPr>
+          </a:p>
+        </p:txBody>
+      </p:sp>
+      <p:sp>
+        <p:nvSpPr>
+          <p:cNvPr id="8" name="Retângulo 7"/>
+          <p:cNvSpPr/>
+          <p:nvPr/>
+        </p:nvSpPr>
+        <p:spPr>
+          <a:xfrm>
+            <a:off x="6504755" y="5113128"/>
+            <a:ext cx="1259487" cy="259138"/>
+          </a:xfrm>
+          <a:prstGeom prst="rect">
+            <a:avLst/>
+          </a:prstGeom>
+          <a:solidFill>
+            <a:srgbClr val="C01722"/>
+          </a:solidFill>
+          <a:ln>
+            <a:solidFill>
+              <a:schemeClr val="bg1"/>
+            </a:solidFill>
+          </a:ln>
+        </p:spPr>
+        <p:style>
+          <a:lnRef idx="2">
+            <a:schemeClr val="accent1">
+              <a:shade val="50000"/>
+            </a:schemeClr>
+          </a:lnRef>
+          <a:fillRef idx="1">
+            <a:schemeClr val="accent1"/>
+          </a:fillRef>
+          <a:effectRef idx="0">
+            <a:schemeClr val="accent1"/>
+          </a:effectRef>
+          <a:fontRef idx="minor">
+            <a:schemeClr val="lt1"/>
+          </a:fontRef>
+        </p:style>
+        <p:txBody>
+          <a:bodyPr rtlCol="0" anchor="ctr"/>
+          <a:lstStyle/>
+          <a:p>
+            <a:r>
+              <a:rPr lang="pt-PT" dirty="0" smtClean="0"/>
+              <a:t>Animais   X</a:t>
+            </a:r>
+            <a:endParaRPr lang="pt-PT" dirty="0"/>
+          </a:p>
+        </p:txBody>
+      </p:sp>
+      <p:sp>
+        <p:nvSpPr>
+          <p:cNvPr id="48" name="Retângulo 47"/>
+          <p:cNvSpPr/>
+          <p:nvPr/>
+        </p:nvSpPr>
+        <p:spPr>
+          <a:xfrm>
+            <a:off x="6504755" y="5447091"/>
+            <a:ext cx="1581007" cy="361841"/>
+          </a:xfrm>
+          <a:prstGeom prst="rect">
+            <a:avLst/>
+          </a:prstGeom>
+          <a:solidFill>
+            <a:srgbClr val="C01722"/>
+          </a:solidFill>
+          <a:ln>
+            <a:solidFill>
+              <a:schemeClr val="bg1"/>
+            </a:solidFill>
+          </a:ln>
+        </p:spPr>
+        <p:style>
+          <a:lnRef idx="2">
+            <a:schemeClr val="accent1">
+              <a:shade val="50000"/>
+            </a:schemeClr>
+          </a:lnRef>
+          <a:fillRef idx="1">
+            <a:schemeClr val="accent1"/>
+          </a:fillRef>
+          <a:effectRef idx="0">
+            <a:schemeClr val="accent1"/>
+          </a:effectRef>
+          <a:fontRef idx="minor">
+            <a:schemeClr val="lt1"/>
+          </a:fontRef>
+        </p:style>
+        <p:txBody>
+          <a:bodyPr rtlCol="0" anchor="ctr"/>
+          <a:lstStyle/>
+          <a:p>
+            <a:r>
+              <a:rPr lang="pt-PT" dirty="0" smtClean="0"/>
+              <a:t>Informática   X</a:t>
+            </a:r>
+            <a:endParaRPr lang="pt-PT" dirty="0"/>
+          </a:p>
+        </p:txBody>
+      </p:sp>
+      <p:sp>
+        <p:nvSpPr>
+          <p:cNvPr id="49" name="Retângulo 48">
+            <a:extLst>
+              <a:ext uri="{FF2B5EF4-FFF2-40B4-BE49-F238E27FC236}">
+                <a16:creationId xmlns:a16="http://schemas.microsoft.com/office/drawing/2014/main" id="{7305CFA6-E2B8-B41D-83F0-256C794E02E5}"/>
+              </a:ext>
+            </a:extLst>
+          </p:cNvPr>
+          <p:cNvSpPr/>
+          <p:nvPr/>
+        </p:nvSpPr>
+        <p:spPr>
+          <a:xfrm>
+            <a:off x="9366535" y="4982826"/>
+            <a:ext cx="2019256" cy="1191447"/>
+          </a:xfrm>
+          <a:prstGeom prst="rect">
+            <a:avLst/>
+          </a:prstGeom>
+          <a:solidFill>
+            <a:schemeClr val="bg1">
+              <a:lumMod val="85000"/>
+            </a:schemeClr>
+          </a:solidFill>
+          <a:ln>
+            <a:solidFill>
+              <a:srgbClr val="C00000"/>
+            </a:solidFill>
+          </a:ln>
+        </p:spPr>
+        <p:style>
+          <a:lnRef idx="2">
+            <a:schemeClr val="accent1">
+              <a:shade val="50000"/>
+            </a:schemeClr>
+          </a:lnRef>
+          <a:fillRef idx="1">
+            <a:schemeClr val="accent1"/>
+          </a:fillRef>
+          <a:effectRef idx="0">
+            <a:schemeClr val="accent1"/>
+          </a:effectRef>
+          <a:fontRef idx="minor">
+            <a:schemeClr val="lt1"/>
+          </a:fontRef>
+        </p:style>
+        <p:txBody>
+          <a:bodyPr rtlCol="0" anchor="ctr"/>
+          <a:lstStyle/>
+          <a:p>
+            <a:pPr algn="ctr"/>
+            <a:endParaRPr lang="pt-PT" sz="700" b="0" i="0" baseline="-25000" dirty="0">
+              <a:solidFill>
+                <a:schemeClr val="tx1"/>
+              </a:solidFill>
+              <a:effectLst/>
+              <a:latin typeface="system-ui"/>
+            </a:endParaRPr>
+          </a:p>
+        </p:txBody>
+      </p:sp>
+      <p:sp>
+        <p:nvSpPr>
+          <p:cNvPr id="50" name="Retângulo 49"/>
+          <p:cNvSpPr/>
+          <p:nvPr/>
+        </p:nvSpPr>
+        <p:spPr>
+          <a:xfrm>
+            <a:off x="9366534" y="4530904"/>
+            <a:ext cx="1595992" cy="275590"/>
+          </a:xfrm>
+          <a:prstGeom prst="rect">
+            <a:avLst/>
+          </a:prstGeom>
+          <a:solidFill>
+            <a:schemeClr val="bg1">
+              <a:lumMod val="85000"/>
+            </a:schemeClr>
+          </a:solidFill>
+          <a:ln>
+            <a:solidFill>
+              <a:srgbClr val="C01722"/>
+            </a:solidFill>
+          </a:ln>
+        </p:spPr>
+        <p:style>
+          <a:lnRef idx="2">
+            <a:schemeClr val="accent1">
+              <a:shade val="50000"/>
+            </a:schemeClr>
+          </a:lnRef>
+          <a:fillRef idx="1">
+            <a:schemeClr val="accent1"/>
+          </a:fillRef>
+          <a:effectRef idx="0">
+            <a:schemeClr val="accent1"/>
+          </a:effectRef>
+          <a:fontRef idx="minor">
+            <a:schemeClr val="lt1"/>
+          </a:fontRef>
+        </p:style>
+        <p:txBody>
+          <a:bodyPr rtlCol="0" anchor="ctr"/>
+          <a:lstStyle/>
+          <a:p>
+            <a:pPr algn="ctr"/>
+            <a:endParaRPr lang="pt-PT"/>
+          </a:p>
+        </p:txBody>
+      </p:sp>
+      <p:sp>
+        <p:nvSpPr>
+          <p:cNvPr id="52" name="Retângulo 51"/>
+          <p:cNvSpPr/>
+          <p:nvPr/>
+        </p:nvSpPr>
+        <p:spPr>
+          <a:xfrm>
+            <a:off x="11458849" y="4573148"/>
+            <a:ext cx="290406" cy="224366"/>
+          </a:xfrm>
+          <a:prstGeom prst="rect">
+            <a:avLst/>
+          </a:prstGeom>
+          <a:solidFill>
+            <a:srgbClr val="C00000"/>
+          </a:solidFill>
+        </p:spPr>
+        <p:style>
+          <a:lnRef idx="2">
+            <a:schemeClr val="accent1">
+              <a:shade val="50000"/>
+            </a:schemeClr>
+          </a:lnRef>
+          <a:fillRef idx="1">
+            <a:schemeClr val="accent1"/>
+          </a:fillRef>
+          <a:effectRef idx="0">
+            <a:schemeClr val="accent1"/>
+          </a:effectRef>
+          <a:fontRef idx="minor">
+            <a:schemeClr val="lt1"/>
+          </a:fontRef>
+        </p:style>
+        <p:txBody>
+          <a:bodyPr rtlCol="0" anchor="ctr"/>
+          <a:lstStyle/>
+          <a:p>
+            <a:pPr algn="ctr"/>
+            <a:r>
+              <a:rPr lang="pt-PT" dirty="0" smtClean="0">
+                <a:solidFill>
+                  <a:schemeClr val="bg1"/>
+                </a:solidFill>
+              </a:rPr>
+              <a:t>+</a:t>
+            </a:r>
+            <a:endParaRPr lang="pt-PT" dirty="0">
+              <a:solidFill>
+                <a:schemeClr val="bg1"/>
+              </a:solidFill>
+            </a:endParaRPr>
+          </a:p>
+        </p:txBody>
+      </p:sp>
+      <p:sp>
+        <p:nvSpPr>
+          <p:cNvPr id="53" name="Retângulo 52"/>
+          <p:cNvSpPr/>
+          <p:nvPr/>
+        </p:nvSpPr>
+        <p:spPr>
+          <a:xfrm>
+            <a:off x="9506833" y="5094145"/>
+            <a:ext cx="1374095" cy="272353"/>
+          </a:xfrm>
+          <a:prstGeom prst="rect">
+            <a:avLst/>
+          </a:prstGeom>
+          <a:solidFill>
+            <a:schemeClr val="accent2"/>
+          </a:solidFill>
+          <a:ln>
+            <a:solidFill>
+              <a:schemeClr val="bg1"/>
+            </a:solidFill>
+          </a:ln>
+        </p:spPr>
+        <p:style>
+          <a:lnRef idx="2">
+            <a:schemeClr val="accent1">
+              <a:shade val="50000"/>
+            </a:schemeClr>
+          </a:lnRef>
+          <a:fillRef idx="1">
+            <a:schemeClr val="accent1"/>
+          </a:fillRef>
+          <a:effectRef idx="0">
+            <a:schemeClr val="accent1"/>
+          </a:effectRef>
+          <a:fontRef idx="minor">
+            <a:schemeClr val="lt1"/>
+          </a:fontRef>
+        </p:style>
+        <p:txBody>
+          <a:bodyPr rtlCol="0" anchor="ctr"/>
+          <a:lstStyle/>
+          <a:p>
+            <a:r>
+              <a:rPr lang="pt-PT" dirty="0" smtClean="0"/>
+              <a:t>Sensores   X</a:t>
+            </a:r>
+            <a:endParaRPr lang="pt-PT" dirty="0"/>
+          </a:p>
+        </p:txBody>
+      </p:sp>
+      <p:sp>
+        <p:nvSpPr>
+          <p:cNvPr id="54" name="Retângulo 53"/>
+          <p:cNvSpPr/>
+          <p:nvPr/>
+        </p:nvSpPr>
+        <p:spPr>
+          <a:xfrm>
+            <a:off x="9506833" y="5428109"/>
+            <a:ext cx="1581007" cy="361841"/>
+          </a:xfrm>
+          <a:prstGeom prst="rect">
+            <a:avLst/>
+          </a:prstGeom>
+          <a:solidFill>
+            <a:schemeClr val="accent1"/>
+          </a:solidFill>
+          <a:ln>
+            <a:solidFill>
+              <a:schemeClr val="bg1"/>
+            </a:solidFill>
+          </a:ln>
+        </p:spPr>
+        <p:style>
+          <a:lnRef idx="2">
+            <a:schemeClr val="accent1">
+              <a:shade val="50000"/>
+            </a:schemeClr>
+          </a:lnRef>
+          <a:fillRef idx="1">
+            <a:schemeClr val="accent1"/>
+          </a:fillRef>
+          <a:effectRef idx="0">
+            <a:schemeClr val="accent1"/>
+          </a:effectRef>
+          <a:fontRef idx="minor">
+            <a:schemeClr val="lt1"/>
+          </a:fontRef>
+        </p:style>
+        <p:txBody>
+          <a:bodyPr rtlCol="0" anchor="ctr"/>
+          <a:lstStyle/>
+          <a:p>
+            <a:r>
+              <a:rPr lang="pt-PT" dirty="0" smtClean="0"/>
+              <a:t>IDE   X</a:t>
+            </a:r>
+            <a:endParaRPr lang="pt-PT" dirty="0"/>
+          </a:p>
+        </p:txBody>
+      </p:sp>
+      <p:sp>
+        <p:nvSpPr>
+          <p:cNvPr id="55" name="Retângulo 54"/>
+          <p:cNvSpPr/>
+          <p:nvPr/>
+        </p:nvSpPr>
+        <p:spPr>
+          <a:xfrm>
+            <a:off x="11012222" y="4554167"/>
+            <a:ext cx="373568" cy="262170"/>
+          </a:xfrm>
+          <a:prstGeom prst="rect">
+            <a:avLst/>
+          </a:prstGeom>
+          <a:solidFill>
+            <a:schemeClr val="bg1">
+              <a:lumMod val="85000"/>
+            </a:schemeClr>
+          </a:solidFill>
+          <a:ln>
+            <a:solidFill>
+              <a:srgbClr val="C01722"/>
+            </a:solidFill>
+          </a:ln>
+        </p:spPr>
+        <p:style>
+          <a:lnRef idx="2">
+            <a:schemeClr val="accent1">
+              <a:shade val="50000"/>
+            </a:schemeClr>
+          </a:lnRef>
+          <a:fillRef idx="1">
+            <a:schemeClr val="accent1"/>
+          </a:fillRef>
+          <a:effectRef idx="0">
+            <a:schemeClr val="accent1"/>
+          </a:effectRef>
+          <a:fontRef idx="minor">
+            <a:schemeClr val="lt1"/>
+          </a:fontRef>
+        </p:style>
+        <p:txBody>
+          <a:bodyPr rtlCol="0" anchor="ctr"/>
+          <a:lstStyle/>
+          <a:p>
+            <a:pPr algn="ctr"/>
+            <a:endParaRPr lang="pt-PT"/>
+          </a:p>
+        </p:txBody>
+      </p:sp>
+      <p:sp>
+        <p:nvSpPr>
+          <p:cNvPr id="56" name="Seta: para Baixo 15">
+            <a:extLst>
+              <a:ext uri="{FF2B5EF4-FFF2-40B4-BE49-F238E27FC236}">
+                <a16:creationId xmlns:a16="http://schemas.microsoft.com/office/drawing/2014/main" id="{4D98A3C1-CACF-6ACE-9657-EFBF31362204}"/>
+              </a:ext>
+            </a:extLst>
+          </p:cNvPr>
+          <p:cNvSpPr/>
+          <p:nvPr/>
+        </p:nvSpPr>
+        <p:spPr>
+          <a:xfrm>
+            <a:off x="11035585" y="4554166"/>
+            <a:ext cx="268213" cy="253014"/>
+          </a:xfrm>
+          <a:prstGeom prst="downArrow">
+            <a:avLst/>
+          </a:prstGeom>
+          <a:solidFill>
+            <a:schemeClr val="bg1"/>
+          </a:solidFill>
+          <a:ln>
+            <a:solidFill>
+              <a:schemeClr val="tx1">
+                <a:lumMod val="95000"/>
+                <a:lumOff val="5000"/>
+              </a:schemeClr>
+            </a:solidFill>
+          </a:ln>
+        </p:spPr>
+        <p:style>
+          <a:lnRef idx="2">
+            <a:schemeClr val="dk1">
+              <a:shade val="50000"/>
+            </a:schemeClr>
+          </a:lnRef>
+          <a:fillRef idx="1">
+            <a:schemeClr val="dk1"/>
+          </a:fillRef>
+          <a:effectRef idx="0">
+            <a:schemeClr val="dk1"/>
+          </a:effectRef>
+          <a:fontRef idx="minor">
+            <a:schemeClr val="lt1"/>
+          </a:fontRef>
+        </p:style>
+        <p:txBody>
+          <a:bodyPr rtlCol="0" anchor="ctr"/>
+          <a:lstStyle/>
+          <a:p>
+            <a:pPr algn="ctr"/>
+            <a:endParaRPr lang="pt-PT"/>
+          </a:p>
+        </p:txBody>
+      </p:sp>
     </p:spTree>
     <p:extLst>
       <p:ext uri="{BB962C8B-B14F-4D97-AF65-F5344CB8AC3E}">
@@ -39668,8 +41476,8 @@
         </p:nvSpPr>
         <p:spPr>
           <a:xfrm>
-            <a:off x="4041825" y="2938848"/>
-            <a:ext cx="4108349" cy="533400"/>
+            <a:off x="2655408" y="3689759"/>
+            <a:ext cx="8317986" cy="533400"/>
           </a:xfrm>
           <a:prstGeom prst="rect">
             <a:avLst/>
@@ -39705,9 +41513,8 @@
           <a:bodyPr rtlCol="0" anchor="ctr"/>
           <a:lstStyle/>
           <a:p>
-            <a:pPr algn="ctr"/>
-            <a:r>
-              <a:rPr lang="pt-PT" b="1" dirty="0">
+            <a:r>
+              <a:rPr lang="pt-PT" b="1" dirty="0" smtClean="0">
                 <a:ln>
                   <a:solidFill>
                     <a:schemeClr val="tx1"/>
@@ -39717,8 +41524,18 @@
                   <a:schemeClr val="tx1"/>
                 </a:solidFill>
               </a:rPr>
-              <a:t>data:subject:input</a:t>
-            </a:r>
+              <a:t>30/05/2023|Joana foi adicionado ao Projeto “Nome do Projeto”</a:t>
+            </a:r>
+            <a:endParaRPr lang="pt-PT" b="1" dirty="0">
+              <a:ln>
+                <a:solidFill>
+                  <a:schemeClr val="tx1"/>
+                </a:solidFill>
+              </a:ln>
+              <a:solidFill>
+                <a:schemeClr val="tx1"/>
+              </a:solidFill>
+            </a:endParaRPr>
           </a:p>
         </p:txBody>
       </p:sp>
@@ -39736,8 +41553,8 @@
         </p:nvSpPr>
         <p:spPr>
           <a:xfrm>
-            <a:off x="4041825" y="3536434"/>
-            <a:ext cx="4108349" cy="533400"/>
+            <a:off x="2655409" y="2809162"/>
+            <a:ext cx="8317985" cy="533400"/>
           </a:xfrm>
           <a:prstGeom prst="rect">
             <a:avLst/>
@@ -39773,9 +41590,8 @@
           <a:bodyPr rtlCol="0" anchor="ctr"/>
           <a:lstStyle/>
           <a:p>
-            <a:pPr algn="ctr"/>
-            <a:r>
-              <a:rPr lang="pt-PT" dirty="0">
+            <a:r>
+              <a:rPr lang="pt-PT" dirty="0" smtClean="0">
                 <a:ln>
                   <a:solidFill>
                     <a:schemeClr val="tx1"/>
@@ -39785,76 +41601,18 @@
                   <a:schemeClr val="tx1"/>
                 </a:solidFill>
               </a:rPr>
-              <a:t>data:subject:input</a:t>
-            </a:r>
-          </a:p>
-        </p:txBody>
-      </p:sp>
-      <p:sp>
-        <p:nvSpPr>
-          <p:cNvPr id="6" name="Retângulo 5">
-            <a:extLst>
-              <a:ext uri="{FF2B5EF4-FFF2-40B4-BE49-F238E27FC236}">
-                <a16:creationId xmlns:a16="http://schemas.microsoft.com/office/drawing/2014/main" id="{A14719F9-9D42-18A1-7422-BD28ADC6E062}"/>
-              </a:ext>
-            </a:extLst>
-          </p:cNvPr>
-          <p:cNvSpPr/>
-          <p:nvPr/>
-        </p:nvSpPr>
-        <p:spPr>
-          <a:xfrm>
-            <a:off x="4041825" y="4149326"/>
-            <a:ext cx="4108349" cy="533400"/>
-          </a:xfrm>
-          <a:prstGeom prst="rect">
-            <a:avLst/>
-          </a:prstGeom>
-          <a:solidFill>
-            <a:schemeClr val="bg1">
-              <a:lumMod val="95000"/>
-            </a:schemeClr>
-          </a:solidFill>
-          <a:ln>
-            <a:solidFill>
-              <a:srgbClr val="813737"/>
-            </a:solidFill>
-          </a:ln>
-        </p:spPr>
-        <p:style>
-          <a:lnRef idx="2">
-            <a:schemeClr val="accent1">
-              <a:shade val="50000"/>
-            </a:schemeClr>
-          </a:lnRef>
-          <a:fillRef idx="1">
-            <a:schemeClr val="accent1"/>
-          </a:fillRef>
-          <a:effectRef idx="0">
-            <a:schemeClr val="accent1"/>
-          </a:effectRef>
-          <a:fontRef idx="minor">
-            <a:schemeClr val="lt1"/>
-          </a:fontRef>
-        </p:style>
-        <p:txBody>
-          <a:bodyPr rtlCol="0" anchor="ctr"/>
-          <a:lstStyle/>
-          <a:p>
-            <a:pPr algn="ctr"/>
-            <a:r>
-              <a:rPr lang="pt-PT" dirty="0">
-                <a:ln>
-                  <a:solidFill>
-                    <a:schemeClr val="tx1"/>
-                  </a:solidFill>
-                </a:ln>
+              <a:t>30/05/2023|Rodrigo Ferreira convidou para Projeto “Nome do Projeto” </a:t>
+            </a:r>
+            <a:endParaRPr lang="pt-PT" dirty="0">
+              <a:ln>
                 <a:solidFill>
                   <a:schemeClr val="tx1"/>
                 </a:solidFill>
-              </a:rPr>
-              <a:t>data:subject:input</a:t>
-            </a:r>
+              </a:ln>
+              <a:solidFill>
+                <a:schemeClr val="tx1"/>
+              </a:solidFill>
+            </a:endParaRPr>
           </a:p>
         </p:txBody>
       </p:sp>
@@ -40079,6 +41837,104 @@
                 </a:outerShdw>
               </a:effectLst>
             </a:endParaRPr>
+          </a:p>
+        </p:txBody>
+      </p:sp>
+      <p:sp>
+        <p:nvSpPr>
+          <p:cNvPr id="7" name="Multiplicar 6"/>
+          <p:cNvSpPr/>
+          <p:nvPr/>
+        </p:nvSpPr>
+        <p:spPr>
+          <a:xfrm>
+            <a:off x="10346630" y="2845074"/>
+            <a:ext cx="512502" cy="456819"/>
+          </a:xfrm>
+          <a:prstGeom prst="mathMultiply">
+            <a:avLst/>
+          </a:prstGeom>
+          <a:solidFill>
+            <a:srgbClr val="FF0000"/>
+          </a:solidFill>
+          <a:ln>
+            <a:solidFill>
+              <a:schemeClr val="bg1"/>
+            </a:solidFill>
+          </a:ln>
+        </p:spPr>
+        <p:style>
+          <a:lnRef idx="2">
+            <a:schemeClr val="accent1">
+              <a:shade val="50000"/>
+            </a:schemeClr>
+          </a:lnRef>
+          <a:fillRef idx="1">
+            <a:schemeClr val="accent1"/>
+          </a:fillRef>
+          <a:effectRef idx="0">
+            <a:schemeClr val="accent1"/>
+          </a:effectRef>
+          <a:fontRef idx="minor">
+            <a:schemeClr val="lt1"/>
+          </a:fontRef>
+        </p:style>
+        <p:txBody>
+          <a:bodyPr rtlCol="0" anchor="ctr"/>
+          <a:lstStyle/>
+          <a:p>
+            <a:pPr algn="ctr"/>
+            <a:endParaRPr lang="pt-PT"/>
+          </a:p>
+        </p:txBody>
+      </p:sp>
+      <p:sp>
+        <p:nvSpPr>
+          <p:cNvPr id="9" name="Coração 8"/>
+          <p:cNvSpPr/>
+          <p:nvPr/>
+        </p:nvSpPr>
+        <p:spPr>
+          <a:xfrm>
+            <a:off x="9832359" y="2887776"/>
+            <a:ext cx="400009" cy="383259"/>
+          </a:xfrm>
+          <a:prstGeom prst="heart">
+            <a:avLst/>
+          </a:prstGeom>
+          <a:solidFill>
+            <a:schemeClr val="accent6">
+              <a:lumMod val="75000"/>
+            </a:schemeClr>
+          </a:solidFill>
+          <a:ln>
+            <a:solidFill>
+              <a:schemeClr val="bg1"/>
+            </a:solidFill>
+          </a:ln>
+        </p:spPr>
+        <p:style>
+          <a:lnRef idx="2">
+            <a:schemeClr val="accent1">
+              <a:shade val="50000"/>
+            </a:schemeClr>
+          </a:lnRef>
+          <a:fillRef idx="1">
+            <a:schemeClr val="accent1"/>
+          </a:fillRef>
+          <a:effectRef idx="0">
+            <a:schemeClr val="accent1"/>
+          </a:effectRef>
+          <a:fontRef idx="minor">
+            <a:schemeClr val="lt1"/>
+          </a:fontRef>
+        </p:style>
+        <p:txBody>
+          <a:bodyPr rtlCol="0" anchor="ctr"/>
+          <a:lstStyle/>
+          <a:p>
+            <a:pPr algn="ctr"/>
+            <a:endParaRPr lang="pt-PT"/>
           </a:p>
         </p:txBody>
       </p:sp>
@@ -41152,7 +43008,7 @@
         <p:spPr>
           <a:xfrm>
             <a:off x="3547276" y="2995694"/>
-            <a:ext cx="1316474" cy="543371"/>
+            <a:ext cx="1731640" cy="543371"/>
           </a:xfrm>
           <a:prstGeom prst="rect">
             <a:avLst/>
@@ -41185,9 +43041,10 @@
           <a:lstStyle/>
           <a:p>
             <a:r>
-              <a:rPr lang="pt-PT" dirty="0"/>
-              <a:t>Utilizador A</a:t>
-            </a:r>
+              <a:rPr lang="pt-PT" dirty="0" smtClean="0"/>
+              <a:t>Rodrigo Ferreira</a:t>
+            </a:r>
+            <a:endParaRPr lang="pt-PT" dirty="0"/>
           </a:p>
         </p:txBody>
       </p:sp>
@@ -41300,8 +43157,8 @@
         </p:nvSpPr>
         <p:spPr>
           <a:xfrm>
-            <a:off x="3547276" y="3622382"/>
-            <a:ext cx="1316474" cy="537699"/>
+            <a:off x="3547275" y="3622382"/>
+            <a:ext cx="1731641" cy="537699"/>
           </a:xfrm>
           <a:prstGeom prst="rect">
             <a:avLst/>
@@ -41333,11 +43190,12 @@
           <a:bodyPr rtlCol="0" anchor="ctr"/>
           <a:lstStyle/>
           <a:p>
-            <a:pPr algn="ctr"/>
-            <a:r>
-              <a:rPr lang="pt-PT" dirty="0"/>
-              <a:t>Utilizador B</a:t>
-            </a:r>
+            <a:pPr algn="r"/>
+            <a:r>
+              <a:rPr lang="pt-PT" dirty="0" smtClean="0"/>
+              <a:t>Joana Ramalho</a:t>
+            </a:r>
+            <a:endParaRPr lang="pt-PT" dirty="0"/>
           </a:p>
         </p:txBody>
       </p:sp>
